--- a/Chapitre_03_TorseursCinetiquesDynamiques/Activation_01_Exosquelette/images/Figures.pptx
+++ b/Chapitre_03_TorseursCinetiquesDynamiques/Activation_01_Exosquelette/images/Figures.pptx
@@ -6,16 +6,19 @@
   </p:sldMasterIdLst>
   <p:sldIdLst>
     <p:sldId id="257" r:id="rId2"/>
-    <p:sldId id="267" r:id="rId3"/>
-    <p:sldId id="266" r:id="rId4"/>
-    <p:sldId id="264" r:id="rId5"/>
-    <p:sldId id="256" r:id="rId6"/>
-    <p:sldId id="265" r:id="rId7"/>
-    <p:sldId id="261" r:id="rId8"/>
-    <p:sldId id="262" r:id="rId9"/>
-    <p:sldId id="259" r:id="rId10"/>
-    <p:sldId id="258" r:id="rId11"/>
-    <p:sldId id="263" r:id="rId12"/>
+    <p:sldId id="270" r:id="rId3"/>
+    <p:sldId id="268" r:id="rId4"/>
+    <p:sldId id="269" r:id="rId5"/>
+    <p:sldId id="267" r:id="rId6"/>
+    <p:sldId id="266" r:id="rId7"/>
+    <p:sldId id="264" r:id="rId8"/>
+    <p:sldId id="256" r:id="rId9"/>
+    <p:sldId id="265" r:id="rId10"/>
+    <p:sldId id="261" r:id="rId11"/>
+    <p:sldId id="262" r:id="rId12"/>
+    <p:sldId id="259" r:id="rId13"/>
+    <p:sldId id="258" r:id="rId14"/>
+    <p:sldId id="263" r:id="rId15"/>
   </p:sldIdLst>
   <p:sldSz cx="9144000" cy="6858000" type="screen4x3"/>
   <p:notesSz cx="6858000" cy="9144000"/>
@@ -298,7 +301,7 @@
           <a:p>
             <a:fld id="{AA309A6D-C09C-4548-B29A-6CF363A7E532}" type="datetimeFigureOut">
               <a:rPr lang="fr-FR" smtClean="0"/>
-              <a:t>20/06/2018</a:t>
+              <a:t>25/06/2018</a:t>
             </a:fld>
             <a:endParaRPr lang="fr-BE"/>
           </a:p>
@@ -463,7 +466,7 @@
           <a:p>
             <a:fld id="{AA309A6D-C09C-4548-B29A-6CF363A7E532}" type="datetimeFigureOut">
               <a:rPr lang="fr-FR" smtClean="0"/>
-              <a:t>20/06/2018</a:t>
+              <a:t>25/06/2018</a:t>
             </a:fld>
             <a:endParaRPr lang="fr-BE"/>
           </a:p>
@@ -638,7 +641,7 @@
           <a:p>
             <a:fld id="{AA309A6D-C09C-4548-B29A-6CF363A7E532}" type="datetimeFigureOut">
               <a:rPr lang="fr-FR" smtClean="0"/>
-              <a:t>20/06/2018</a:t>
+              <a:t>25/06/2018</a:t>
             </a:fld>
             <a:endParaRPr lang="fr-BE"/>
           </a:p>
@@ -803,7 +806,7 @@
           <a:p>
             <a:fld id="{AA309A6D-C09C-4548-B29A-6CF363A7E532}" type="datetimeFigureOut">
               <a:rPr lang="fr-FR" smtClean="0"/>
-              <a:t>20/06/2018</a:t>
+              <a:t>25/06/2018</a:t>
             </a:fld>
             <a:endParaRPr lang="fr-BE"/>
           </a:p>
@@ -1044,7 +1047,7 @@
           <a:p>
             <a:fld id="{AA309A6D-C09C-4548-B29A-6CF363A7E532}" type="datetimeFigureOut">
               <a:rPr lang="fr-FR" smtClean="0"/>
-              <a:t>20/06/2018</a:t>
+              <a:t>25/06/2018</a:t>
             </a:fld>
             <a:endParaRPr lang="fr-BE"/>
           </a:p>
@@ -1327,7 +1330,7 @@
           <a:p>
             <a:fld id="{AA309A6D-C09C-4548-B29A-6CF363A7E532}" type="datetimeFigureOut">
               <a:rPr lang="fr-FR" smtClean="0"/>
-              <a:t>20/06/2018</a:t>
+              <a:t>25/06/2018</a:t>
             </a:fld>
             <a:endParaRPr lang="fr-BE"/>
           </a:p>
@@ -1744,7 +1747,7 @@
           <a:p>
             <a:fld id="{AA309A6D-C09C-4548-B29A-6CF363A7E532}" type="datetimeFigureOut">
               <a:rPr lang="fr-FR" smtClean="0"/>
-              <a:t>20/06/2018</a:t>
+              <a:t>25/06/2018</a:t>
             </a:fld>
             <a:endParaRPr lang="fr-BE"/>
           </a:p>
@@ -1857,7 +1860,7 @@
           <a:p>
             <a:fld id="{AA309A6D-C09C-4548-B29A-6CF363A7E532}" type="datetimeFigureOut">
               <a:rPr lang="fr-FR" smtClean="0"/>
-              <a:t>20/06/2018</a:t>
+              <a:t>25/06/2018</a:t>
             </a:fld>
             <a:endParaRPr lang="fr-BE"/>
           </a:p>
@@ -1947,7 +1950,7 @@
           <a:p>
             <a:fld id="{AA309A6D-C09C-4548-B29A-6CF363A7E532}" type="datetimeFigureOut">
               <a:rPr lang="fr-FR" smtClean="0"/>
-              <a:t>20/06/2018</a:t>
+              <a:t>25/06/2018</a:t>
             </a:fld>
             <a:endParaRPr lang="fr-BE"/>
           </a:p>
@@ -2219,7 +2222,7 @@
           <a:p>
             <a:fld id="{AA309A6D-C09C-4548-B29A-6CF363A7E532}" type="datetimeFigureOut">
               <a:rPr lang="fr-FR" smtClean="0"/>
-              <a:t>20/06/2018</a:t>
+              <a:t>25/06/2018</a:t>
             </a:fld>
             <a:endParaRPr lang="fr-BE"/>
           </a:p>
@@ -2467,7 +2470,7 @@
           <a:p>
             <a:fld id="{AA309A6D-C09C-4548-B29A-6CF363A7E532}" type="datetimeFigureOut">
               <a:rPr lang="fr-FR" smtClean="0"/>
-              <a:t>20/06/2018</a:t>
+              <a:t>25/06/2018</a:t>
             </a:fld>
             <a:endParaRPr lang="fr-BE"/>
           </a:p>
@@ -2675,7 +2678,7 @@
           <a:p>
             <a:fld id="{AA309A6D-C09C-4548-B29A-6CF363A7E532}" type="datetimeFigureOut">
               <a:rPr lang="fr-FR" smtClean="0"/>
-              <a:t>20/06/2018</a:t>
+              <a:t>25/06/2018</a:t>
             </a:fld>
             <a:endParaRPr lang="fr-BE"/>
           </a:p>
@@ -3363,8 +3366,8 @@
           </a:p>
         </p:txBody>
       </p:sp>
-      <mc:AlternateContent xmlns:mc="http://schemas.openxmlformats.org/markup-compatibility/2006">
-        <mc:Choice xmlns:a14="http://schemas.microsoft.com/office/drawing/2010/main" Requires="a14">
+      <mc:AlternateContent xmlns:mc="http://schemas.openxmlformats.org/markup-compatibility/2006" xmlns:a14="http://schemas.microsoft.com/office/drawing/2010/main">
+        <mc:Choice Requires="a14">
           <p:graphicFrame>
             <p:nvGraphicFramePr>
               <p:cNvPr id="3" name="Tableau 2"/>
@@ -4199,7 +4202,7 @@
             </a:graphic>
           </p:graphicFrame>
         </mc:Choice>
-        <mc:Fallback>
+        <mc:Fallback xmlns="">
           <p:graphicFrame>
             <p:nvGraphicFramePr>
               <p:cNvPr id="3" name="Tableau 2"/>
@@ -4887,8 +4890,8 @@
           </p:graphicFrame>
         </mc:Fallback>
       </mc:AlternateContent>
-      <mc:AlternateContent xmlns:mc="http://schemas.openxmlformats.org/markup-compatibility/2006">
-        <mc:Choice xmlns:a14="http://schemas.microsoft.com/office/drawing/2010/main" Requires="a14">
+      <mc:AlternateContent xmlns:mc="http://schemas.openxmlformats.org/markup-compatibility/2006" xmlns:a14="http://schemas.microsoft.com/office/drawing/2010/main">
+        <mc:Choice Requires="a14">
           <p:graphicFrame>
             <p:nvGraphicFramePr>
               <p:cNvPr id="17" name="Tableau 16"/>
@@ -5723,7 +5726,7 @@
             </a:graphic>
           </p:graphicFrame>
         </mc:Choice>
-        <mc:Fallback>
+        <mc:Fallback xmlns="">
           <p:graphicFrame>
             <p:nvGraphicFramePr>
               <p:cNvPr id="17" name="Tableau 16"/>
@@ -6647,6 +6650,2411 @@
 </file>
 
 <file path=ppt/slides/slide10.xml><?xml version="1.0" encoding="utf-8"?>
+<p:sld xmlns:a="http://schemas.openxmlformats.org/drawingml/2006/main" xmlns:r="http://schemas.openxmlformats.org/officeDocument/2006/relationships" xmlns:p="http://schemas.openxmlformats.org/presentationml/2006/main">
+  <p:cSld>
+    <p:spTree>
+      <p:nvGrpSpPr>
+        <p:cNvPr id="1" name=""/>
+        <p:cNvGrpSpPr/>
+        <p:nvPr/>
+      </p:nvGrpSpPr>
+      <p:grpSpPr>
+        <a:xfrm>
+          <a:off x="0" y="0"/>
+          <a:ext cx="0" cy="0"/>
+          <a:chOff x="0" y="0"/>
+          <a:chExt cx="0" cy="0"/>
+        </a:xfrm>
+      </p:grpSpPr>
+      <p:sp>
+        <p:nvSpPr>
+          <p:cNvPr id="5" name="Rectangle 4"/>
+          <p:cNvSpPr/>
+          <p:nvPr/>
+        </p:nvSpPr>
+        <p:spPr>
+          <a:xfrm>
+            <a:off x="971600" y="1628800"/>
+            <a:ext cx="1440160" cy="288032"/>
+          </a:xfrm>
+          <a:prstGeom prst="rect">
+            <a:avLst/>
+          </a:prstGeom>
+          <a:solidFill>
+            <a:schemeClr val="accent5">
+              <a:lumMod val="20000"/>
+              <a:lumOff val="80000"/>
+            </a:schemeClr>
+          </a:solidFill>
+          <a:ln w="9525">
+            <a:solidFill>
+              <a:schemeClr val="accent5">
+                <a:lumMod val="50000"/>
+              </a:schemeClr>
+            </a:solidFill>
+          </a:ln>
+        </p:spPr>
+        <p:style>
+          <a:lnRef idx="2">
+            <a:schemeClr val="accent1">
+              <a:shade val="50000"/>
+            </a:schemeClr>
+          </a:lnRef>
+          <a:fillRef idx="1">
+            <a:schemeClr val="accent1"/>
+          </a:fillRef>
+          <a:effectRef idx="0">
+            <a:schemeClr val="accent1"/>
+          </a:effectRef>
+          <a:fontRef idx="minor">
+            <a:schemeClr val="lt1"/>
+          </a:fontRef>
+        </p:style>
+        <p:txBody>
+          <a:bodyPr rtlCol="0" anchor="ctr"/>
+          <a:lstStyle/>
+          <a:p>
+            <a:pPr algn="ctr"/>
+            <a:r>
+              <a:rPr lang="fr-FR" sz="1000" dirty="0" smtClean="0">
+                <a:solidFill>
+                  <a:sysClr val="windowText" lastClr="000000"/>
+                </a:solidFill>
+              </a:rPr>
+              <a:t>Domaine du client</a:t>
+            </a:r>
+            <a:endParaRPr lang="fr-FR" sz="1000" dirty="0">
+              <a:solidFill>
+                <a:sysClr val="windowText" lastClr="000000"/>
+              </a:solidFill>
+            </a:endParaRPr>
+          </a:p>
+        </p:txBody>
+      </p:sp>
+      <p:sp>
+        <p:nvSpPr>
+          <p:cNvPr id="6" name="Rectangle 5"/>
+          <p:cNvSpPr/>
+          <p:nvPr/>
+        </p:nvSpPr>
+        <p:spPr>
+          <a:xfrm>
+            <a:off x="971600" y="1985071"/>
+            <a:ext cx="1440160" cy="1512168"/>
+          </a:xfrm>
+          <a:prstGeom prst="rect">
+            <a:avLst/>
+          </a:prstGeom>
+          <a:solidFill>
+            <a:schemeClr val="accent5">
+              <a:lumMod val="20000"/>
+              <a:lumOff val="80000"/>
+            </a:schemeClr>
+          </a:solidFill>
+          <a:ln w="9525">
+            <a:solidFill>
+              <a:schemeClr val="accent5">
+                <a:lumMod val="50000"/>
+              </a:schemeClr>
+            </a:solidFill>
+          </a:ln>
+        </p:spPr>
+        <p:style>
+          <a:lnRef idx="2">
+            <a:schemeClr val="accent1">
+              <a:shade val="50000"/>
+            </a:schemeClr>
+          </a:lnRef>
+          <a:fillRef idx="1">
+            <a:schemeClr val="accent1"/>
+          </a:fillRef>
+          <a:effectRef idx="0">
+            <a:schemeClr val="accent1"/>
+          </a:effectRef>
+          <a:fontRef idx="minor">
+            <a:schemeClr val="lt1"/>
+          </a:fontRef>
+        </p:style>
+        <p:txBody>
+          <a:bodyPr rtlCol="0" anchor="ctr"/>
+          <a:lstStyle/>
+          <a:p>
+            <a:pPr algn="ctr"/>
+            <a:endParaRPr lang="fr-FR" sz="1000" dirty="0">
+              <a:solidFill>
+                <a:sysClr val="windowText" lastClr="000000"/>
+              </a:solidFill>
+            </a:endParaRPr>
+          </a:p>
+        </p:txBody>
+      </p:sp>
+      <p:sp>
+        <p:nvSpPr>
+          <p:cNvPr id="8" name="Rectangle 7"/>
+          <p:cNvSpPr/>
+          <p:nvPr/>
+        </p:nvSpPr>
+        <p:spPr>
+          <a:xfrm>
+            <a:off x="2754201" y="1628800"/>
+            <a:ext cx="1440160" cy="288032"/>
+          </a:xfrm>
+          <a:prstGeom prst="rect">
+            <a:avLst/>
+          </a:prstGeom>
+          <a:solidFill>
+            <a:schemeClr val="accent2">
+              <a:lumMod val="20000"/>
+              <a:lumOff val="80000"/>
+            </a:schemeClr>
+          </a:solidFill>
+          <a:ln w="9525">
+            <a:solidFill>
+              <a:schemeClr val="accent2"/>
+            </a:solidFill>
+          </a:ln>
+        </p:spPr>
+        <p:style>
+          <a:lnRef idx="2">
+            <a:schemeClr val="accent1">
+              <a:shade val="50000"/>
+            </a:schemeClr>
+          </a:lnRef>
+          <a:fillRef idx="1">
+            <a:schemeClr val="accent1"/>
+          </a:fillRef>
+          <a:effectRef idx="0">
+            <a:schemeClr val="accent1"/>
+          </a:effectRef>
+          <a:fontRef idx="minor">
+            <a:schemeClr val="lt1"/>
+          </a:fontRef>
+        </p:style>
+        <p:txBody>
+          <a:bodyPr rtlCol="0" anchor="ctr"/>
+          <a:lstStyle/>
+          <a:p>
+            <a:pPr algn="ctr"/>
+            <a:r>
+              <a:rPr lang="fr-FR" sz="1000" dirty="0" smtClean="0">
+                <a:solidFill>
+                  <a:sysClr val="windowText" lastClr="000000"/>
+                </a:solidFill>
+              </a:rPr>
+              <a:t>Domaine de la modélisation</a:t>
+            </a:r>
+            <a:endParaRPr lang="fr-FR" sz="1000" dirty="0">
+              <a:solidFill>
+                <a:sysClr val="windowText" lastClr="000000"/>
+              </a:solidFill>
+            </a:endParaRPr>
+          </a:p>
+        </p:txBody>
+      </p:sp>
+      <p:sp>
+        <p:nvSpPr>
+          <p:cNvPr id="9" name="Rectangle 8"/>
+          <p:cNvSpPr/>
+          <p:nvPr/>
+        </p:nvSpPr>
+        <p:spPr>
+          <a:xfrm>
+            <a:off x="2754201" y="1985071"/>
+            <a:ext cx="1440160" cy="1519706"/>
+          </a:xfrm>
+          <a:prstGeom prst="rect">
+            <a:avLst/>
+          </a:prstGeom>
+          <a:solidFill>
+            <a:schemeClr val="accent2">
+              <a:lumMod val="20000"/>
+              <a:lumOff val="80000"/>
+            </a:schemeClr>
+          </a:solidFill>
+          <a:ln w="9525">
+            <a:solidFill>
+              <a:schemeClr val="accent2"/>
+            </a:solidFill>
+          </a:ln>
+        </p:spPr>
+        <p:style>
+          <a:lnRef idx="2">
+            <a:schemeClr val="accent1">
+              <a:shade val="50000"/>
+            </a:schemeClr>
+          </a:lnRef>
+          <a:fillRef idx="1">
+            <a:schemeClr val="accent1"/>
+          </a:fillRef>
+          <a:effectRef idx="0">
+            <a:schemeClr val="accent1"/>
+          </a:effectRef>
+          <a:fontRef idx="minor">
+            <a:schemeClr val="lt1"/>
+          </a:fontRef>
+        </p:style>
+        <p:txBody>
+          <a:bodyPr rtlCol="0" anchor="ctr"/>
+          <a:lstStyle/>
+          <a:p>
+            <a:pPr algn="ctr"/>
+            <a:endParaRPr lang="fr-FR" sz="1000" dirty="0">
+              <a:solidFill>
+                <a:sysClr val="windowText" lastClr="000000"/>
+              </a:solidFill>
+            </a:endParaRPr>
+          </a:p>
+        </p:txBody>
+      </p:sp>
+      <p:sp>
+        <p:nvSpPr>
+          <p:cNvPr id="10" name="Rectangle 9"/>
+          <p:cNvSpPr/>
+          <p:nvPr/>
+        </p:nvSpPr>
+        <p:spPr>
+          <a:xfrm>
+            <a:off x="2910953" y="2051721"/>
+            <a:ext cx="1126656" cy="1389432"/>
+          </a:xfrm>
+          <a:prstGeom prst="rect">
+            <a:avLst/>
+          </a:prstGeom>
+          <a:solidFill>
+            <a:schemeClr val="accent2">
+              <a:lumMod val="20000"/>
+              <a:lumOff val="80000"/>
+            </a:schemeClr>
+          </a:solidFill>
+          <a:ln w="9525">
+            <a:solidFill>
+              <a:schemeClr val="accent2"/>
+            </a:solidFill>
+          </a:ln>
+        </p:spPr>
+        <p:style>
+          <a:lnRef idx="2">
+            <a:schemeClr val="accent1">
+              <a:shade val="50000"/>
+            </a:schemeClr>
+          </a:lnRef>
+          <a:fillRef idx="1">
+            <a:schemeClr val="accent1"/>
+          </a:fillRef>
+          <a:effectRef idx="0">
+            <a:schemeClr val="accent1"/>
+          </a:effectRef>
+          <a:fontRef idx="minor">
+            <a:schemeClr val="lt1"/>
+          </a:fontRef>
+        </p:style>
+        <p:txBody>
+          <a:bodyPr rtlCol="0" anchor="t"/>
+          <a:lstStyle/>
+          <a:p>
+            <a:pPr algn="ctr"/>
+            <a:r>
+              <a:rPr lang="fr-FR" sz="1000" b="1" dirty="0" smtClean="0">
+                <a:solidFill>
+                  <a:sysClr val="windowText" lastClr="000000"/>
+                </a:solidFill>
+              </a:rPr>
+              <a:t>Détermination des lois en effort en utilisant le PFS</a:t>
+            </a:r>
+          </a:p>
+        </p:txBody>
+      </p:sp>
+      <p:pic>
+        <p:nvPicPr>
+          <p:cNvPr id="2" name="Picture 2" descr="C:\Enseignement\GitHub\Cy_04_PSI_ModelisationDynamique\Revisions_Statique\Fiche_01_Statique_3D_TD_01_MC2E\images\fig_03.png"/>
+          <p:cNvPicPr>
+            <a:picLocks noChangeAspect="1" noChangeArrowheads="1"/>
+          </p:cNvPicPr>
+          <p:nvPr/>
+        </p:nvPicPr>
+        <p:blipFill rotWithShape="1">
+          <a:blip r:embed="rId2">
+            <a:extLst>
+              <a:ext uri="{28A0092B-C50C-407E-A947-70E740481C1C}">
+                <a14:useLocalDpi xmlns:a14="http://schemas.microsoft.com/office/drawing/2010/main" val="0"/>
+              </a:ext>
+            </a:extLst>
+          </a:blip>
+          <a:srcRect l="51117" t="54395" r="26802" b="-68"/>
+          <a:stretch/>
+        </p:blipFill>
+        <p:spPr bwMode="auto">
+          <a:xfrm>
+            <a:off x="1088030" y="2088420"/>
+            <a:ext cx="1207299" cy="963846"/>
+          </a:xfrm>
+          <a:prstGeom prst="rect">
+            <a:avLst/>
+          </a:prstGeom>
+          <a:noFill/>
+          <a:extLst>
+            <a:ext uri="{909E8E84-426E-40DD-AFC4-6F175D3DCCD1}">
+              <a14:hiddenFill xmlns:a14="http://schemas.microsoft.com/office/drawing/2010/main">
+                <a:solidFill>
+                  <a:srgbClr val="FFFFFF"/>
+                </a:solidFill>
+              </a14:hiddenFill>
+            </a:ext>
+          </a:extLst>
+        </p:spPr>
+      </p:pic>
+      <p:sp>
+        <p:nvSpPr>
+          <p:cNvPr id="14" name="Rectangle 13"/>
+          <p:cNvSpPr/>
+          <p:nvPr/>
+        </p:nvSpPr>
+        <p:spPr>
+          <a:xfrm>
+            <a:off x="6660232" y="1628800"/>
+            <a:ext cx="1440160" cy="288032"/>
+          </a:xfrm>
+          <a:prstGeom prst="rect">
+            <a:avLst/>
+          </a:prstGeom>
+          <a:solidFill>
+            <a:schemeClr val="accent3">
+              <a:lumMod val="20000"/>
+              <a:lumOff val="80000"/>
+            </a:schemeClr>
+          </a:solidFill>
+          <a:ln w="9525">
+            <a:solidFill>
+              <a:schemeClr val="accent3">
+                <a:lumMod val="50000"/>
+              </a:schemeClr>
+            </a:solidFill>
+          </a:ln>
+        </p:spPr>
+        <p:style>
+          <a:lnRef idx="2">
+            <a:schemeClr val="accent1">
+              <a:shade val="50000"/>
+            </a:schemeClr>
+          </a:lnRef>
+          <a:fillRef idx="1">
+            <a:schemeClr val="accent1"/>
+          </a:fillRef>
+          <a:effectRef idx="0">
+            <a:schemeClr val="accent1"/>
+          </a:effectRef>
+          <a:fontRef idx="minor">
+            <a:schemeClr val="lt1"/>
+          </a:fontRef>
+        </p:style>
+        <p:txBody>
+          <a:bodyPr rtlCol="0" anchor="ctr"/>
+          <a:lstStyle/>
+          <a:p>
+            <a:pPr algn="ctr"/>
+            <a:r>
+              <a:rPr lang="fr-FR" sz="1000" dirty="0" smtClean="0">
+                <a:solidFill>
+                  <a:sysClr val="windowText" lastClr="000000"/>
+                </a:solidFill>
+              </a:rPr>
+              <a:t>Domaine de l’expérimentation</a:t>
+            </a:r>
+            <a:endParaRPr lang="fr-FR" sz="1000" dirty="0">
+              <a:solidFill>
+                <a:sysClr val="windowText" lastClr="000000"/>
+              </a:solidFill>
+            </a:endParaRPr>
+          </a:p>
+        </p:txBody>
+      </p:sp>
+      <p:sp>
+        <p:nvSpPr>
+          <p:cNvPr id="15" name="Rectangle 14"/>
+          <p:cNvSpPr/>
+          <p:nvPr/>
+        </p:nvSpPr>
+        <p:spPr>
+          <a:xfrm>
+            <a:off x="6660232" y="1985071"/>
+            <a:ext cx="1440160" cy="1519706"/>
+          </a:xfrm>
+          <a:prstGeom prst="rect">
+            <a:avLst/>
+          </a:prstGeom>
+          <a:solidFill>
+            <a:schemeClr val="accent3">
+              <a:lumMod val="20000"/>
+              <a:lumOff val="80000"/>
+            </a:schemeClr>
+          </a:solidFill>
+          <a:ln w="9525">
+            <a:solidFill>
+              <a:schemeClr val="accent3">
+                <a:lumMod val="50000"/>
+              </a:schemeClr>
+            </a:solidFill>
+          </a:ln>
+        </p:spPr>
+        <p:style>
+          <a:lnRef idx="2">
+            <a:schemeClr val="accent1">
+              <a:shade val="50000"/>
+            </a:schemeClr>
+          </a:lnRef>
+          <a:fillRef idx="1">
+            <a:schemeClr val="accent1"/>
+          </a:fillRef>
+          <a:effectRef idx="0">
+            <a:schemeClr val="accent1"/>
+          </a:effectRef>
+          <a:fontRef idx="minor">
+            <a:schemeClr val="lt1"/>
+          </a:fontRef>
+        </p:style>
+        <p:txBody>
+          <a:bodyPr rtlCol="0" anchor="ctr"/>
+          <a:lstStyle/>
+          <a:p>
+            <a:pPr algn="ctr"/>
+            <a:endParaRPr lang="fr-FR" sz="1000" dirty="0">
+              <a:solidFill>
+                <a:sysClr val="windowText" lastClr="000000"/>
+              </a:solidFill>
+            </a:endParaRPr>
+          </a:p>
+        </p:txBody>
+      </p:sp>
+      <p:sp>
+        <p:nvSpPr>
+          <p:cNvPr id="16" name="Rectangle 15"/>
+          <p:cNvSpPr/>
+          <p:nvPr/>
+        </p:nvSpPr>
+        <p:spPr>
+          <a:xfrm>
+            <a:off x="6767439" y="2051721"/>
+            <a:ext cx="1225746" cy="1389432"/>
+          </a:xfrm>
+          <a:prstGeom prst="rect">
+            <a:avLst/>
+          </a:prstGeom>
+          <a:solidFill>
+            <a:schemeClr val="accent3">
+              <a:lumMod val="20000"/>
+              <a:lumOff val="80000"/>
+            </a:schemeClr>
+          </a:solidFill>
+          <a:ln w="9525">
+            <a:solidFill>
+              <a:schemeClr val="accent3">
+                <a:lumMod val="50000"/>
+              </a:schemeClr>
+            </a:solidFill>
+          </a:ln>
+        </p:spPr>
+        <p:style>
+          <a:lnRef idx="2">
+            <a:schemeClr val="accent1">
+              <a:shade val="50000"/>
+            </a:schemeClr>
+          </a:lnRef>
+          <a:fillRef idx="1">
+            <a:schemeClr val="accent1"/>
+          </a:fillRef>
+          <a:effectRef idx="0">
+            <a:schemeClr val="accent1"/>
+          </a:effectRef>
+          <a:fontRef idx="minor">
+            <a:schemeClr val="lt1"/>
+          </a:fontRef>
+        </p:style>
+        <p:txBody>
+          <a:bodyPr rtlCol="0" anchor="t"/>
+          <a:lstStyle/>
+          <a:p>
+            <a:pPr algn="ctr"/>
+            <a:r>
+              <a:rPr lang="fr-FR" sz="1000" b="1" dirty="0" smtClean="0">
+                <a:solidFill>
+                  <a:sysClr val="windowText" lastClr="000000"/>
+                </a:solidFill>
+              </a:rPr>
+              <a:t>Calibration du poids de E.</a:t>
+            </a:r>
+            <a:endParaRPr lang="fr-FR" sz="1000" b="1" dirty="0">
+              <a:solidFill>
+                <a:sysClr val="windowText" lastClr="000000"/>
+              </a:solidFill>
+            </a:endParaRPr>
+          </a:p>
+        </p:txBody>
+      </p:sp>
+      <mc:AlternateContent xmlns:mc="http://schemas.openxmlformats.org/markup-compatibility/2006" xmlns:a14="http://schemas.microsoft.com/office/drawing/2010/main">
+        <mc:Choice Requires="a14">
+          <p:sp>
+            <p:nvSpPr>
+              <p:cNvPr id="4" name="Double flèche horizontale 3"/>
+              <p:cNvSpPr/>
+              <p:nvPr/>
+            </p:nvSpPr>
+            <p:spPr>
+              <a:xfrm>
+                <a:off x="3923928" y="1472978"/>
+                <a:ext cx="3096343" cy="2194730"/>
+              </a:xfrm>
+              <a:prstGeom prst="leftRightArrow">
+                <a:avLst>
+                  <a:gd name="adj1" fmla="val 75253"/>
+                  <a:gd name="adj2" fmla="val 22762"/>
+                </a:avLst>
+              </a:prstGeom>
+              <a:solidFill>
+                <a:schemeClr val="accent6">
+                  <a:lumMod val="20000"/>
+                  <a:lumOff val="80000"/>
+                </a:schemeClr>
+              </a:solidFill>
+              <a:ln w="9525">
+                <a:solidFill>
+                  <a:schemeClr val="accent6">
+                    <a:lumMod val="50000"/>
+                  </a:schemeClr>
+                </a:solidFill>
+              </a:ln>
+            </p:spPr>
+            <p:style>
+              <a:lnRef idx="2">
+                <a:schemeClr val="accent1">
+                  <a:shade val="50000"/>
+                </a:schemeClr>
+              </a:lnRef>
+              <a:fillRef idx="1">
+                <a:schemeClr val="accent1"/>
+              </a:fillRef>
+              <a:effectRef idx="0">
+                <a:schemeClr val="accent1"/>
+              </a:effectRef>
+              <a:fontRef idx="minor">
+                <a:schemeClr val="lt1"/>
+              </a:fontRef>
+            </p:style>
+            <p:txBody>
+              <a:bodyPr rtlCol="0" anchor="ctr"/>
+              <a:lstStyle/>
+              <a:p>
+                <a:pPr algn="ctr"/>
+                <a:r>
+                  <a:rPr lang="fr-FR" sz="900" dirty="0" smtClean="0">
+                    <a:solidFill>
+                      <a:sysClr val="windowText" lastClr="000000"/>
+                    </a:solidFill>
+                  </a:rPr>
+                  <a:t>Détermination de la compensation en effort</a:t>
+                </a:r>
+              </a:p>
+              <a:p>
+                <a:pPr algn="ctr"/>
+                <a:r>
+                  <a:rPr lang="fr-FR" sz="1050" b="1" dirty="0" smtClean="0">
+                    <a:solidFill>
+                      <a:sysClr val="windowText" lastClr="000000"/>
+                    </a:solidFill>
+                  </a:rPr>
+                  <a:t>Erreur due à la mesure du  poids lors de la compensation  : 0,4%</a:t>
+                </a:r>
+              </a:p>
+              <a:p>
+                <a:pPr algn="ctr"/>
+                <a:endParaRPr lang="fr-FR" sz="1050" b="1" dirty="0" smtClean="0">
+                  <a:solidFill>
+                    <a:sysClr val="windowText" lastClr="000000"/>
+                  </a:solidFill>
+                </a:endParaRPr>
+              </a:p>
+              <a:p>
+                <a:pPr algn="ctr"/>
+                <a:r>
+                  <a:rPr lang="fr-FR" sz="1050" b="1" dirty="0" smtClean="0">
+                    <a:solidFill>
+                      <a:sysClr val="windowText" lastClr="000000"/>
+                    </a:solidFill>
+                  </a:rPr>
+                  <a:t>Méthode de compensation du poids : </a:t>
+                </a:r>
+              </a:p>
+              <a:p>
+                <a:pPr algn="ctr"/>
+                <a:r>
+                  <a:rPr lang="fr-FR" sz="1000" dirty="0">
+                    <a:solidFill>
+                      <a:schemeClr val="tx1"/>
+                    </a:solidFill>
+                  </a:rPr>
+                  <a:t>Pour compenser le pesanteur, il faudra donc retrancher </a:t>
+                </a:r>
+                <a14:m>
+                  <m:oMath xmlns:m="http://schemas.openxmlformats.org/officeDocument/2006/math">
+                    <m:sSub>
+                      <m:sSubPr>
+                        <m:ctrlPr>
+                          <a:rPr lang="fr-FR" sz="1000" i="1" dirty="0" smtClean="0">
+                            <a:solidFill>
+                              <a:schemeClr val="tx1"/>
+                            </a:solidFill>
+                            <a:latin typeface="Cambria Math"/>
+                          </a:rPr>
+                        </m:ctrlPr>
+                      </m:sSubPr>
+                      <m:e>
+                        <m:r>
+                          <a:rPr lang="fr-FR" sz="1000" i="1" dirty="0" smtClean="0">
+                            <a:solidFill>
+                              <a:schemeClr val="tx1"/>
+                            </a:solidFill>
+                            <a:latin typeface="Cambria Math"/>
+                          </a:rPr>
+                          <m:t>𝐹</m:t>
+                        </m:r>
+                      </m:e>
+                      <m:sub>
+                        <m:r>
+                          <a:rPr lang="fr-FR" sz="1000" i="1" dirty="0">
+                            <a:solidFill>
+                              <a:schemeClr val="tx1"/>
+                            </a:solidFill>
+                            <a:latin typeface="Cambria Math"/>
+                          </a:rPr>
+                          <m:t>𝑧</m:t>
+                        </m:r>
+                        <m:r>
+                          <a:rPr lang="fr-FR" sz="1000" i="1" dirty="0">
+                            <a:solidFill>
+                              <a:schemeClr val="tx1"/>
+                            </a:solidFill>
+                            <a:latin typeface="Cambria Math"/>
+                          </a:rPr>
+                          <m:t>20</m:t>
+                        </m:r>
+                      </m:sub>
+                    </m:sSub>
+                  </m:oMath>
+                </a14:m>
+                <a:r>
+                  <a:rPr lang="fr-FR" sz="1000" dirty="0" smtClean="0">
+                    <a:solidFill>
+                      <a:schemeClr val="tx1"/>
+                    </a:solidFill>
+                  </a:rPr>
+                  <a:t> </a:t>
+                </a:r>
+                <a:r>
+                  <a:rPr lang="fr-FR" sz="1000" dirty="0">
+                    <a:solidFill>
+                      <a:schemeClr val="tx1"/>
+                    </a:solidFill>
+                  </a:rPr>
+                  <a:t>à la valeur de </a:t>
+                </a:r>
+                <a14:m>
+                  <m:oMath xmlns:m="http://schemas.openxmlformats.org/officeDocument/2006/math">
+                    <m:sSub>
+                      <m:sSubPr>
+                        <m:ctrlPr>
+                          <a:rPr lang="fr-FR" sz="1000" i="1" dirty="0">
+                            <a:solidFill>
+                              <a:schemeClr val="tx1"/>
+                            </a:solidFill>
+                            <a:latin typeface="Cambria Math"/>
+                          </a:rPr>
+                        </m:ctrlPr>
+                      </m:sSubPr>
+                      <m:e>
+                        <m:r>
+                          <a:rPr lang="fr-FR" sz="1000" i="1" dirty="0">
+                            <a:solidFill>
+                              <a:schemeClr val="tx1"/>
+                            </a:solidFill>
+                            <a:latin typeface="Cambria Math"/>
+                          </a:rPr>
+                          <m:t>𝐹</m:t>
+                        </m:r>
+                      </m:e>
+                      <m:sub>
+                        <m:r>
+                          <a:rPr lang="fr-FR" sz="1000" i="1" dirty="0">
+                            <a:solidFill>
+                              <a:schemeClr val="tx1"/>
+                            </a:solidFill>
+                            <a:latin typeface="Cambria Math"/>
+                          </a:rPr>
+                          <m:t>𝑧</m:t>
+                        </m:r>
+                      </m:sub>
+                    </m:sSub>
+                    <m:r>
+                      <a:rPr lang="fr-FR" sz="1000" i="1" dirty="0">
+                        <a:solidFill>
+                          <a:schemeClr val="tx1"/>
+                        </a:solidFill>
+                        <a:latin typeface="Cambria Math"/>
+                      </a:rPr>
+                      <m:t> </m:t>
+                    </m:r>
+                  </m:oMath>
+                </a14:m>
+                <a:r>
+                  <a:rPr lang="fr-FR" sz="1000" dirty="0" smtClean="0">
+                    <a:solidFill>
+                      <a:schemeClr val="tx1"/>
+                    </a:solidFill>
+                  </a:rPr>
+                  <a:t>mesurée </a:t>
+                </a:r>
+                <a:r>
+                  <a:rPr lang="fr-FR" sz="1000" dirty="0">
+                    <a:solidFill>
+                      <a:schemeClr val="tx1"/>
+                    </a:solidFill>
+                  </a:rPr>
+                  <a:t>sous  </a:t>
+                </a:r>
+                <a:r>
+                  <a:rPr lang="fr-FR" sz="1000" dirty="0" smtClean="0">
+                    <a:solidFill>
+                      <a:schemeClr val="tx1"/>
+                    </a:solidFill>
+                  </a:rPr>
+                  <a:t>« charge ». </a:t>
+                </a:r>
+                <a:endParaRPr lang="fr-FR" sz="1000" b="1" dirty="0">
+                  <a:solidFill>
+                    <a:sysClr val="windowText" lastClr="000000"/>
+                  </a:solidFill>
+                </a:endParaRPr>
+              </a:p>
+            </p:txBody>
+          </p:sp>
+        </mc:Choice>
+        <mc:Fallback xmlns="">
+          <p:sp>
+            <p:nvSpPr>
+              <p:cNvPr id="4" name="Double flèche horizontale 3"/>
+              <p:cNvSpPr>
+                <a:spLocks noRot="1" noChangeAspect="1" noMove="1" noResize="1" noEditPoints="1" noAdjustHandles="1" noChangeArrowheads="1" noChangeShapeType="1" noTextEdit="1"/>
+              </p:cNvSpPr>
+              <p:nvPr/>
+            </p:nvSpPr>
+            <p:spPr>
+              <a:xfrm>
+                <a:off x="3923928" y="1472978"/>
+                <a:ext cx="3096343" cy="2194730"/>
+              </a:xfrm>
+              <a:prstGeom prst="leftRightArrow">
+                <a:avLst>
+                  <a:gd name="adj1" fmla="val 75253"/>
+                  <a:gd name="adj2" fmla="val 22762"/>
+                </a:avLst>
+              </a:prstGeom>
+              <a:blipFill rotWithShape="1">
+                <a:blip r:embed="rId3"/>
+                <a:stretch>
+                  <a:fillRect/>
+                </a:stretch>
+              </a:blipFill>
+              <a:ln w="9525">
+                <a:solidFill>
+                  <a:schemeClr val="accent6">
+                    <a:lumMod val="50000"/>
+                  </a:schemeClr>
+                </a:solidFill>
+              </a:ln>
+            </p:spPr>
+            <p:txBody>
+              <a:bodyPr/>
+              <a:lstStyle/>
+              <a:p>
+                <a:r>
+                  <a:rPr lang="fr-FR">
+                    <a:noFill/>
+                  </a:rPr>
+                  <a:t> </a:t>
+                </a:r>
+              </a:p>
+            </p:txBody>
+          </p:sp>
+        </mc:Fallback>
+      </mc:AlternateContent>
+    </p:spTree>
+    <p:extLst>
+      <p:ext uri="{BB962C8B-B14F-4D97-AF65-F5344CB8AC3E}">
+        <p14:creationId xmlns:p14="http://schemas.microsoft.com/office/powerpoint/2010/main" val="4245283713"/>
+      </p:ext>
+    </p:extLst>
+  </p:cSld>
+  <p:clrMapOvr>
+    <a:masterClrMapping/>
+  </p:clrMapOvr>
+</p:sld>
+</file>
+
+<file path=ppt/slides/slide11.xml><?xml version="1.0" encoding="utf-8"?>
+<p:sld xmlns:a="http://schemas.openxmlformats.org/drawingml/2006/main" xmlns:r="http://schemas.openxmlformats.org/officeDocument/2006/relationships" xmlns:p="http://schemas.openxmlformats.org/presentationml/2006/main">
+  <p:cSld>
+    <p:spTree>
+      <p:nvGrpSpPr>
+        <p:cNvPr id="1" name=""/>
+        <p:cNvGrpSpPr/>
+        <p:nvPr/>
+      </p:nvGrpSpPr>
+      <p:grpSpPr>
+        <a:xfrm>
+          <a:off x="0" y="0"/>
+          <a:ext cx="0" cy="0"/>
+          <a:chOff x="0" y="0"/>
+          <a:chExt cx="0" cy="0"/>
+        </a:xfrm>
+      </p:grpSpPr>
+      <p:sp>
+        <p:nvSpPr>
+          <p:cNvPr id="5" name="Rectangle 4"/>
+          <p:cNvSpPr/>
+          <p:nvPr/>
+        </p:nvSpPr>
+        <p:spPr>
+          <a:xfrm>
+            <a:off x="971600" y="1628800"/>
+            <a:ext cx="1440160" cy="288032"/>
+          </a:xfrm>
+          <a:prstGeom prst="rect">
+            <a:avLst/>
+          </a:prstGeom>
+          <a:solidFill>
+            <a:schemeClr val="accent5">
+              <a:lumMod val="20000"/>
+              <a:lumOff val="80000"/>
+            </a:schemeClr>
+          </a:solidFill>
+          <a:ln w="9525">
+            <a:solidFill>
+              <a:schemeClr val="accent5">
+                <a:lumMod val="50000"/>
+              </a:schemeClr>
+            </a:solidFill>
+          </a:ln>
+        </p:spPr>
+        <p:style>
+          <a:lnRef idx="2">
+            <a:schemeClr val="accent1">
+              <a:shade val="50000"/>
+            </a:schemeClr>
+          </a:lnRef>
+          <a:fillRef idx="1">
+            <a:schemeClr val="accent1"/>
+          </a:fillRef>
+          <a:effectRef idx="0">
+            <a:schemeClr val="accent1"/>
+          </a:effectRef>
+          <a:fontRef idx="minor">
+            <a:schemeClr val="lt1"/>
+          </a:fontRef>
+        </p:style>
+        <p:txBody>
+          <a:bodyPr rtlCol="0" anchor="ctr"/>
+          <a:lstStyle/>
+          <a:p>
+            <a:pPr algn="ctr"/>
+            <a:r>
+              <a:rPr lang="fr-FR" sz="1000" dirty="0" smtClean="0">
+                <a:solidFill>
+                  <a:sysClr val="windowText" lastClr="000000"/>
+                </a:solidFill>
+              </a:rPr>
+              <a:t>Domaine du client</a:t>
+            </a:r>
+            <a:endParaRPr lang="fr-FR" sz="1000" dirty="0">
+              <a:solidFill>
+                <a:sysClr val="windowText" lastClr="000000"/>
+              </a:solidFill>
+            </a:endParaRPr>
+          </a:p>
+        </p:txBody>
+      </p:sp>
+      <p:sp>
+        <p:nvSpPr>
+          <p:cNvPr id="6" name="Rectangle 5"/>
+          <p:cNvSpPr/>
+          <p:nvPr/>
+        </p:nvSpPr>
+        <p:spPr>
+          <a:xfrm>
+            <a:off x="971600" y="1985071"/>
+            <a:ext cx="1440160" cy="1512168"/>
+          </a:xfrm>
+          <a:prstGeom prst="rect">
+            <a:avLst/>
+          </a:prstGeom>
+          <a:solidFill>
+            <a:schemeClr val="accent5">
+              <a:lumMod val="20000"/>
+              <a:lumOff val="80000"/>
+            </a:schemeClr>
+          </a:solidFill>
+          <a:ln w="9525">
+            <a:solidFill>
+              <a:schemeClr val="accent5">
+                <a:lumMod val="50000"/>
+              </a:schemeClr>
+            </a:solidFill>
+          </a:ln>
+        </p:spPr>
+        <p:style>
+          <a:lnRef idx="2">
+            <a:schemeClr val="accent1">
+              <a:shade val="50000"/>
+            </a:schemeClr>
+          </a:lnRef>
+          <a:fillRef idx="1">
+            <a:schemeClr val="accent1"/>
+          </a:fillRef>
+          <a:effectRef idx="0">
+            <a:schemeClr val="accent1"/>
+          </a:effectRef>
+          <a:fontRef idx="minor">
+            <a:schemeClr val="lt1"/>
+          </a:fontRef>
+        </p:style>
+        <p:txBody>
+          <a:bodyPr rtlCol="0" anchor="ctr"/>
+          <a:lstStyle/>
+          <a:p>
+            <a:pPr algn="ctr"/>
+            <a:endParaRPr lang="fr-FR" sz="1000" dirty="0">
+              <a:solidFill>
+                <a:sysClr val="windowText" lastClr="000000"/>
+              </a:solidFill>
+            </a:endParaRPr>
+          </a:p>
+        </p:txBody>
+      </p:sp>
+      <p:sp>
+        <p:nvSpPr>
+          <p:cNvPr id="8" name="Rectangle 7"/>
+          <p:cNvSpPr/>
+          <p:nvPr/>
+        </p:nvSpPr>
+        <p:spPr>
+          <a:xfrm>
+            <a:off x="2754201" y="1628800"/>
+            <a:ext cx="1440160" cy="288032"/>
+          </a:xfrm>
+          <a:prstGeom prst="rect">
+            <a:avLst/>
+          </a:prstGeom>
+          <a:solidFill>
+            <a:schemeClr val="accent2">
+              <a:lumMod val="20000"/>
+              <a:lumOff val="80000"/>
+            </a:schemeClr>
+          </a:solidFill>
+          <a:ln w="9525">
+            <a:solidFill>
+              <a:schemeClr val="accent2"/>
+            </a:solidFill>
+          </a:ln>
+        </p:spPr>
+        <p:style>
+          <a:lnRef idx="2">
+            <a:schemeClr val="accent1">
+              <a:shade val="50000"/>
+            </a:schemeClr>
+          </a:lnRef>
+          <a:fillRef idx="1">
+            <a:schemeClr val="accent1"/>
+          </a:fillRef>
+          <a:effectRef idx="0">
+            <a:schemeClr val="accent1"/>
+          </a:effectRef>
+          <a:fontRef idx="minor">
+            <a:schemeClr val="lt1"/>
+          </a:fontRef>
+        </p:style>
+        <p:txBody>
+          <a:bodyPr rtlCol="0" anchor="ctr"/>
+          <a:lstStyle/>
+          <a:p>
+            <a:pPr algn="ctr"/>
+            <a:r>
+              <a:rPr lang="fr-FR" sz="1000" dirty="0" smtClean="0">
+                <a:solidFill>
+                  <a:sysClr val="windowText" lastClr="000000"/>
+                </a:solidFill>
+              </a:rPr>
+              <a:t>Domaine de la modélisation</a:t>
+            </a:r>
+            <a:endParaRPr lang="fr-FR" sz="1000" dirty="0">
+              <a:solidFill>
+                <a:sysClr val="windowText" lastClr="000000"/>
+              </a:solidFill>
+            </a:endParaRPr>
+          </a:p>
+        </p:txBody>
+      </p:sp>
+      <p:sp>
+        <p:nvSpPr>
+          <p:cNvPr id="9" name="Rectangle 8"/>
+          <p:cNvSpPr/>
+          <p:nvPr/>
+        </p:nvSpPr>
+        <p:spPr>
+          <a:xfrm>
+            <a:off x="2754201" y="1985071"/>
+            <a:ext cx="1440160" cy="1519706"/>
+          </a:xfrm>
+          <a:prstGeom prst="rect">
+            <a:avLst/>
+          </a:prstGeom>
+          <a:solidFill>
+            <a:schemeClr val="accent2">
+              <a:lumMod val="20000"/>
+              <a:lumOff val="80000"/>
+            </a:schemeClr>
+          </a:solidFill>
+          <a:ln w="9525">
+            <a:solidFill>
+              <a:schemeClr val="accent2"/>
+            </a:solidFill>
+          </a:ln>
+        </p:spPr>
+        <p:style>
+          <a:lnRef idx="2">
+            <a:schemeClr val="accent1">
+              <a:shade val="50000"/>
+            </a:schemeClr>
+          </a:lnRef>
+          <a:fillRef idx="1">
+            <a:schemeClr val="accent1"/>
+          </a:fillRef>
+          <a:effectRef idx="0">
+            <a:schemeClr val="accent1"/>
+          </a:effectRef>
+          <a:fontRef idx="minor">
+            <a:schemeClr val="lt1"/>
+          </a:fontRef>
+        </p:style>
+        <p:txBody>
+          <a:bodyPr rtlCol="0" anchor="ctr"/>
+          <a:lstStyle/>
+          <a:p>
+            <a:pPr algn="ctr"/>
+            <a:endParaRPr lang="fr-FR" sz="1000" dirty="0">
+              <a:solidFill>
+                <a:sysClr val="windowText" lastClr="000000"/>
+              </a:solidFill>
+            </a:endParaRPr>
+          </a:p>
+        </p:txBody>
+      </p:sp>
+      <p:sp>
+        <p:nvSpPr>
+          <p:cNvPr id="10" name="Rectangle 9"/>
+          <p:cNvSpPr/>
+          <p:nvPr/>
+        </p:nvSpPr>
+        <p:spPr>
+          <a:xfrm>
+            <a:off x="2910953" y="2051721"/>
+            <a:ext cx="1126656" cy="1389432"/>
+          </a:xfrm>
+          <a:prstGeom prst="rect">
+            <a:avLst/>
+          </a:prstGeom>
+          <a:solidFill>
+            <a:schemeClr val="accent2">
+              <a:lumMod val="20000"/>
+              <a:lumOff val="80000"/>
+            </a:schemeClr>
+          </a:solidFill>
+          <a:ln w="9525">
+            <a:solidFill>
+              <a:schemeClr val="accent2"/>
+            </a:solidFill>
+          </a:ln>
+        </p:spPr>
+        <p:style>
+          <a:lnRef idx="2">
+            <a:schemeClr val="accent1">
+              <a:shade val="50000"/>
+            </a:schemeClr>
+          </a:lnRef>
+          <a:fillRef idx="1">
+            <a:schemeClr val="accent1"/>
+          </a:fillRef>
+          <a:effectRef idx="0">
+            <a:schemeClr val="accent1"/>
+          </a:effectRef>
+          <a:fontRef idx="minor">
+            <a:schemeClr val="lt1"/>
+          </a:fontRef>
+        </p:style>
+        <p:txBody>
+          <a:bodyPr rtlCol="0" anchor="t"/>
+          <a:lstStyle/>
+          <a:p>
+            <a:pPr algn="ctr"/>
+            <a:r>
+              <a:rPr lang="fr-FR" sz="1000" b="1" dirty="0" smtClean="0">
+                <a:solidFill>
+                  <a:sysClr val="windowText" lastClr="000000"/>
+                </a:solidFill>
+              </a:rPr>
+              <a:t>Détermination des lois en effort en utilisant le PFS</a:t>
+            </a:r>
+          </a:p>
+        </p:txBody>
+      </p:sp>
+      <p:pic>
+        <p:nvPicPr>
+          <p:cNvPr id="2" name="Picture 2" descr="C:\Enseignement\GitHub\Cy_04_PSI_ModelisationDynamique\Revisions_Statique\Fiche_01_Statique_3D_TD_01_MC2E\images\fig_03.png"/>
+          <p:cNvPicPr>
+            <a:picLocks noChangeAspect="1" noChangeArrowheads="1"/>
+          </p:cNvPicPr>
+          <p:nvPr/>
+        </p:nvPicPr>
+        <p:blipFill rotWithShape="1">
+          <a:blip r:embed="rId2">
+            <a:extLst>
+              <a:ext uri="{28A0092B-C50C-407E-A947-70E740481C1C}">
+                <a14:useLocalDpi xmlns:a14="http://schemas.microsoft.com/office/drawing/2010/main" val="0"/>
+              </a:ext>
+            </a:extLst>
+          </a:blip>
+          <a:srcRect l="51117" t="54395" r="26802" b="-68"/>
+          <a:stretch/>
+        </p:blipFill>
+        <p:spPr bwMode="auto">
+          <a:xfrm>
+            <a:off x="1088030" y="2088420"/>
+            <a:ext cx="1207299" cy="963846"/>
+          </a:xfrm>
+          <a:prstGeom prst="rect">
+            <a:avLst/>
+          </a:prstGeom>
+          <a:noFill/>
+          <a:extLst>
+            <a:ext uri="{909E8E84-426E-40DD-AFC4-6F175D3DCCD1}">
+              <a14:hiddenFill xmlns:a14="http://schemas.microsoft.com/office/drawing/2010/main">
+                <a:solidFill>
+                  <a:srgbClr val="FFFFFF"/>
+                </a:solidFill>
+              </a14:hiddenFill>
+            </a:ext>
+          </a:extLst>
+        </p:spPr>
+      </p:pic>
+      <p:sp>
+        <p:nvSpPr>
+          <p:cNvPr id="14" name="Rectangle 13"/>
+          <p:cNvSpPr/>
+          <p:nvPr/>
+        </p:nvSpPr>
+        <p:spPr>
+          <a:xfrm>
+            <a:off x="6660232" y="1628800"/>
+            <a:ext cx="1440160" cy="288032"/>
+          </a:xfrm>
+          <a:prstGeom prst="rect">
+            <a:avLst/>
+          </a:prstGeom>
+          <a:solidFill>
+            <a:schemeClr val="accent3">
+              <a:lumMod val="20000"/>
+              <a:lumOff val="80000"/>
+            </a:schemeClr>
+          </a:solidFill>
+          <a:ln w="9525">
+            <a:solidFill>
+              <a:schemeClr val="accent3">
+                <a:lumMod val="50000"/>
+              </a:schemeClr>
+            </a:solidFill>
+          </a:ln>
+        </p:spPr>
+        <p:style>
+          <a:lnRef idx="2">
+            <a:schemeClr val="accent1">
+              <a:shade val="50000"/>
+            </a:schemeClr>
+          </a:lnRef>
+          <a:fillRef idx="1">
+            <a:schemeClr val="accent1"/>
+          </a:fillRef>
+          <a:effectRef idx="0">
+            <a:schemeClr val="accent1"/>
+          </a:effectRef>
+          <a:fontRef idx="minor">
+            <a:schemeClr val="lt1"/>
+          </a:fontRef>
+        </p:style>
+        <p:txBody>
+          <a:bodyPr rtlCol="0" anchor="ctr"/>
+          <a:lstStyle/>
+          <a:p>
+            <a:pPr algn="ctr"/>
+            <a:r>
+              <a:rPr lang="fr-FR" sz="1000" dirty="0" smtClean="0">
+                <a:solidFill>
+                  <a:sysClr val="windowText" lastClr="000000"/>
+                </a:solidFill>
+              </a:rPr>
+              <a:t>Domaine de l’expérimentation</a:t>
+            </a:r>
+            <a:endParaRPr lang="fr-FR" sz="1000" dirty="0">
+              <a:solidFill>
+                <a:sysClr val="windowText" lastClr="000000"/>
+              </a:solidFill>
+            </a:endParaRPr>
+          </a:p>
+        </p:txBody>
+      </p:sp>
+      <p:sp>
+        <p:nvSpPr>
+          <p:cNvPr id="15" name="Rectangle 14"/>
+          <p:cNvSpPr/>
+          <p:nvPr/>
+        </p:nvSpPr>
+        <p:spPr>
+          <a:xfrm>
+            <a:off x="6660232" y="1985071"/>
+            <a:ext cx="1440160" cy="1519706"/>
+          </a:xfrm>
+          <a:prstGeom prst="rect">
+            <a:avLst/>
+          </a:prstGeom>
+          <a:solidFill>
+            <a:schemeClr val="accent3">
+              <a:lumMod val="20000"/>
+              <a:lumOff val="80000"/>
+            </a:schemeClr>
+          </a:solidFill>
+          <a:ln w="9525">
+            <a:solidFill>
+              <a:schemeClr val="accent3">
+                <a:lumMod val="50000"/>
+              </a:schemeClr>
+            </a:solidFill>
+          </a:ln>
+        </p:spPr>
+        <p:style>
+          <a:lnRef idx="2">
+            <a:schemeClr val="accent1">
+              <a:shade val="50000"/>
+            </a:schemeClr>
+          </a:lnRef>
+          <a:fillRef idx="1">
+            <a:schemeClr val="accent1"/>
+          </a:fillRef>
+          <a:effectRef idx="0">
+            <a:schemeClr val="accent1"/>
+          </a:effectRef>
+          <a:fontRef idx="minor">
+            <a:schemeClr val="lt1"/>
+          </a:fontRef>
+        </p:style>
+        <p:txBody>
+          <a:bodyPr rtlCol="0" anchor="ctr"/>
+          <a:lstStyle/>
+          <a:p>
+            <a:pPr algn="ctr"/>
+            <a:endParaRPr lang="fr-FR" sz="1000" dirty="0">
+              <a:solidFill>
+                <a:sysClr val="windowText" lastClr="000000"/>
+              </a:solidFill>
+            </a:endParaRPr>
+          </a:p>
+        </p:txBody>
+      </p:sp>
+      <p:sp>
+        <p:nvSpPr>
+          <p:cNvPr id="16" name="Rectangle 15"/>
+          <p:cNvSpPr/>
+          <p:nvPr/>
+        </p:nvSpPr>
+        <p:spPr>
+          <a:xfrm>
+            <a:off x="6767439" y="2051721"/>
+            <a:ext cx="1225746" cy="1389432"/>
+          </a:xfrm>
+          <a:prstGeom prst="rect">
+            <a:avLst/>
+          </a:prstGeom>
+          <a:solidFill>
+            <a:schemeClr val="accent3">
+              <a:lumMod val="20000"/>
+              <a:lumOff val="80000"/>
+            </a:schemeClr>
+          </a:solidFill>
+          <a:ln w="9525">
+            <a:solidFill>
+              <a:schemeClr val="accent3">
+                <a:lumMod val="50000"/>
+              </a:schemeClr>
+            </a:solidFill>
+          </a:ln>
+        </p:spPr>
+        <p:style>
+          <a:lnRef idx="2">
+            <a:schemeClr val="accent1">
+              <a:shade val="50000"/>
+            </a:schemeClr>
+          </a:lnRef>
+          <a:fillRef idx="1">
+            <a:schemeClr val="accent1"/>
+          </a:fillRef>
+          <a:effectRef idx="0">
+            <a:schemeClr val="accent1"/>
+          </a:effectRef>
+          <a:fontRef idx="minor">
+            <a:schemeClr val="lt1"/>
+          </a:fontRef>
+        </p:style>
+        <p:txBody>
+          <a:bodyPr rtlCol="0" anchor="t"/>
+          <a:lstStyle/>
+          <a:p>
+            <a:pPr algn="ctr"/>
+            <a:r>
+              <a:rPr lang="fr-FR" sz="1000" b="1" dirty="0" smtClean="0">
+                <a:solidFill>
+                  <a:sysClr val="windowText" lastClr="000000"/>
+                </a:solidFill>
+              </a:rPr>
+              <a:t>Calibration du poids de E.</a:t>
+            </a:r>
+            <a:endParaRPr lang="fr-FR" sz="1000" b="1" dirty="0">
+              <a:solidFill>
+                <a:sysClr val="windowText" lastClr="000000"/>
+              </a:solidFill>
+            </a:endParaRPr>
+          </a:p>
+        </p:txBody>
+      </p:sp>
+      <p:sp>
+        <p:nvSpPr>
+          <p:cNvPr id="4" name="Double flèche horizontale 3"/>
+          <p:cNvSpPr/>
+          <p:nvPr/>
+        </p:nvSpPr>
+        <p:spPr>
+          <a:xfrm>
+            <a:off x="3923928" y="1472978"/>
+            <a:ext cx="3096343" cy="2194730"/>
+          </a:xfrm>
+          <a:prstGeom prst="leftRightArrow">
+            <a:avLst>
+              <a:gd name="adj1" fmla="val 75253"/>
+              <a:gd name="adj2" fmla="val 22762"/>
+            </a:avLst>
+          </a:prstGeom>
+          <a:solidFill>
+            <a:schemeClr val="accent6">
+              <a:lumMod val="20000"/>
+              <a:lumOff val="80000"/>
+            </a:schemeClr>
+          </a:solidFill>
+          <a:ln w="9525">
+            <a:solidFill>
+              <a:schemeClr val="accent6">
+                <a:lumMod val="50000"/>
+              </a:schemeClr>
+            </a:solidFill>
+          </a:ln>
+        </p:spPr>
+        <p:style>
+          <a:lnRef idx="2">
+            <a:schemeClr val="accent1">
+              <a:shade val="50000"/>
+            </a:schemeClr>
+          </a:lnRef>
+          <a:fillRef idx="1">
+            <a:schemeClr val="accent1"/>
+          </a:fillRef>
+          <a:effectRef idx="0">
+            <a:schemeClr val="accent1"/>
+          </a:effectRef>
+          <a:fontRef idx="minor">
+            <a:schemeClr val="lt1"/>
+          </a:fontRef>
+        </p:style>
+        <p:txBody>
+          <a:bodyPr rtlCol="0" anchor="ctr"/>
+          <a:lstStyle/>
+          <a:p>
+            <a:pPr algn="ctr"/>
+            <a:r>
+              <a:rPr lang="fr-FR" sz="900" dirty="0" smtClean="0">
+                <a:solidFill>
+                  <a:sysClr val="windowText" lastClr="000000"/>
+                </a:solidFill>
+              </a:rPr>
+              <a:t>Détermination de la compensation en effort</a:t>
+            </a:r>
+          </a:p>
+          <a:p>
+            <a:pPr algn="ctr"/>
+            <a:r>
+              <a:rPr lang="fr-FR" sz="1050" b="1" dirty="0" smtClean="0">
+                <a:solidFill>
+                  <a:sysClr val="windowText" lastClr="000000"/>
+                </a:solidFill>
+              </a:rPr>
+              <a:t>Erreur due à la mesure du  poids lors de la compensation  : </a:t>
+            </a:r>
+          </a:p>
+          <a:p>
+            <a:pPr algn="ctr"/>
+            <a:endParaRPr lang="fr-FR" sz="1050" b="1" dirty="0" smtClean="0">
+              <a:solidFill>
+                <a:sysClr val="windowText" lastClr="000000"/>
+              </a:solidFill>
+            </a:endParaRPr>
+          </a:p>
+          <a:p>
+            <a:pPr algn="ctr"/>
+            <a:r>
+              <a:rPr lang="fr-FR" sz="1050" b="1" dirty="0" smtClean="0">
+                <a:solidFill>
+                  <a:sysClr val="windowText" lastClr="000000"/>
+                </a:solidFill>
+              </a:rPr>
+              <a:t>Méthode de compensation du poids : </a:t>
+            </a:r>
+          </a:p>
+          <a:p>
+            <a:pPr algn="ctr"/>
+            <a:r>
+              <a:rPr lang="fr-FR" sz="1000" smtClean="0">
+                <a:solidFill>
+                  <a:schemeClr val="tx1"/>
+                </a:solidFill>
+              </a:rPr>
+              <a:t> </a:t>
+            </a:r>
+            <a:endParaRPr lang="fr-FR" sz="1000" b="1" dirty="0">
+              <a:solidFill>
+                <a:sysClr val="windowText" lastClr="000000"/>
+              </a:solidFill>
+            </a:endParaRPr>
+          </a:p>
+        </p:txBody>
+      </p:sp>
+    </p:spTree>
+    <p:extLst>
+      <p:ext uri="{BB962C8B-B14F-4D97-AF65-F5344CB8AC3E}">
+        <p14:creationId xmlns:p14="http://schemas.microsoft.com/office/powerpoint/2010/main" val="1419089961"/>
+      </p:ext>
+    </p:extLst>
+  </p:cSld>
+  <p:clrMapOvr>
+    <a:masterClrMapping/>
+  </p:clrMapOvr>
+</p:sld>
+</file>
+
+<file path=ppt/slides/slide12.xml><?xml version="1.0" encoding="utf-8"?>
+<p:sld xmlns:a="http://schemas.openxmlformats.org/drawingml/2006/main" xmlns:r="http://schemas.openxmlformats.org/officeDocument/2006/relationships" xmlns:p="http://schemas.openxmlformats.org/presentationml/2006/main">
+  <p:cSld>
+    <p:spTree>
+      <p:nvGrpSpPr>
+        <p:cNvPr id="1" name=""/>
+        <p:cNvGrpSpPr/>
+        <p:nvPr/>
+      </p:nvGrpSpPr>
+      <p:grpSpPr>
+        <a:xfrm>
+          <a:off x="0" y="0"/>
+          <a:ext cx="0" cy="0"/>
+          <a:chOff x="0" y="0"/>
+          <a:chExt cx="0" cy="0"/>
+        </a:xfrm>
+      </p:grpSpPr>
+      <p:sp>
+        <p:nvSpPr>
+          <p:cNvPr id="5" name="Rectangle 4"/>
+          <p:cNvSpPr/>
+          <p:nvPr/>
+        </p:nvSpPr>
+        <p:spPr>
+          <a:xfrm>
+            <a:off x="971600" y="1628800"/>
+            <a:ext cx="1440160" cy="288032"/>
+          </a:xfrm>
+          <a:prstGeom prst="rect">
+            <a:avLst/>
+          </a:prstGeom>
+          <a:solidFill>
+            <a:schemeClr val="accent5">
+              <a:lumMod val="20000"/>
+              <a:lumOff val="80000"/>
+            </a:schemeClr>
+          </a:solidFill>
+          <a:ln w="9525">
+            <a:solidFill>
+              <a:schemeClr val="accent5">
+                <a:lumMod val="50000"/>
+              </a:schemeClr>
+            </a:solidFill>
+          </a:ln>
+        </p:spPr>
+        <p:style>
+          <a:lnRef idx="2">
+            <a:schemeClr val="accent1">
+              <a:shade val="50000"/>
+            </a:schemeClr>
+          </a:lnRef>
+          <a:fillRef idx="1">
+            <a:schemeClr val="accent1"/>
+          </a:fillRef>
+          <a:effectRef idx="0">
+            <a:schemeClr val="accent1"/>
+          </a:effectRef>
+          <a:fontRef idx="minor">
+            <a:schemeClr val="lt1"/>
+          </a:fontRef>
+        </p:style>
+        <p:txBody>
+          <a:bodyPr rtlCol="0" anchor="ctr"/>
+          <a:lstStyle/>
+          <a:p>
+            <a:pPr algn="ctr"/>
+            <a:r>
+              <a:rPr lang="fr-FR" sz="1000" dirty="0" smtClean="0">
+                <a:solidFill>
+                  <a:sysClr val="windowText" lastClr="000000"/>
+                </a:solidFill>
+              </a:rPr>
+              <a:t>Domaine du client</a:t>
+            </a:r>
+            <a:endParaRPr lang="fr-FR" sz="1000" dirty="0">
+              <a:solidFill>
+                <a:sysClr val="windowText" lastClr="000000"/>
+              </a:solidFill>
+            </a:endParaRPr>
+          </a:p>
+        </p:txBody>
+      </p:sp>
+      <p:sp>
+        <p:nvSpPr>
+          <p:cNvPr id="6" name="Rectangle 5"/>
+          <p:cNvSpPr/>
+          <p:nvPr/>
+        </p:nvSpPr>
+        <p:spPr>
+          <a:xfrm>
+            <a:off x="971600" y="1988840"/>
+            <a:ext cx="1440160" cy="1512168"/>
+          </a:xfrm>
+          <a:prstGeom prst="rect">
+            <a:avLst/>
+          </a:prstGeom>
+          <a:solidFill>
+            <a:schemeClr val="accent5">
+              <a:lumMod val="20000"/>
+              <a:lumOff val="80000"/>
+            </a:schemeClr>
+          </a:solidFill>
+          <a:ln w="9525">
+            <a:solidFill>
+              <a:schemeClr val="accent5">
+                <a:lumMod val="50000"/>
+              </a:schemeClr>
+            </a:solidFill>
+          </a:ln>
+        </p:spPr>
+        <p:style>
+          <a:lnRef idx="2">
+            <a:schemeClr val="accent1">
+              <a:shade val="50000"/>
+            </a:schemeClr>
+          </a:lnRef>
+          <a:fillRef idx="1">
+            <a:schemeClr val="accent1"/>
+          </a:fillRef>
+          <a:effectRef idx="0">
+            <a:schemeClr val="accent1"/>
+          </a:effectRef>
+          <a:fontRef idx="minor">
+            <a:schemeClr val="lt1"/>
+          </a:fontRef>
+        </p:style>
+        <p:txBody>
+          <a:bodyPr rtlCol="0" anchor="ctr"/>
+          <a:lstStyle/>
+          <a:p>
+            <a:pPr algn="ctr"/>
+            <a:endParaRPr lang="fr-FR" sz="1000" dirty="0">
+              <a:solidFill>
+                <a:sysClr val="windowText" lastClr="000000"/>
+              </a:solidFill>
+            </a:endParaRPr>
+          </a:p>
+        </p:txBody>
+      </p:sp>
+      <p:pic>
+        <p:nvPicPr>
+          <p:cNvPr id="1026" name="Picture 2"/>
+          <p:cNvPicPr>
+            <a:picLocks noChangeAspect="1" noChangeArrowheads="1"/>
+          </p:cNvPicPr>
+          <p:nvPr/>
+        </p:nvPicPr>
+        <p:blipFill>
+          <a:blip r:embed="rId2">
+            <a:extLst>
+              <a:ext uri="{28A0092B-C50C-407E-A947-70E740481C1C}">
+                <a14:useLocalDpi xmlns:a14="http://schemas.microsoft.com/office/drawing/2010/main" val="0"/>
+              </a:ext>
+            </a:extLst>
+          </a:blip>
+          <a:srcRect/>
+          <a:stretch>
+            <a:fillRect/>
+          </a:stretch>
+        </p:blipFill>
+        <p:spPr bwMode="auto">
+          <a:xfrm>
+            <a:off x="1023876" y="2003998"/>
+            <a:ext cx="1335608" cy="870762"/>
+          </a:xfrm>
+          <a:prstGeom prst="rect">
+            <a:avLst/>
+          </a:prstGeom>
+          <a:noFill/>
+          <a:ln>
+            <a:noFill/>
+          </a:ln>
+          <a:effectLst/>
+          <a:extLst>
+            <a:ext uri="{909E8E84-426E-40DD-AFC4-6F175D3DCCD1}">
+              <a14:hiddenFill xmlns:a14="http://schemas.microsoft.com/office/drawing/2010/main">
+                <a:solidFill>
+                  <a:schemeClr val="accent1"/>
+                </a:solidFill>
+              </a14:hiddenFill>
+            </a:ext>
+            <a:ext uri="{91240B29-F687-4F45-9708-019B960494DF}">
+              <a14:hiddenLine xmlns:a14="http://schemas.microsoft.com/office/drawing/2010/main" w="9525">
+                <a:solidFill>
+                  <a:schemeClr val="tx1"/>
+                </a:solidFill>
+                <a:miter lim="800000"/>
+                <a:headEnd/>
+                <a:tailEnd/>
+              </a14:hiddenLine>
+            </a:ext>
+            <a:ext uri="{AF507438-7753-43E0-B8FC-AC1667EBCBE1}">
+              <a14:hiddenEffects xmlns:a14="http://schemas.microsoft.com/office/drawing/2010/main">
+                <a:effectLst>
+                  <a:outerShdw dist="35921" dir="2700000" algn="ctr" rotWithShape="0">
+                    <a:schemeClr val="bg2"/>
+                  </a:outerShdw>
+                </a:effectLst>
+              </a14:hiddenEffects>
+            </a:ext>
+          </a:extLst>
+        </p:spPr>
+      </p:pic>
+      <p:sp>
+        <p:nvSpPr>
+          <p:cNvPr id="8" name="Rectangle 7"/>
+          <p:cNvSpPr/>
+          <p:nvPr/>
+        </p:nvSpPr>
+        <p:spPr>
+          <a:xfrm>
+            <a:off x="3779912" y="1628800"/>
+            <a:ext cx="1440160" cy="288032"/>
+          </a:xfrm>
+          <a:prstGeom prst="rect">
+            <a:avLst/>
+          </a:prstGeom>
+          <a:solidFill>
+            <a:schemeClr val="accent2">
+              <a:lumMod val="20000"/>
+              <a:lumOff val="80000"/>
+            </a:schemeClr>
+          </a:solidFill>
+          <a:ln w="9525">
+            <a:solidFill>
+              <a:schemeClr val="accent2"/>
+            </a:solidFill>
+          </a:ln>
+        </p:spPr>
+        <p:style>
+          <a:lnRef idx="2">
+            <a:schemeClr val="accent1">
+              <a:shade val="50000"/>
+            </a:schemeClr>
+          </a:lnRef>
+          <a:fillRef idx="1">
+            <a:schemeClr val="accent1"/>
+          </a:fillRef>
+          <a:effectRef idx="0">
+            <a:schemeClr val="accent1"/>
+          </a:effectRef>
+          <a:fontRef idx="minor">
+            <a:schemeClr val="lt1"/>
+          </a:fontRef>
+        </p:style>
+        <p:txBody>
+          <a:bodyPr rtlCol="0" anchor="ctr"/>
+          <a:lstStyle/>
+          <a:p>
+            <a:pPr algn="ctr"/>
+            <a:r>
+              <a:rPr lang="fr-FR" sz="1000" dirty="0" smtClean="0">
+                <a:solidFill>
+                  <a:sysClr val="windowText" lastClr="000000"/>
+                </a:solidFill>
+              </a:rPr>
+              <a:t>Domaine de la modélisation</a:t>
+            </a:r>
+            <a:endParaRPr lang="fr-FR" sz="1000" dirty="0">
+              <a:solidFill>
+                <a:sysClr val="windowText" lastClr="000000"/>
+              </a:solidFill>
+            </a:endParaRPr>
+          </a:p>
+        </p:txBody>
+      </p:sp>
+      <p:sp>
+        <p:nvSpPr>
+          <p:cNvPr id="9" name="Rectangle 8"/>
+          <p:cNvSpPr/>
+          <p:nvPr/>
+        </p:nvSpPr>
+        <p:spPr>
+          <a:xfrm>
+            <a:off x="3779912" y="1981302"/>
+            <a:ext cx="1440160" cy="1519706"/>
+          </a:xfrm>
+          <a:prstGeom prst="rect">
+            <a:avLst/>
+          </a:prstGeom>
+          <a:solidFill>
+            <a:schemeClr val="accent2">
+              <a:lumMod val="20000"/>
+              <a:lumOff val="80000"/>
+            </a:schemeClr>
+          </a:solidFill>
+          <a:ln w="9525">
+            <a:solidFill>
+              <a:schemeClr val="accent2"/>
+            </a:solidFill>
+          </a:ln>
+        </p:spPr>
+        <p:style>
+          <a:lnRef idx="2">
+            <a:schemeClr val="accent1">
+              <a:shade val="50000"/>
+            </a:schemeClr>
+          </a:lnRef>
+          <a:fillRef idx="1">
+            <a:schemeClr val="accent1"/>
+          </a:fillRef>
+          <a:effectRef idx="0">
+            <a:schemeClr val="accent1"/>
+          </a:effectRef>
+          <a:fontRef idx="minor">
+            <a:schemeClr val="lt1"/>
+          </a:fontRef>
+        </p:style>
+        <p:txBody>
+          <a:bodyPr rtlCol="0" anchor="ctr"/>
+          <a:lstStyle/>
+          <a:p>
+            <a:pPr algn="ctr"/>
+            <a:endParaRPr lang="fr-FR" sz="1000" dirty="0">
+              <a:solidFill>
+                <a:sysClr val="windowText" lastClr="000000"/>
+              </a:solidFill>
+            </a:endParaRPr>
+          </a:p>
+        </p:txBody>
+      </p:sp>
+      <mc:AlternateContent xmlns:mc="http://schemas.openxmlformats.org/markup-compatibility/2006" xmlns:a14="http://schemas.microsoft.com/office/drawing/2010/main">
+        <mc:Choice Requires="a14">
+          <p:sp>
+            <p:nvSpPr>
+              <p:cNvPr id="10" name="Rectangle 9"/>
+              <p:cNvSpPr/>
+              <p:nvPr/>
+            </p:nvSpPr>
+            <p:spPr>
+              <a:xfrm>
+                <a:off x="3995936" y="2039568"/>
+                <a:ext cx="1008112" cy="1389432"/>
+              </a:xfrm>
+              <a:prstGeom prst="rect">
+                <a:avLst/>
+              </a:prstGeom>
+              <a:solidFill>
+                <a:schemeClr val="accent2">
+                  <a:lumMod val="20000"/>
+                  <a:lumOff val="80000"/>
+                </a:schemeClr>
+              </a:solidFill>
+              <a:ln w="9525">
+                <a:solidFill>
+                  <a:schemeClr val="accent2"/>
+                </a:solidFill>
+              </a:ln>
+            </p:spPr>
+            <p:style>
+              <a:lnRef idx="2">
+                <a:schemeClr val="accent1">
+                  <a:shade val="50000"/>
+                </a:schemeClr>
+              </a:lnRef>
+              <a:fillRef idx="1">
+                <a:schemeClr val="accent1"/>
+              </a:fillRef>
+              <a:effectRef idx="0">
+                <a:schemeClr val="accent1"/>
+              </a:effectRef>
+              <a:fontRef idx="minor">
+                <a:schemeClr val="lt1"/>
+              </a:fontRef>
+            </p:style>
+            <p:txBody>
+              <a:bodyPr rtlCol="0" anchor="t"/>
+              <a:lstStyle/>
+              <a:p>
+                <a:pPr algn="ctr"/>
+                <a:r>
+                  <a:rPr lang="fr-FR" sz="1000" b="1" dirty="0" smtClean="0">
+                    <a:solidFill>
+                      <a:sysClr val="windowText" lastClr="000000"/>
+                    </a:solidFill>
+                  </a:rPr>
+                  <a:t>Couple moteur calculé</a:t>
+                </a:r>
+              </a:p>
+              <a:p>
+                <a:pPr algn="ctr"/>
+                <a:endParaRPr lang="fr-FR" sz="1000" b="1" dirty="0" smtClean="0">
+                  <a:solidFill>
+                    <a:sysClr val="windowText" lastClr="000000"/>
+                  </a:solidFill>
+                </a:endParaRPr>
+              </a:p>
+              <a:p>
+                <a:pPr algn="ctr"/>
+                <a14:m>
+                  <m:oMathPara xmlns:m="http://schemas.openxmlformats.org/officeDocument/2006/math">
+                    <m:oMathParaPr>
+                      <m:jc m:val="centerGroup"/>
+                    </m:oMathParaPr>
+                    <m:oMath xmlns:m="http://schemas.openxmlformats.org/officeDocument/2006/math">
+                      <m:f>
+                        <m:fPr>
+                          <m:ctrlPr>
+                            <a:rPr lang="fr-FR" sz="1000" b="1" i="1" smtClean="0">
+                              <a:solidFill>
+                                <a:sysClr val="windowText" lastClr="000000"/>
+                              </a:solidFill>
+                              <a:latin typeface="Cambria Math"/>
+                            </a:rPr>
+                          </m:ctrlPr>
+                        </m:fPr>
+                        <m:num>
+                          <m:r>
+                            <a:rPr lang="fr-FR" sz="1000" b="1" i="1" smtClean="0">
+                              <a:solidFill>
+                                <a:sysClr val="windowText" lastClr="000000"/>
+                              </a:solidFill>
+                              <a:latin typeface="Cambria Math"/>
+                            </a:rPr>
+                            <m:t>𝟎</m:t>
+                          </m:r>
+                          <m:r>
+                            <a:rPr lang="fr-FR" sz="1000" b="1" i="1" smtClean="0">
+                              <a:solidFill>
+                                <a:sysClr val="windowText" lastClr="000000"/>
+                              </a:solidFill>
+                              <a:latin typeface="Cambria Math"/>
+                            </a:rPr>
+                            <m:t>,</m:t>
+                          </m:r>
+                          <m:r>
+                            <a:rPr lang="fr-FR" sz="1000" b="1" i="1" smtClean="0">
+                              <a:solidFill>
+                                <a:sysClr val="windowText" lastClr="000000"/>
+                              </a:solidFill>
+                              <a:latin typeface="Cambria Math"/>
+                            </a:rPr>
+                            <m:t>𝟒</m:t>
+                          </m:r>
+                        </m:num>
+                        <m:den>
+                          <m:r>
+                            <a:rPr lang="fr-FR" sz="1000" b="1" i="1" smtClean="0">
+                              <a:solidFill>
+                                <a:sysClr val="windowText" lastClr="000000"/>
+                              </a:solidFill>
+                              <a:latin typeface="Cambria Math"/>
+                            </a:rPr>
+                            <m:t>𝟔𝟔</m:t>
+                          </m:r>
+                        </m:den>
+                      </m:f>
+                      <m:r>
+                        <a:rPr lang="fr-FR" sz="1000" b="1" i="1" smtClean="0">
+                          <a:solidFill>
+                            <a:sysClr val="windowText" lastClr="000000"/>
+                          </a:solidFill>
+                          <a:latin typeface="Cambria Math"/>
+                        </a:rPr>
+                        <m:t>=</m:t>
+                      </m:r>
+                      <m:r>
+                        <a:rPr lang="fr-FR" sz="1000" b="1" i="1" smtClean="0">
+                          <a:solidFill>
+                            <a:sysClr val="windowText" lastClr="000000"/>
+                          </a:solidFill>
+                          <a:latin typeface="Cambria Math"/>
+                        </a:rPr>
+                        <m:t>𝟔</m:t>
+                      </m:r>
+                      <m:r>
+                        <a:rPr lang="fr-FR" sz="1000" b="1" i="0" smtClean="0">
+                          <a:solidFill>
+                            <a:sysClr val="windowText" lastClr="000000"/>
+                          </a:solidFill>
+                          <a:latin typeface="Cambria Math"/>
+                        </a:rPr>
+                        <m:t>𝐦𝐍𝐦</m:t>
+                      </m:r>
+                    </m:oMath>
+                  </m:oMathPara>
+                </a14:m>
+                <a:endParaRPr lang="fr-FR" sz="1000" b="1" dirty="0">
+                  <a:solidFill>
+                    <a:sysClr val="windowText" lastClr="000000"/>
+                  </a:solidFill>
+                </a:endParaRPr>
+              </a:p>
+            </p:txBody>
+          </p:sp>
+        </mc:Choice>
+        <mc:Fallback xmlns="">
+          <p:sp>
+            <p:nvSpPr>
+              <p:cNvPr id="10" name="Rectangle 9"/>
+              <p:cNvSpPr>
+                <a:spLocks noRot="1" noChangeAspect="1" noMove="1" noResize="1" noEditPoints="1" noAdjustHandles="1" noChangeArrowheads="1" noChangeShapeType="1" noTextEdit="1"/>
+              </p:cNvSpPr>
+              <p:nvPr/>
+            </p:nvSpPr>
+            <p:spPr>
+              <a:xfrm>
+                <a:off x="3995936" y="2039568"/>
+                <a:ext cx="1008112" cy="1389432"/>
+              </a:xfrm>
+              <a:prstGeom prst="rect">
+                <a:avLst/>
+              </a:prstGeom>
+              <a:blipFill rotWithShape="1">
+                <a:blip r:embed="rId3"/>
+                <a:stretch>
+                  <a:fillRect/>
+                </a:stretch>
+              </a:blipFill>
+              <a:ln w="9525">
+                <a:solidFill>
+                  <a:schemeClr val="accent2"/>
+                </a:solidFill>
+              </a:ln>
+            </p:spPr>
+            <p:txBody>
+              <a:bodyPr/>
+              <a:lstStyle/>
+              <a:p>
+                <a:r>
+                  <a:rPr lang="fr-FR">
+                    <a:noFill/>
+                  </a:rPr>
+                  <a:t> </a:t>
+                </a:r>
+              </a:p>
+            </p:txBody>
+          </p:sp>
+        </mc:Fallback>
+      </mc:AlternateContent>
+      <p:pic>
+        <p:nvPicPr>
+          <p:cNvPr id="1029" name="Picture 5"/>
+          <p:cNvPicPr>
+            <a:picLocks noChangeAspect="1" noChangeArrowheads="1"/>
+          </p:cNvPicPr>
+          <p:nvPr/>
+        </p:nvPicPr>
+        <p:blipFill rotWithShape="1">
+          <a:blip r:embed="rId4" cstate="print">
+            <a:extLst>
+              <a:ext uri="{28A0092B-C50C-407E-A947-70E740481C1C}">
+                <a14:useLocalDpi xmlns:a14="http://schemas.microsoft.com/office/drawing/2010/main" val="0"/>
+              </a:ext>
+            </a:extLst>
+          </a:blip>
+          <a:srcRect t="40121" r="6833"/>
+          <a:stretch/>
+        </p:blipFill>
+        <p:spPr bwMode="auto">
+          <a:xfrm>
+            <a:off x="1023876" y="3044031"/>
+            <a:ext cx="1309687" cy="401638"/>
+          </a:xfrm>
+          <a:prstGeom prst="rect">
+            <a:avLst/>
+          </a:prstGeom>
+          <a:noFill/>
+          <a:ln>
+            <a:noFill/>
+          </a:ln>
+          <a:effectLst/>
+          <a:extLst>
+            <a:ext uri="{909E8E84-426E-40DD-AFC4-6F175D3DCCD1}">
+              <a14:hiddenFill xmlns:a14="http://schemas.microsoft.com/office/drawing/2010/main">
+                <a:solidFill>
+                  <a:schemeClr val="accent1"/>
+                </a:solidFill>
+              </a14:hiddenFill>
+            </a:ext>
+            <a:ext uri="{91240B29-F687-4F45-9708-019B960494DF}">
+              <a14:hiddenLine xmlns:a14="http://schemas.microsoft.com/office/drawing/2010/main" w="9525">
+                <a:solidFill>
+                  <a:schemeClr val="tx1"/>
+                </a:solidFill>
+                <a:miter lim="800000"/>
+                <a:headEnd/>
+                <a:tailEnd/>
+              </a14:hiddenLine>
+            </a:ext>
+            <a:ext uri="{AF507438-7753-43E0-B8FC-AC1667EBCBE1}">
+              <a14:hiddenEffects xmlns:a14="http://schemas.microsoft.com/office/drawing/2010/main">
+                <a:effectLst>
+                  <a:outerShdw dist="35921" dir="2700000" algn="ctr" rotWithShape="0">
+                    <a:schemeClr val="bg2"/>
+                  </a:outerShdw>
+                </a:effectLst>
+              </a14:hiddenEffects>
+            </a:ext>
+          </a:extLst>
+        </p:spPr>
+      </p:pic>
+      <p:cxnSp>
+        <p:nvCxnSpPr>
+          <p:cNvPr id="11" name="Connecteur droit avec flèche 10"/>
+          <p:cNvCxnSpPr>
+            <a:stCxn id="1026" idx="3"/>
+          </p:cNvCxnSpPr>
+          <p:nvPr/>
+        </p:nvCxnSpPr>
+        <p:spPr>
+          <a:xfrm>
+            <a:off x="2359484" y="2439379"/>
+            <a:ext cx="1636452" cy="0"/>
+          </a:xfrm>
+          <a:prstGeom prst="straightConnector1">
+            <a:avLst/>
+          </a:prstGeom>
+          <a:ln w="19050">
+            <a:solidFill>
+              <a:schemeClr val="accent2"/>
+            </a:solidFill>
+            <a:headEnd type="stealth" w="med" len="lg"/>
+            <a:tailEnd type="stealth" w="med" len="lg"/>
+          </a:ln>
+        </p:spPr>
+        <p:style>
+          <a:lnRef idx="1">
+            <a:schemeClr val="accent1"/>
+          </a:lnRef>
+          <a:fillRef idx="0">
+            <a:schemeClr val="accent1"/>
+          </a:fillRef>
+          <a:effectRef idx="0">
+            <a:schemeClr val="accent1"/>
+          </a:effectRef>
+          <a:fontRef idx="minor">
+            <a:schemeClr val="tx1"/>
+          </a:fontRef>
+        </p:style>
+      </p:cxnSp>
+      <p:sp>
+        <p:nvSpPr>
+          <p:cNvPr id="12" name="Rectangle 11"/>
+          <p:cNvSpPr/>
+          <p:nvPr/>
+        </p:nvSpPr>
+        <p:spPr>
+          <a:xfrm>
+            <a:off x="2550037" y="2143874"/>
+            <a:ext cx="1183336" cy="600164"/>
+          </a:xfrm>
+          <a:prstGeom prst="rect">
+            <a:avLst/>
+          </a:prstGeom>
+        </p:spPr>
+        <p:txBody>
+          <a:bodyPr wrap="none">
+            <a:spAutoFit/>
+          </a:bodyPr>
+          <a:lstStyle/>
+          <a:p>
+            <a:pPr algn="ctr"/>
+            <a:r>
+              <a:rPr lang="fr-FR" sz="1100" b="1" dirty="0" smtClean="0">
+                <a:solidFill>
+                  <a:sysClr val="windowText" lastClr="000000"/>
+                </a:solidFill>
+              </a:rPr>
+              <a:t>Exigence validée </a:t>
+            </a:r>
+          </a:p>
+          <a:p>
+            <a:pPr algn="ctr"/>
+            <a:endParaRPr lang="fr-FR" sz="1100" b="1" dirty="0">
+              <a:solidFill>
+                <a:sysClr val="windowText" lastClr="000000"/>
+              </a:solidFill>
+            </a:endParaRPr>
+          </a:p>
+          <a:p>
+            <a:pPr algn="ctr"/>
+            <a:r>
+              <a:rPr lang="fr-FR" sz="1100" b="1" dirty="0" smtClean="0">
+                <a:solidFill>
+                  <a:sysClr val="windowText" lastClr="000000"/>
+                </a:solidFill>
+              </a:rPr>
+              <a:t>OUI</a:t>
+            </a:r>
+            <a:endParaRPr lang="fr-FR" sz="1100" b="1" dirty="0">
+              <a:solidFill>
+                <a:sysClr val="windowText" lastClr="000000"/>
+              </a:solidFill>
+            </a:endParaRPr>
+          </a:p>
+        </p:txBody>
+      </p:sp>
+      <p:cxnSp>
+        <p:nvCxnSpPr>
+          <p:cNvPr id="18" name="Connecteur droit avec flèche 17"/>
+          <p:cNvCxnSpPr>
+            <a:stCxn id="1029" idx="3"/>
+          </p:cNvCxnSpPr>
+          <p:nvPr/>
+        </p:nvCxnSpPr>
+        <p:spPr>
+          <a:xfrm>
+            <a:off x="2333563" y="3244850"/>
+            <a:ext cx="1662373" cy="0"/>
+          </a:xfrm>
+          <a:prstGeom prst="straightConnector1">
+            <a:avLst/>
+          </a:prstGeom>
+          <a:ln w="19050">
+            <a:solidFill>
+              <a:schemeClr val="accent2"/>
+            </a:solidFill>
+            <a:headEnd type="stealth" w="med" len="lg"/>
+            <a:tailEnd type="stealth" w="med" len="lg"/>
+          </a:ln>
+        </p:spPr>
+        <p:style>
+          <a:lnRef idx="1">
+            <a:schemeClr val="accent1"/>
+          </a:lnRef>
+          <a:fillRef idx="0">
+            <a:schemeClr val="accent1"/>
+          </a:fillRef>
+          <a:effectRef idx="0">
+            <a:schemeClr val="accent1"/>
+          </a:effectRef>
+          <a:fontRef idx="minor">
+            <a:schemeClr val="tx1"/>
+          </a:fontRef>
+        </p:style>
+      </p:cxnSp>
+      <p:sp>
+        <p:nvSpPr>
+          <p:cNvPr id="24" name="Rectangle 23"/>
+          <p:cNvSpPr/>
+          <p:nvPr/>
+        </p:nvSpPr>
+        <p:spPr>
+          <a:xfrm>
+            <a:off x="2494486" y="2971117"/>
+            <a:ext cx="1300356" cy="261610"/>
+          </a:xfrm>
+          <a:prstGeom prst="rect">
+            <a:avLst/>
+          </a:prstGeom>
+        </p:spPr>
+        <p:txBody>
+          <a:bodyPr wrap="none">
+            <a:spAutoFit/>
+          </a:bodyPr>
+          <a:lstStyle/>
+          <a:p>
+            <a:pPr algn="ctr"/>
+            <a:r>
+              <a:rPr lang="fr-FR" sz="1100" b="1" dirty="0" smtClean="0">
+                <a:solidFill>
+                  <a:sysClr val="windowText" lastClr="000000"/>
+                </a:solidFill>
+              </a:rPr>
+              <a:t>Marge d’utilisation</a:t>
+            </a:r>
+            <a:endParaRPr lang="fr-FR" sz="1100" b="1" dirty="0">
+              <a:solidFill>
+                <a:sysClr val="windowText" lastClr="000000"/>
+              </a:solidFill>
+            </a:endParaRPr>
+          </a:p>
+        </p:txBody>
+      </p:sp>
+      <mc:AlternateContent xmlns:mc="http://schemas.openxmlformats.org/markup-compatibility/2006" xmlns:a14="http://schemas.microsoft.com/office/drawing/2010/main">
+        <mc:Choice Requires="a14">
+          <p:sp>
+            <p:nvSpPr>
+              <p:cNvPr id="2" name="Rectangle 1"/>
+              <p:cNvSpPr/>
+              <p:nvPr/>
+            </p:nvSpPr>
+            <p:spPr>
+              <a:xfrm>
+                <a:off x="2011933" y="3284984"/>
+                <a:ext cx="2259544" cy="1015663"/>
+              </a:xfrm>
+              <a:prstGeom prst="rect">
+                <a:avLst/>
+              </a:prstGeom>
+            </p:spPr>
+            <p:txBody>
+              <a:bodyPr wrap="square">
+                <a:spAutoFit/>
+              </a:bodyPr>
+              <a:lstStyle/>
+              <a:p>
+                <a:pPr algn="ctr"/>
+                <a14:m>
+                  <m:oMathPara xmlns:m="http://schemas.openxmlformats.org/officeDocument/2006/math">
+                    <m:oMathParaPr>
+                      <m:jc m:val="centerGroup"/>
+                    </m:oMathParaPr>
+                    <m:oMath xmlns:m="http://schemas.openxmlformats.org/officeDocument/2006/math">
+                      <m:r>
+                        <a:rPr lang="fr-FR" sz="1200" b="1" i="0" smtClean="0">
+                          <a:solidFill>
+                            <a:sysClr val="windowText" lastClr="000000"/>
+                          </a:solidFill>
+                          <a:latin typeface="Cambria Math"/>
+                        </a:rPr>
+                        <m:t>𝟏𝟎</m:t>
+                      </m:r>
+                      <m:r>
+                        <a:rPr lang="fr-FR" sz="1200" b="1">
+                          <a:solidFill>
+                            <a:sysClr val="windowText" lastClr="000000"/>
+                          </a:solidFill>
+                          <a:latin typeface="Cambria Math"/>
+                        </a:rPr>
+                        <m:t>𝐦𝐍𝐦</m:t>
+                      </m:r>
+                    </m:oMath>
+                  </m:oMathPara>
+                </a14:m>
+                <a:endParaRPr lang="fr-FR" sz="1200" b="1" dirty="0" smtClean="0">
+                  <a:solidFill>
+                    <a:sysClr val="windowText" lastClr="000000"/>
+                  </a:solidFill>
+                </a:endParaRPr>
+              </a:p>
+              <a:p>
+                <a:pPr algn="ctr"/>
+                <a:r>
+                  <a:rPr lang="fr-FR" sz="1200" b="1" dirty="0" smtClean="0">
+                    <a:solidFill>
+                      <a:sysClr val="windowText" lastClr="000000"/>
+                    </a:solidFill>
+                  </a:rPr>
+                  <a:t>Le couple étant calculé dans une configuration particulière, un couple supérieur peut être nécessaire.</a:t>
+                </a:r>
+                <a:endParaRPr lang="fr-FR" sz="1200" b="1" dirty="0">
+                  <a:solidFill>
+                    <a:sysClr val="windowText" lastClr="000000"/>
+                  </a:solidFill>
+                </a:endParaRPr>
+              </a:p>
+            </p:txBody>
+          </p:sp>
+        </mc:Choice>
+        <mc:Fallback xmlns="">
+          <p:sp>
+            <p:nvSpPr>
+              <p:cNvPr id="2" name="Rectangle 1"/>
+              <p:cNvSpPr>
+                <a:spLocks noRot="1" noChangeAspect="1" noMove="1" noResize="1" noEditPoints="1" noAdjustHandles="1" noChangeArrowheads="1" noChangeShapeType="1" noTextEdit="1"/>
+              </p:cNvSpPr>
+              <p:nvPr/>
+            </p:nvSpPr>
+            <p:spPr>
+              <a:xfrm>
+                <a:off x="2011933" y="3284984"/>
+                <a:ext cx="2259544" cy="1015663"/>
+              </a:xfrm>
+              <a:prstGeom prst="rect">
+                <a:avLst/>
+              </a:prstGeom>
+              <a:blipFill rotWithShape="1">
+                <a:blip r:embed="rId5"/>
+                <a:stretch>
+                  <a:fillRect r="-1078" b="-4217"/>
+                </a:stretch>
+              </a:blipFill>
+            </p:spPr>
+            <p:txBody>
+              <a:bodyPr/>
+              <a:lstStyle/>
+              <a:p>
+                <a:r>
+                  <a:rPr lang="fr-FR">
+                    <a:noFill/>
+                  </a:rPr>
+                  <a:t> </a:t>
+                </a:r>
+              </a:p>
+            </p:txBody>
+          </p:sp>
+        </mc:Fallback>
+      </mc:AlternateContent>
+    </p:spTree>
+    <p:extLst>
+      <p:ext uri="{BB962C8B-B14F-4D97-AF65-F5344CB8AC3E}">
+        <p14:creationId xmlns:p14="http://schemas.microsoft.com/office/powerpoint/2010/main" val="3184664115"/>
+      </p:ext>
+    </p:extLst>
+  </p:cSld>
+  <p:clrMapOvr>
+    <a:masterClrMapping/>
+  </p:clrMapOvr>
+</p:sld>
+</file>
+
+<file path=ppt/slides/slide13.xml><?xml version="1.0" encoding="utf-8"?>
 <p:sld xmlns:a="http://schemas.openxmlformats.org/drawingml/2006/main" xmlns:r="http://schemas.openxmlformats.org/officeDocument/2006/relationships" xmlns:p="http://schemas.openxmlformats.org/presentationml/2006/main">
   <p:cSld>
     <p:spTree>
@@ -9213,7 +11621,7 @@
 </p:sld>
 </file>
 
-<file path=ppt/slides/slide11.xml><?xml version="1.0" encoding="utf-8"?>
+<file path=ppt/slides/slide14.xml><?xml version="1.0" encoding="utf-8"?>
 <p:sld xmlns:a="http://schemas.openxmlformats.org/drawingml/2006/main" xmlns:r="http://schemas.openxmlformats.org/officeDocument/2006/relationships" xmlns:p="http://schemas.openxmlformats.org/presentationml/2006/main">
   <p:cSld>
     <p:spTree>
@@ -10477,6 +12885,3324 @@
       </p:grpSpPr>
       <p:sp>
         <p:nvSpPr>
+          <p:cNvPr id="4" name="Rectangle 3"/>
+          <p:cNvSpPr/>
+          <p:nvPr/>
+        </p:nvSpPr>
+        <p:spPr>
+          <a:xfrm>
+            <a:off x="0" y="1813200"/>
+            <a:ext cx="152400" cy="286396"/>
+          </a:xfrm>
+          <a:prstGeom prst="rect">
+            <a:avLst/>
+          </a:prstGeom>
+          <a:solidFill>
+            <a:schemeClr val="accent6">
+              <a:lumMod val="20000"/>
+              <a:lumOff val="80000"/>
+            </a:schemeClr>
+          </a:solidFill>
+          <a:ln w="19050">
+            <a:noFill/>
+          </a:ln>
+        </p:spPr>
+        <p:style>
+          <a:lnRef idx="2">
+            <a:schemeClr val="accent1">
+              <a:shade val="50000"/>
+            </a:schemeClr>
+          </a:lnRef>
+          <a:fillRef idx="1">
+            <a:schemeClr val="accent1"/>
+          </a:fillRef>
+          <a:effectRef idx="0">
+            <a:schemeClr val="accent1"/>
+          </a:effectRef>
+          <a:fontRef idx="minor">
+            <a:schemeClr val="lt1"/>
+          </a:fontRef>
+        </p:style>
+        <p:txBody>
+          <a:bodyPr rtlCol="0" anchor="ctr"/>
+          <a:lstStyle/>
+          <a:p>
+            <a:pPr algn="ctr"/>
+            <a:endParaRPr lang="fr-FR" sz="1400" b="1">
+              <a:solidFill>
+                <a:schemeClr val="accent6">
+                  <a:lumMod val="50000"/>
+                </a:schemeClr>
+              </a:solidFill>
+            </a:endParaRPr>
+          </a:p>
+        </p:txBody>
+      </p:sp>
+      <p:sp>
+        <p:nvSpPr>
+          <p:cNvPr id="5" name="Ellipse 4"/>
+          <p:cNvSpPr/>
+          <p:nvPr/>
+        </p:nvSpPr>
+        <p:spPr>
+          <a:xfrm>
+            <a:off x="1061610" y="1813199"/>
+            <a:ext cx="288032" cy="288032"/>
+          </a:xfrm>
+          <a:prstGeom prst="ellipse">
+            <a:avLst/>
+          </a:prstGeom>
+          <a:solidFill>
+            <a:schemeClr val="accent4">
+              <a:lumMod val="20000"/>
+              <a:lumOff val="80000"/>
+            </a:schemeClr>
+          </a:solidFill>
+          <a:ln w="19050">
+            <a:solidFill>
+              <a:schemeClr val="accent4"/>
+            </a:solidFill>
+          </a:ln>
+        </p:spPr>
+        <p:style>
+          <a:lnRef idx="2">
+            <a:schemeClr val="accent1">
+              <a:shade val="50000"/>
+            </a:schemeClr>
+          </a:lnRef>
+          <a:fillRef idx="1">
+            <a:schemeClr val="accent1"/>
+          </a:fillRef>
+          <a:effectRef idx="0">
+            <a:schemeClr val="accent1"/>
+          </a:effectRef>
+          <a:fontRef idx="minor">
+            <a:schemeClr val="lt1"/>
+          </a:fontRef>
+        </p:style>
+        <p:txBody>
+          <a:bodyPr rtlCol="0" anchor="ctr"/>
+          <a:lstStyle/>
+          <a:p>
+            <a:pPr algn="ctr"/>
+            <a:r>
+              <a:rPr lang="fr-FR" sz="1400" b="1" dirty="0">
+                <a:solidFill>
+                  <a:schemeClr val="accent4"/>
+                </a:solidFill>
+              </a:rPr>
+              <a:t>3</a:t>
+            </a:r>
+            <a:endParaRPr lang="fr-FR" sz="1400" b="1" dirty="0">
+              <a:solidFill>
+                <a:schemeClr val="accent4"/>
+              </a:solidFill>
+            </a:endParaRPr>
+          </a:p>
+        </p:txBody>
+      </p:sp>
+      <p:sp>
+        <p:nvSpPr>
+          <p:cNvPr id="6" name="Ellipse 5"/>
+          <p:cNvSpPr/>
+          <p:nvPr/>
+        </p:nvSpPr>
+        <p:spPr>
+          <a:xfrm>
+            <a:off x="1799692" y="1813199"/>
+            <a:ext cx="288032" cy="288032"/>
+          </a:xfrm>
+          <a:prstGeom prst="ellipse">
+            <a:avLst/>
+          </a:prstGeom>
+          <a:solidFill>
+            <a:schemeClr val="accent2">
+              <a:lumMod val="20000"/>
+              <a:lumOff val="80000"/>
+            </a:schemeClr>
+          </a:solidFill>
+          <a:ln w="19050">
+            <a:solidFill>
+              <a:schemeClr val="accent2"/>
+            </a:solidFill>
+          </a:ln>
+        </p:spPr>
+        <p:style>
+          <a:lnRef idx="2">
+            <a:schemeClr val="accent1">
+              <a:shade val="50000"/>
+            </a:schemeClr>
+          </a:lnRef>
+          <a:fillRef idx="1">
+            <a:schemeClr val="accent1"/>
+          </a:fillRef>
+          <a:effectRef idx="0">
+            <a:schemeClr val="accent1"/>
+          </a:effectRef>
+          <a:fontRef idx="minor">
+            <a:schemeClr val="lt1"/>
+          </a:fontRef>
+        </p:style>
+        <p:txBody>
+          <a:bodyPr rtlCol="0" anchor="ctr"/>
+          <a:lstStyle/>
+          <a:p>
+            <a:pPr algn="ctr"/>
+            <a:r>
+              <a:rPr lang="fr-FR" sz="1400" b="1" dirty="0" smtClean="0">
+                <a:solidFill>
+                  <a:schemeClr val="accent2"/>
+                </a:solidFill>
+              </a:rPr>
+              <a:t>1</a:t>
+            </a:r>
+            <a:endParaRPr lang="fr-FR" sz="1400" b="1" dirty="0">
+              <a:solidFill>
+                <a:schemeClr val="accent2"/>
+              </a:solidFill>
+            </a:endParaRPr>
+          </a:p>
+        </p:txBody>
+      </p:sp>
+      <p:sp>
+        <p:nvSpPr>
+          <p:cNvPr id="7" name="Ellipse 6"/>
+          <p:cNvSpPr/>
+          <p:nvPr/>
+        </p:nvSpPr>
+        <p:spPr>
+          <a:xfrm>
+            <a:off x="2537774" y="1813199"/>
+            <a:ext cx="288032" cy="288032"/>
+          </a:xfrm>
+          <a:prstGeom prst="ellipse">
+            <a:avLst/>
+          </a:prstGeom>
+          <a:solidFill>
+            <a:schemeClr val="accent3">
+              <a:lumMod val="20000"/>
+              <a:lumOff val="80000"/>
+            </a:schemeClr>
+          </a:solidFill>
+          <a:ln w="19050">
+            <a:solidFill>
+              <a:schemeClr val="accent3"/>
+            </a:solidFill>
+          </a:ln>
+        </p:spPr>
+        <p:style>
+          <a:lnRef idx="2">
+            <a:schemeClr val="accent1">
+              <a:shade val="50000"/>
+            </a:schemeClr>
+          </a:lnRef>
+          <a:fillRef idx="1">
+            <a:schemeClr val="accent1"/>
+          </a:fillRef>
+          <a:effectRef idx="0">
+            <a:schemeClr val="accent1"/>
+          </a:effectRef>
+          <a:fontRef idx="minor">
+            <a:schemeClr val="lt1"/>
+          </a:fontRef>
+        </p:style>
+        <p:txBody>
+          <a:bodyPr rtlCol="0" anchor="ctr"/>
+          <a:lstStyle/>
+          <a:p>
+            <a:pPr algn="ctr"/>
+            <a:r>
+              <a:rPr lang="fr-FR" sz="1400" b="1" dirty="0" smtClean="0">
+                <a:solidFill>
+                  <a:schemeClr val="accent3"/>
+                </a:solidFill>
+              </a:rPr>
+              <a:t>2</a:t>
+            </a:r>
+            <a:endParaRPr lang="fr-FR" sz="1400" b="1" dirty="0">
+              <a:solidFill>
+                <a:schemeClr val="accent3"/>
+              </a:solidFill>
+            </a:endParaRPr>
+          </a:p>
+        </p:txBody>
+      </p:sp>
+      <p:sp>
+        <p:nvSpPr>
+          <p:cNvPr id="8" name="Ellipse 7"/>
+          <p:cNvSpPr/>
+          <p:nvPr/>
+        </p:nvSpPr>
+        <p:spPr>
+          <a:xfrm>
+            <a:off x="3275856" y="1813199"/>
+            <a:ext cx="288032" cy="288032"/>
+          </a:xfrm>
+          <a:prstGeom prst="ellipse">
+            <a:avLst/>
+          </a:prstGeom>
+          <a:solidFill>
+            <a:schemeClr val="bg1">
+              <a:lumMod val="85000"/>
+            </a:schemeClr>
+          </a:solidFill>
+          <a:ln w="19050">
+            <a:solidFill>
+              <a:schemeClr val="tx1"/>
+            </a:solidFill>
+          </a:ln>
+        </p:spPr>
+        <p:style>
+          <a:lnRef idx="2">
+            <a:schemeClr val="accent1">
+              <a:shade val="50000"/>
+            </a:schemeClr>
+          </a:lnRef>
+          <a:fillRef idx="1">
+            <a:schemeClr val="accent1"/>
+          </a:fillRef>
+          <a:effectRef idx="0">
+            <a:schemeClr val="accent1"/>
+          </a:effectRef>
+          <a:fontRef idx="minor">
+            <a:schemeClr val="lt1"/>
+          </a:fontRef>
+        </p:style>
+        <p:txBody>
+          <a:bodyPr rtlCol="0" anchor="ctr"/>
+          <a:lstStyle/>
+          <a:p>
+            <a:pPr algn="ctr"/>
+            <a:r>
+              <a:rPr lang="fr-FR" sz="1400" b="1" dirty="0" smtClean="0">
+                <a:solidFill>
+                  <a:schemeClr val="tx1"/>
+                </a:solidFill>
+              </a:rPr>
+              <a:t>4</a:t>
+            </a:r>
+            <a:endParaRPr lang="fr-FR" sz="1400" b="1" dirty="0">
+              <a:solidFill>
+                <a:schemeClr val="tx1"/>
+              </a:solidFill>
+            </a:endParaRPr>
+          </a:p>
+        </p:txBody>
+      </p:sp>
+      <p:sp>
+        <p:nvSpPr>
+          <p:cNvPr id="9" name="Ellipse 8"/>
+          <p:cNvSpPr/>
+          <p:nvPr/>
+        </p:nvSpPr>
+        <p:spPr>
+          <a:xfrm>
+            <a:off x="323527" y="1813199"/>
+            <a:ext cx="513057" cy="288032"/>
+          </a:xfrm>
+          <a:prstGeom prst="ellipse">
+            <a:avLst/>
+          </a:prstGeom>
+          <a:solidFill>
+            <a:schemeClr val="accent6">
+              <a:lumMod val="20000"/>
+              <a:lumOff val="80000"/>
+            </a:schemeClr>
+          </a:solidFill>
+          <a:ln w="19050">
+            <a:solidFill>
+              <a:schemeClr val="accent6">
+                <a:lumMod val="50000"/>
+              </a:schemeClr>
+            </a:solidFill>
+          </a:ln>
+        </p:spPr>
+        <p:style>
+          <a:lnRef idx="2">
+            <a:schemeClr val="accent1">
+              <a:shade val="50000"/>
+            </a:schemeClr>
+          </a:lnRef>
+          <a:fillRef idx="1">
+            <a:schemeClr val="accent1"/>
+          </a:fillRef>
+          <a:effectRef idx="0">
+            <a:schemeClr val="accent1"/>
+          </a:effectRef>
+          <a:fontRef idx="minor">
+            <a:schemeClr val="lt1"/>
+          </a:fontRef>
+        </p:style>
+        <p:txBody>
+          <a:bodyPr rtlCol="0" anchor="ctr"/>
+          <a:lstStyle/>
+          <a:p>
+            <a:pPr algn="ctr"/>
+            <a:r>
+              <a:rPr lang="fr-FR" sz="1400" b="1" dirty="0" smtClean="0">
+                <a:solidFill>
+                  <a:schemeClr val="accent6">
+                    <a:lumMod val="50000"/>
+                  </a:schemeClr>
+                </a:solidFill>
+              </a:rPr>
+              <a:t>0</a:t>
+            </a:r>
+            <a:endParaRPr lang="fr-FR" sz="1400" b="1" dirty="0">
+              <a:solidFill>
+                <a:schemeClr val="accent6">
+                  <a:lumMod val="50000"/>
+                </a:schemeClr>
+              </a:solidFill>
+            </a:endParaRPr>
+          </a:p>
+        </p:txBody>
+      </p:sp>
+      <p:cxnSp>
+        <p:nvCxnSpPr>
+          <p:cNvPr id="10" name="Connecteur droit 9"/>
+          <p:cNvCxnSpPr>
+            <a:stCxn id="9" idx="6"/>
+            <a:endCxn id="5" idx="2"/>
+          </p:cNvCxnSpPr>
+          <p:nvPr/>
+        </p:nvCxnSpPr>
+        <p:spPr>
+          <a:xfrm>
+            <a:off x="836584" y="1957215"/>
+            <a:ext cx="225026" cy="0"/>
+          </a:xfrm>
+          <a:prstGeom prst="line">
+            <a:avLst/>
+          </a:prstGeom>
+          <a:ln w="19050">
+            <a:solidFill>
+              <a:schemeClr val="tx1"/>
+            </a:solidFill>
+          </a:ln>
+        </p:spPr>
+        <p:style>
+          <a:lnRef idx="1">
+            <a:schemeClr val="accent1"/>
+          </a:lnRef>
+          <a:fillRef idx="0">
+            <a:schemeClr val="accent1"/>
+          </a:fillRef>
+          <a:effectRef idx="0">
+            <a:schemeClr val="accent1"/>
+          </a:effectRef>
+          <a:fontRef idx="minor">
+            <a:schemeClr val="tx1"/>
+          </a:fontRef>
+        </p:style>
+      </p:cxnSp>
+      <p:cxnSp>
+        <p:nvCxnSpPr>
+          <p:cNvPr id="11" name="Connecteur droit 10"/>
+          <p:cNvCxnSpPr>
+            <a:stCxn id="6" idx="2"/>
+            <a:endCxn id="5" idx="6"/>
+          </p:cNvCxnSpPr>
+          <p:nvPr/>
+        </p:nvCxnSpPr>
+        <p:spPr>
+          <a:xfrm flipH="1">
+            <a:off x="1349642" y="1957215"/>
+            <a:ext cx="450050" cy="0"/>
+          </a:xfrm>
+          <a:prstGeom prst="line">
+            <a:avLst/>
+          </a:prstGeom>
+          <a:ln w="19050">
+            <a:solidFill>
+              <a:schemeClr val="tx1"/>
+            </a:solidFill>
+          </a:ln>
+        </p:spPr>
+        <p:style>
+          <a:lnRef idx="1">
+            <a:schemeClr val="accent1"/>
+          </a:lnRef>
+          <a:fillRef idx="0">
+            <a:schemeClr val="accent1"/>
+          </a:fillRef>
+          <a:effectRef idx="0">
+            <a:schemeClr val="accent1"/>
+          </a:effectRef>
+          <a:fontRef idx="minor">
+            <a:schemeClr val="tx1"/>
+          </a:fontRef>
+        </p:style>
+      </p:cxnSp>
+      <p:cxnSp>
+        <p:nvCxnSpPr>
+          <p:cNvPr id="12" name="Connecteur droit 11"/>
+          <p:cNvCxnSpPr>
+            <a:stCxn id="7" idx="2"/>
+            <a:endCxn id="6" idx="6"/>
+          </p:cNvCxnSpPr>
+          <p:nvPr/>
+        </p:nvCxnSpPr>
+        <p:spPr>
+          <a:xfrm flipH="1">
+            <a:off x="2087724" y="1957215"/>
+            <a:ext cx="450050" cy="0"/>
+          </a:xfrm>
+          <a:prstGeom prst="line">
+            <a:avLst/>
+          </a:prstGeom>
+          <a:ln w="19050">
+            <a:solidFill>
+              <a:schemeClr val="tx1"/>
+            </a:solidFill>
+          </a:ln>
+        </p:spPr>
+        <p:style>
+          <a:lnRef idx="1">
+            <a:schemeClr val="accent1"/>
+          </a:lnRef>
+          <a:fillRef idx="0">
+            <a:schemeClr val="accent1"/>
+          </a:fillRef>
+          <a:effectRef idx="0">
+            <a:schemeClr val="accent1"/>
+          </a:effectRef>
+          <a:fontRef idx="minor">
+            <a:schemeClr val="tx1"/>
+          </a:fontRef>
+        </p:style>
+      </p:cxnSp>
+      <p:cxnSp>
+        <p:nvCxnSpPr>
+          <p:cNvPr id="13" name="Connecteur droit 12"/>
+          <p:cNvCxnSpPr>
+            <a:stCxn id="8" idx="2"/>
+            <a:endCxn id="7" idx="6"/>
+          </p:cNvCxnSpPr>
+          <p:nvPr/>
+        </p:nvCxnSpPr>
+        <p:spPr>
+          <a:xfrm flipH="1">
+            <a:off x="2825806" y="1957215"/>
+            <a:ext cx="450050" cy="0"/>
+          </a:xfrm>
+          <a:prstGeom prst="line">
+            <a:avLst/>
+          </a:prstGeom>
+          <a:ln w="19050">
+            <a:solidFill>
+              <a:schemeClr val="tx1"/>
+            </a:solidFill>
+          </a:ln>
+        </p:spPr>
+        <p:style>
+          <a:lnRef idx="1">
+            <a:schemeClr val="accent1"/>
+          </a:lnRef>
+          <a:fillRef idx="0">
+            <a:schemeClr val="accent1"/>
+          </a:fillRef>
+          <a:effectRef idx="0">
+            <a:schemeClr val="accent1"/>
+          </a:effectRef>
+          <a:fontRef idx="minor">
+            <a:schemeClr val="tx1"/>
+          </a:fontRef>
+        </p:style>
+      </p:cxnSp>
+      <mc:AlternateContent xmlns:mc="http://schemas.openxmlformats.org/markup-compatibility/2006">
+        <mc:Choice xmlns:a14="http://schemas.microsoft.com/office/drawing/2010/main" Requires="a14">
+          <p:sp>
+            <p:nvSpPr>
+              <p:cNvPr id="14" name="ZoneTexte 13"/>
+              <p:cNvSpPr txBox="1"/>
+              <p:nvPr/>
+            </p:nvSpPr>
+            <p:spPr>
+              <a:xfrm rot="2700000">
+                <a:off x="586407" y="2273821"/>
+                <a:ext cx="896399" cy="430887"/>
+              </a:xfrm>
+              <a:prstGeom prst="rect">
+                <a:avLst/>
+              </a:prstGeom>
+              <a:noFill/>
+            </p:spPr>
+            <p:txBody>
+              <a:bodyPr wrap="none" rtlCol="0">
+                <a:spAutoFit/>
+              </a:bodyPr>
+              <a:lstStyle/>
+              <a:p>
+                <a:r>
+                  <a:rPr lang="fr-FR" sz="1100" b="0" dirty="0" smtClean="0"/>
+                  <a:t>S</a:t>
+                </a:r>
+                <a14:m>
+                  <m:oMath xmlns:m="http://schemas.openxmlformats.org/officeDocument/2006/math">
+                    <m:r>
+                      <m:rPr>
+                        <m:sty m:val="p"/>
+                      </m:rPr>
+                      <a:rPr lang="fr-FR" sz="1100" b="0" i="0" smtClean="0">
+                        <a:latin typeface="Cambria Math"/>
+                      </a:rPr>
+                      <m:t>ph</m:t>
+                    </m:r>
+                    <m:r>
+                      <a:rPr lang="fr-FR" sz="1100" b="0" i="0" smtClean="0">
+                        <a:latin typeface="Cambria Math"/>
+                      </a:rPr>
+                      <m:t>è</m:t>
+                    </m:r>
+                    <m:r>
+                      <m:rPr>
+                        <m:sty m:val="p"/>
+                      </m:rPr>
+                      <a:rPr lang="fr-FR" sz="1100" b="0" i="0" smtClean="0">
+                        <a:latin typeface="Cambria Math"/>
+                      </a:rPr>
+                      <m:t>re</m:t>
+                    </m:r>
+                    <m:r>
+                      <a:rPr lang="fr-FR" sz="1100" b="0" i="0" smtClean="0">
+                        <a:latin typeface="Cambria Math"/>
+                      </a:rPr>
+                      <m:t> </m:t>
+                    </m:r>
+                    <m:r>
+                      <m:rPr>
+                        <m:sty m:val="p"/>
+                      </m:rPr>
+                      <a:rPr lang="fr-FR" sz="1100" b="0" i="0" smtClean="0">
+                        <a:latin typeface="Cambria Math"/>
+                      </a:rPr>
+                      <m:t>plan</m:t>
+                    </m:r>
+                  </m:oMath>
+                </a14:m>
+                <a:endParaRPr lang="fr-FR" sz="1100" b="0" i="0" dirty="0" smtClean="0">
+                  <a:latin typeface="Cambria Math"/>
+                </a:endParaRPr>
+              </a:p>
+              <a:p>
+                <a14:m>
+                  <m:oMathPara xmlns:m="http://schemas.openxmlformats.org/officeDocument/2006/math">
+                    <m:oMathParaPr>
+                      <m:jc m:val="centerGroup"/>
+                    </m:oMathParaPr>
+                    <m:oMath xmlns:m="http://schemas.openxmlformats.org/officeDocument/2006/math">
+                      <m:d>
+                        <m:dPr>
+                          <m:ctrlPr>
+                            <a:rPr lang="fr-FR" sz="1100" b="0" i="1" smtClean="0">
+                              <a:latin typeface="Cambria Math"/>
+                            </a:rPr>
+                          </m:ctrlPr>
+                        </m:dPr>
+                        <m:e>
+                          <m:r>
+                            <a:rPr lang="fr-FR" sz="1100" b="0" i="1" smtClean="0">
+                              <a:latin typeface="Cambria Math"/>
+                            </a:rPr>
+                            <m:t>𝐴</m:t>
+                          </m:r>
+                          <m:r>
+                            <a:rPr lang="fr-FR" sz="1100" b="0" i="1" smtClean="0">
+                              <a:latin typeface="Cambria Math"/>
+                            </a:rPr>
+                            <m:t>,</m:t>
+                          </m:r>
+                          <m:acc>
+                            <m:accPr>
+                              <m:chr m:val="⃗"/>
+                              <m:ctrlPr>
+                                <a:rPr lang="fr-FR" sz="1100" b="0" i="1" smtClean="0">
+                                  <a:latin typeface="Cambria Math"/>
+                                </a:rPr>
+                              </m:ctrlPr>
+                            </m:accPr>
+                            <m:e>
+                              <m:sSub>
+                                <m:sSubPr>
+                                  <m:ctrlPr>
+                                    <a:rPr lang="fr-FR" sz="1100" b="0" i="1" smtClean="0">
+                                      <a:latin typeface="Cambria Math"/>
+                                    </a:rPr>
+                                  </m:ctrlPr>
+                                </m:sSubPr>
+                                <m:e>
+                                  <m:r>
+                                    <a:rPr lang="fr-FR" sz="1100" b="0" i="1" smtClean="0">
+                                      <a:latin typeface="Cambria Math"/>
+                                    </a:rPr>
+                                    <m:t>𝑦</m:t>
+                                  </m:r>
+                                </m:e>
+                                <m:sub>
+                                  <m:r>
+                                    <a:rPr lang="fr-FR" sz="1100" b="0" i="1" smtClean="0">
+                                      <a:latin typeface="Cambria Math"/>
+                                    </a:rPr>
+                                    <m:t>0</m:t>
+                                  </m:r>
+                                </m:sub>
+                              </m:sSub>
+                            </m:e>
+                          </m:acc>
+                        </m:e>
+                      </m:d>
+                    </m:oMath>
+                  </m:oMathPara>
+                </a14:m>
+                <a:endParaRPr lang="fr-FR" sz="1100" dirty="0"/>
+              </a:p>
+            </p:txBody>
+          </p:sp>
+        </mc:Choice>
+        <mc:Fallback>
+          <p:sp>
+            <p:nvSpPr>
+              <p:cNvPr id="14" name="ZoneTexte 13"/>
+              <p:cNvSpPr txBox="1">
+                <a:spLocks noRot="1" noChangeAspect="1" noMove="1" noResize="1" noEditPoints="1" noAdjustHandles="1" noChangeArrowheads="1" noChangeShapeType="1" noTextEdit="1"/>
+              </p:cNvSpPr>
+              <p:nvPr/>
+            </p:nvSpPr>
+            <p:spPr>
+              <a:xfrm rot="2700000">
+                <a:off x="586407" y="2273821"/>
+                <a:ext cx="896399" cy="430887"/>
+              </a:xfrm>
+              <a:prstGeom prst="rect">
+                <a:avLst/>
+              </a:prstGeom>
+              <a:blipFill rotWithShape="1">
+                <a:blip r:embed="rId2"/>
+                <a:stretch>
+                  <a:fillRect/>
+                </a:stretch>
+              </a:blipFill>
+            </p:spPr>
+            <p:txBody>
+              <a:bodyPr/>
+              <a:lstStyle/>
+              <a:p>
+                <a:r>
+                  <a:rPr lang="fr-FR">
+                    <a:noFill/>
+                  </a:rPr>
+                  <a:t> </a:t>
+                </a:r>
+              </a:p>
+            </p:txBody>
+          </p:sp>
+        </mc:Fallback>
+      </mc:AlternateContent>
+      <mc:AlternateContent xmlns:mc="http://schemas.openxmlformats.org/markup-compatibility/2006">
+        <mc:Choice xmlns:a14="http://schemas.microsoft.com/office/drawing/2010/main" Requires="a14">
+          <p:sp>
+            <p:nvSpPr>
+              <p:cNvPr id="15" name="ZoneTexte 14"/>
+              <p:cNvSpPr txBox="1"/>
+              <p:nvPr/>
+            </p:nvSpPr>
+            <p:spPr>
+              <a:xfrm rot="2700000">
+                <a:off x="1333328" y="2358459"/>
+                <a:ext cx="896720" cy="261610"/>
+              </a:xfrm>
+              <a:prstGeom prst="rect">
+                <a:avLst/>
+              </a:prstGeom>
+              <a:noFill/>
+            </p:spPr>
+            <p:txBody>
+              <a:bodyPr wrap="none" rtlCol="0">
+                <a:spAutoFit/>
+              </a:bodyPr>
+              <a:lstStyle/>
+              <a:p>
+                <a:r>
+                  <a:rPr lang="fr-FR" sz="1100" b="0" dirty="0" smtClean="0"/>
+                  <a:t>Pivot </a:t>
+                </a:r>
+                <a14:m>
+                  <m:oMath xmlns:m="http://schemas.openxmlformats.org/officeDocument/2006/math">
+                    <m:d>
+                      <m:dPr>
+                        <m:ctrlPr>
+                          <a:rPr lang="fr-FR" sz="1100" b="0" i="1" smtClean="0">
+                            <a:latin typeface="Cambria Math"/>
+                          </a:rPr>
+                        </m:ctrlPr>
+                      </m:dPr>
+                      <m:e>
+                        <m:r>
+                          <a:rPr lang="fr-FR" sz="1100" b="0" i="1" smtClean="0">
+                            <a:latin typeface="Cambria Math"/>
+                          </a:rPr>
+                          <m:t>?</m:t>
+                        </m:r>
+                        <m:r>
+                          <a:rPr lang="fr-FR" sz="1100" b="0" i="1" smtClean="0">
+                            <a:latin typeface="Cambria Math"/>
+                          </a:rPr>
+                          <m:t>,</m:t>
+                        </m:r>
+                        <m:acc>
+                          <m:accPr>
+                            <m:chr m:val="⃗"/>
+                            <m:ctrlPr>
+                              <a:rPr lang="fr-FR" sz="1100" b="0" i="1" smtClean="0">
+                                <a:latin typeface="Cambria Math"/>
+                              </a:rPr>
+                            </m:ctrlPr>
+                          </m:accPr>
+                          <m:e>
+                            <m:sSub>
+                              <m:sSubPr>
+                                <m:ctrlPr>
+                                  <a:rPr lang="fr-FR" sz="1100" b="0" i="1" smtClean="0">
+                                    <a:latin typeface="Cambria Math"/>
+                                  </a:rPr>
+                                </m:ctrlPr>
+                              </m:sSubPr>
+                              <m:e>
+                                <m:r>
+                                  <a:rPr lang="fr-FR" sz="1100" b="0" i="1" smtClean="0">
+                                    <a:latin typeface="Cambria Math"/>
+                                  </a:rPr>
+                                  <m:t>𝑥</m:t>
+                                </m:r>
+                              </m:e>
+                              <m:sub>
+                                <m:r>
+                                  <a:rPr lang="fr-FR" sz="1100" b="0" i="1" smtClean="0">
+                                    <a:latin typeface="Cambria Math"/>
+                                  </a:rPr>
+                                  <m:t>0</m:t>
+                                </m:r>
+                              </m:sub>
+                            </m:sSub>
+                          </m:e>
+                        </m:acc>
+                      </m:e>
+                    </m:d>
+                  </m:oMath>
+                </a14:m>
+                <a:endParaRPr lang="fr-FR" sz="1100" dirty="0"/>
+              </a:p>
+            </p:txBody>
+          </p:sp>
+        </mc:Choice>
+        <mc:Fallback>
+          <p:sp>
+            <p:nvSpPr>
+              <p:cNvPr id="15" name="ZoneTexte 14"/>
+              <p:cNvSpPr txBox="1">
+                <a:spLocks noRot="1" noChangeAspect="1" noMove="1" noResize="1" noEditPoints="1" noAdjustHandles="1" noChangeArrowheads="1" noChangeShapeType="1" noTextEdit="1"/>
+              </p:cNvSpPr>
+              <p:nvPr/>
+            </p:nvSpPr>
+            <p:spPr>
+              <a:xfrm rot="2700000">
+                <a:off x="1333328" y="2358459"/>
+                <a:ext cx="896720" cy="261610"/>
+              </a:xfrm>
+              <a:prstGeom prst="rect">
+                <a:avLst/>
+              </a:prstGeom>
+              <a:blipFill rotWithShape="1">
+                <a:blip r:embed="rId3"/>
+                <a:stretch>
+                  <a:fillRect l="-2963"/>
+                </a:stretch>
+              </a:blipFill>
+            </p:spPr>
+            <p:txBody>
+              <a:bodyPr/>
+              <a:lstStyle/>
+              <a:p>
+                <a:r>
+                  <a:rPr lang="fr-FR">
+                    <a:noFill/>
+                  </a:rPr>
+                  <a:t> </a:t>
+                </a:r>
+              </a:p>
+            </p:txBody>
+          </p:sp>
+        </mc:Fallback>
+      </mc:AlternateContent>
+      <mc:AlternateContent xmlns:mc="http://schemas.openxmlformats.org/markup-compatibility/2006">
+        <mc:Choice xmlns:a14="http://schemas.microsoft.com/office/drawing/2010/main" Requires="a14">
+          <p:sp>
+            <p:nvSpPr>
+              <p:cNvPr id="16" name="ZoneTexte 15"/>
+              <p:cNvSpPr txBox="1"/>
+              <p:nvPr/>
+            </p:nvSpPr>
+            <p:spPr>
+              <a:xfrm rot="2700000">
+                <a:off x="2045915" y="2358459"/>
+                <a:ext cx="965714" cy="261610"/>
+              </a:xfrm>
+              <a:prstGeom prst="rect">
+                <a:avLst/>
+              </a:prstGeom>
+              <a:noFill/>
+            </p:spPr>
+            <p:txBody>
+              <a:bodyPr wrap="none" rtlCol="0">
+                <a:spAutoFit/>
+              </a:bodyPr>
+              <a:lstStyle/>
+              <a:p>
+                <a:r>
+                  <a:rPr lang="fr-FR" sz="1100" b="0" dirty="0" smtClean="0"/>
+                  <a:t>Pivot </a:t>
+                </a:r>
+                <a14:m>
+                  <m:oMath xmlns:m="http://schemas.openxmlformats.org/officeDocument/2006/math">
+                    <m:d>
+                      <m:dPr>
+                        <m:ctrlPr>
+                          <a:rPr lang="fr-FR" sz="1100" b="0" i="1" smtClean="0">
+                            <a:latin typeface="Cambria Math"/>
+                          </a:rPr>
+                        </m:ctrlPr>
+                      </m:dPr>
+                      <m:e>
+                        <m:sSub>
+                          <m:sSubPr>
+                            <m:ctrlPr>
+                              <a:rPr lang="fr-FR" sz="1100" b="0" i="1" smtClean="0">
+                                <a:latin typeface="Cambria Math"/>
+                              </a:rPr>
+                            </m:ctrlPr>
+                          </m:sSubPr>
+                          <m:e>
+                            <m:r>
+                              <a:rPr lang="fr-FR" sz="1100" b="0" i="1" smtClean="0">
+                                <a:latin typeface="Cambria Math"/>
+                              </a:rPr>
+                              <m:t>𝑂</m:t>
+                            </m:r>
+                          </m:e>
+                          <m:sub>
+                            <m:r>
+                              <a:rPr lang="fr-FR" sz="1100" b="0" i="1" smtClean="0">
+                                <a:latin typeface="Cambria Math"/>
+                              </a:rPr>
+                              <m:t>1</m:t>
+                            </m:r>
+                          </m:sub>
+                        </m:sSub>
+                        <m:r>
+                          <a:rPr lang="fr-FR" sz="1100" b="0" i="1" smtClean="0">
+                            <a:latin typeface="Cambria Math"/>
+                          </a:rPr>
+                          <m:t>,</m:t>
+                        </m:r>
+                        <m:acc>
+                          <m:accPr>
+                            <m:chr m:val="⃗"/>
+                            <m:ctrlPr>
+                              <a:rPr lang="fr-FR" sz="1100" b="0" i="1" smtClean="0">
+                                <a:latin typeface="Cambria Math"/>
+                              </a:rPr>
+                            </m:ctrlPr>
+                          </m:accPr>
+                          <m:e>
+                            <m:sSub>
+                              <m:sSubPr>
+                                <m:ctrlPr>
+                                  <a:rPr lang="fr-FR" sz="1100" b="0" i="1" smtClean="0">
+                                    <a:latin typeface="Cambria Math"/>
+                                  </a:rPr>
+                                </m:ctrlPr>
+                              </m:sSubPr>
+                              <m:e>
+                                <m:r>
+                                  <a:rPr lang="fr-FR" sz="1100" b="0" i="1" smtClean="0">
+                                    <a:latin typeface="Cambria Math"/>
+                                  </a:rPr>
+                                  <m:t>𝑥</m:t>
+                                </m:r>
+                              </m:e>
+                              <m:sub>
+                                <m:r>
+                                  <a:rPr lang="fr-FR" sz="1100" b="0" i="1" smtClean="0">
+                                    <a:latin typeface="Cambria Math"/>
+                                  </a:rPr>
+                                  <m:t>0</m:t>
+                                </m:r>
+                              </m:sub>
+                            </m:sSub>
+                          </m:e>
+                        </m:acc>
+                      </m:e>
+                    </m:d>
+                  </m:oMath>
+                </a14:m>
+                <a:endParaRPr lang="fr-FR" sz="1100" dirty="0"/>
+              </a:p>
+            </p:txBody>
+          </p:sp>
+        </mc:Choice>
+        <mc:Fallback>
+          <p:sp>
+            <p:nvSpPr>
+              <p:cNvPr id="16" name="ZoneTexte 15"/>
+              <p:cNvSpPr txBox="1">
+                <a:spLocks noRot="1" noChangeAspect="1" noMove="1" noResize="1" noEditPoints="1" noAdjustHandles="1" noChangeArrowheads="1" noChangeShapeType="1" noTextEdit="1"/>
+              </p:cNvSpPr>
+              <p:nvPr/>
+            </p:nvSpPr>
+            <p:spPr>
+              <a:xfrm rot="2700000">
+                <a:off x="2045915" y="2358459"/>
+                <a:ext cx="965714" cy="261610"/>
+              </a:xfrm>
+              <a:prstGeom prst="rect">
+                <a:avLst/>
+              </a:prstGeom>
+              <a:blipFill rotWithShape="1">
+                <a:blip r:embed="rId4"/>
+                <a:stretch>
+                  <a:fillRect l="-2778"/>
+                </a:stretch>
+              </a:blipFill>
+            </p:spPr>
+            <p:txBody>
+              <a:bodyPr/>
+              <a:lstStyle/>
+              <a:p>
+                <a:r>
+                  <a:rPr lang="fr-FR">
+                    <a:noFill/>
+                  </a:rPr>
+                  <a:t> </a:t>
+                </a:r>
+              </a:p>
+            </p:txBody>
+          </p:sp>
+        </mc:Fallback>
+      </mc:AlternateContent>
+      <p:cxnSp>
+        <p:nvCxnSpPr>
+          <p:cNvPr id="18" name="Connecteur droit 17"/>
+          <p:cNvCxnSpPr/>
+          <p:nvPr/>
+        </p:nvCxnSpPr>
+        <p:spPr>
+          <a:xfrm>
+            <a:off x="152400" y="1957215"/>
+            <a:ext cx="171128" cy="0"/>
+          </a:xfrm>
+          <a:prstGeom prst="line">
+            <a:avLst/>
+          </a:prstGeom>
+          <a:solidFill>
+            <a:schemeClr val="accent6">
+              <a:lumMod val="20000"/>
+              <a:lumOff val="80000"/>
+            </a:schemeClr>
+          </a:solidFill>
+          <a:ln w="19050">
+            <a:solidFill>
+              <a:schemeClr val="accent6">
+                <a:lumMod val="50000"/>
+              </a:schemeClr>
+            </a:solidFill>
+          </a:ln>
+        </p:spPr>
+        <p:style>
+          <a:lnRef idx="2">
+            <a:schemeClr val="accent1">
+              <a:shade val="50000"/>
+            </a:schemeClr>
+          </a:lnRef>
+          <a:fillRef idx="1">
+            <a:schemeClr val="accent1"/>
+          </a:fillRef>
+          <a:effectRef idx="0">
+            <a:schemeClr val="accent1"/>
+          </a:effectRef>
+          <a:fontRef idx="minor">
+            <a:schemeClr val="lt1"/>
+          </a:fontRef>
+        </p:style>
+      </p:cxnSp>
+      <p:cxnSp>
+        <p:nvCxnSpPr>
+          <p:cNvPr id="19" name="Connecteur droit 18"/>
+          <p:cNvCxnSpPr/>
+          <p:nvPr/>
+        </p:nvCxnSpPr>
+        <p:spPr>
+          <a:xfrm flipV="1">
+            <a:off x="152400" y="1813200"/>
+            <a:ext cx="0" cy="288031"/>
+          </a:xfrm>
+          <a:prstGeom prst="line">
+            <a:avLst/>
+          </a:prstGeom>
+          <a:solidFill>
+            <a:schemeClr val="accent6">
+              <a:lumMod val="20000"/>
+              <a:lumOff val="80000"/>
+            </a:schemeClr>
+          </a:solidFill>
+          <a:ln w="19050">
+            <a:solidFill>
+              <a:schemeClr val="accent6">
+                <a:lumMod val="50000"/>
+              </a:schemeClr>
+            </a:solidFill>
+          </a:ln>
+        </p:spPr>
+        <p:style>
+          <a:lnRef idx="2">
+            <a:schemeClr val="accent1">
+              <a:shade val="50000"/>
+            </a:schemeClr>
+          </a:lnRef>
+          <a:fillRef idx="1">
+            <a:schemeClr val="accent1"/>
+          </a:fillRef>
+          <a:effectRef idx="0">
+            <a:schemeClr val="accent1"/>
+          </a:effectRef>
+          <a:fontRef idx="minor">
+            <a:schemeClr val="lt1"/>
+          </a:fontRef>
+        </p:style>
+      </p:cxnSp>
+      <mc:AlternateContent xmlns:mc="http://schemas.openxmlformats.org/markup-compatibility/2006">
+        <mc:Choice xmlns:a14="http://schemas.microsoft.com/office/drawing/2010/main" Requires="a14">
+          <p:sp>
+            <p:nvSpPr>
+              <p:cNvPr id="27" name="ZoneTexte 26"/>
+              <p:cNvSpPr txBox="1"/>
+              <p:nvPr/>
+            </p:nvSpPr>
+            <p:spPr>
+              <a:xfrm rot="2700000">
+                <a:off x="2815316" y="2382851"/>
+                <a:ext cx="968983" cy="261610"/>
+              </a:xfrm>
+              <a:prstGeom prst="rect">
+                <a:avLst/>
+              </a:prstGeom>
+              <a:noFill/>
+            </p:spPr>
+            <p:txBody>
+              <a:bodyPr wrap="none" rtlCol="0">
+                <a:spAutoFit/>
+              </a:bodyPr>
+              <a:lstStyle/>
+              <a:p>
+                <a:r>
+                  <a:rPr lang="fr-FR" sz="1100" b="0" dirty="0" smtClean="0"/>
+                  <a:t>Pivot </a:t>
+                </a:r>
+                <a14:m>
+                  <m:oMath xmlns:m="http://schemas.openxmlformats.org/officeDocument/2006/math">
+                    <m:d>
+                      <m:dPr>
+                        <m:ctrlPr>
+                          <a:rPr lang="fr-FR" sz="1100" b="0" i="1" smtClean="0">
+                            <a:latin typeface="Cambria Math"/>
+                          </a:rPr>
+                        </m:ctrlPr>
+                      </m:dPr>
+                      <m:e>
+                        <m:sSub>
+                          <m:sSubPr>
+                            <m:ctrlPr>
+                              <a:rPr lang="fr-FR" sz="1100" b="0" i="1" smtClean="0">
+                                <a:latin typeface="Cambria Math"/>
+                              </a:rPr>
+                            </m:ctrlPr>
+                          </m:sSubPr>
+                          <m:e>
+                            <m:r>
+                              <a:rPr lang="fr-FR" sz="1100" b="0" i="1" smtClean="0">
+                                <a:latin typeface="Cambria Math"/>
+                              </a:rPr>
+                              <m:t>𝑂</m:t>
+                            </m:r>
+                          </m:e>
+                          <m:sub>
+                            <m:r>
+                              <a:rPr lang="fr-FR" sz="1100" b="0" i="1" smtClean="0">
+                                <a:latin typeface="Cambria Math"/>
+                              </a:rPr>
+                              <m:t>2</m:t>
+                            </m:r>
+                          </m:sub>
+                        </m:sSub>
+                        <m:r>
+                          <a:rPr lang="fr-FR" sz="1100" b="0" i="1" smtClean="0">
+                            <a:latin typeface="Cambria Math"/>
+                          </a:rPr>
+                          <m:t>,</m:t>
+                        </m:r>
+                        <m:acc>
+                          <m:accPr>
+                            <m:chr m:val="⃗"/>
+                            <m:ctrlPr>
+                              <a:rPr lang="fr-FR" sz="1100" b="0" i="1" smtClean="0">
+                                <a:latin typeface="Cambria Math"/>
+                              </a:rPr>
+                            </m:ctrlPr>
+                          </m:accPr>
+                          <m:e>
+                            <m:sSub>
+                              <m:sSubPr>
+                                <m:ctrlPr>
+                                  <a:rPr lang="fr-FR" sz="1100" b="0" i="1" smtClean="0">
+                                    <a:latin typeface="Cambria Math"/>
+                                  </a:rPr>
+                                </m:ctrlPr>
+                              </m:sSubPr>
+                              <m:e>
+                                <m:r>
+                                  <a:rPr lang="fr-FR" sz="1100" b="0" i="1" smtClean="0">
+                                    <a:latin typeface="Cambria Math"/>
+                                  </a:rPr>
+                                  <m:t>𝑥</m:t>
+                                </m:r>
+                              </m:e>
+                              <m:sub>
+                                <m:r>
+                                  <a:rPr lang="fr-FR" sz="1100" b="0" i="1" smtClean="0">
+                                    <a:latin typeface="Cambria Math"/>
+                                  </a:rPr>
+                                  <m:t>0</m:t>
+                                </m:r>
+                              </m:sub>
+                            </m:sSub>
+                          </m:e>
+                        </m:acc>
+                      </m:e>
+                    </m:d>
+                  </m:oMath>
+                </a14:m>
+                <a:endParaRPr lang="fr-FR" sz="1100" dirty="0"/>
+              </a:p>
+            </p:txBody>
+          </p:sp>
+        </mc:Choice>
+        <mc:Fallback>
+          <p:sp>
+            <p:nvSpPr>
+              <p:cNvPr id="27" name="ZoneTexte 26"/>
+              <p:cNvSpPr txBox="1">
+                <a:spLocks noRot="1" noChangeAspect="1" noMove="1" noResize="1" noEditPoints="1" noAdjustHandles="1" noChangeArrowheads="1" noChangeShapeType="1" noTextEdit="1"/>
+              </p:cNvSpPr>
+              <p:nvPr/>
+            </p:nvSpPr>
+            <p:spPr>
+              <a:xfrm rot="2700000">
+                <a:off x="2815316" y="2382851"/>
+                <a:ext cx="968983" cy="261610"/>
+              </a:xfrm>
+              <a:prstGeom prst="rect">
+                <a:avLst/>
+              </a:prstGeom>
+              <a:blipFill rotWithShape="1">
+                <a:blip r:embed="rId5"/>
+                <a:stretch>
+                  <a:fillRect l="-2778"/>
+                </a:stretch>
+              </a:blipFill>
+            </p:spPr>
+            <p:txBody>
+              <a:bodyPr/>
+              <a:lstStyle/>
+              <a:p>
+                <a:r>
+                  <a:rPr lang="fr-FR">
+                    <a:noFill/>
+                  </a:rPr>
+                  <a:t> </a:t>
+                </a:r>
+              </a:p>
+            </p:txBody>
+          </p:sp>
+        </mc:Fallback>
+      </mc:AlternateContent>
+      <p:sp>
+        <p:nvSpPr>
+          <p:cNvPr id="28" name="Forme libre 27"/>
+          <p:cNvSpPr/>
+          <p:nvPr/>
+        </p:nvSpPr>
+        <p:spPr>
+          <a:xfrm>
+            <a:off x="2033718" y="1746854"/>
+            <a:ext cx="576064" cy="99996"/>
+          </a:xfrm>
+          <a:custGeom>
+            <a:avLst/>
+            <a:gdLst>
+              <a:gd name="connsiteX0" fmla="*/ 0 w 596900"/>
+              <a:gd name="connsiteY0" fmla="*/ 209768 h 209768"/>
+              <a:gd name="connsiteX1" fmla="*/ 317500 w 596900"/>
+              <a:gd name="connsiteY1" fmla="*/ 218 h 209768"/>
+              <a:gd name="connsiteX2" fmla="*/ 596900 w 596900"/>
+              <a:gd name="connsiteY2" fmla="*/ 178018 h 209768"/>
+              <a:gd name="connsiteX0" fmla="*/ 0 w 660400"/>
+              <a:gd name="connsiteY0" fmla="*/ 210341 h 280191"/>
+              <a:gd name="connsiteX1" fmla="*/ 317500 w 660400"/>
+              <a:gd name="connsiteY1" fmla="*/ 791 h 280191"/>
+              <a:gd name="connsiteX2" fmla="*/ 660400 w 660400"/>
+              <a:gd name="connsiteY2" fmla="*/ 280191 h 280191"/>
+              <a:gd name="connsiteX0" fmla="*/ 0 w 736600"/>
+              <a:gd name="connsiteY0" fmla="*/ 273055 h 279405"/>
+              <a:gd name="connsiteX1" fmla="*/ 393700 w 736600"/>
+              <a:gd name="connsiteY1" fmla="*/ 5 h 279405"/>
+              <a:gd name="connsiteX2" fmla="*/ 736600 w 736600"/>
+              <a:gd name="connsiteY2" fmla="*/ 279405 h 279405"/>
+            </a:gdLst>
+            <a:ahLst/>
+            <a:cxnLst>
+              <a:cxn ang="0">
+                <a:pos x="connsiteX0" y="connsiteY0"/>
+              </a:cxn>
+              <a:cxn ang="0">
+                <a:pos x="connsiteX1" y="connsiteY1"/>
+              </a:cxn>
+              <a:cxn ang="0">
+                <a:pos x="connsiteX2" y="connsiteY2"/>
+              </a:cxn>
+            </a:cxnLst>
+            <a:rect l="l" t="t" r="r" b="b"/>
+            <a:pathLst>
+              <a:path w="736600" h="279405">
+                <a:moveTo>
+                  <a:pt x="0" y="273055"/>
+                </a:moveTo>
+                <a:cubicBezTo>
+                  <a:pt x="109008" y="170926"/>
+                  <a:pt x="270933" y="-1053"/>
+                  <a:pt x="393700" y="5"/>
+                </a:cubicBezTo>
+                <a:cubicBezTo>
+                  <a:pt x="516467" y="1063"/>
+                  <a:pt x="646641" y="187859"/>
+                  <a:pt x="736600" y="279405"/>
+                </a:cubicBezTo>
+              </a:path>
+            </a:pathLst>
+          </a:custGeom>
+          <a:noFill/>
+          <a:ln>
+            <a:solidFill>
+              <a:srgbClr val="C00000"/>
+            </a:solidFill>
+            <a:headEnd type="stealth" w="med" len="lg"/>
+            <a:tailEnd type="stealth" w="med" len="lg"/>
+          </a:ln>
+        </p:spPr>
+        <p:style>
+          <a:lnRef idx="2">
+            <a:schemeClr val="accent1">
+              <a:shade val="50000"/>
+            </a:schemeClr>
+          </a:lnRef>
+          <a:fillRef idx="1">
+            <a:schemeClr val="accent1"/>
+          </a:fillRef>
+          <a:effectRef idx="0">
+            <a:schemeClr val="accent1"/>
+          </a:effectRef>
+          <a:fontRef idx="minor">
+            <a:schemeClr val="lt1"/>
+          </a:fontRef>
+        </p:style>
+        <p:txBody>
+          <a:bodyPr rtlCol="0" anchor="ctr"/>
+          <a:lstStyle/>
+          <a:p>
+            <a:pPr algn="ctr"/>
+            <a:endParaRPr lang="fr-FR"/>
+          </a:p>
+        </p:txBody>
+      </p:sp>
+      <p:sp>
+        <p:nvSpPr>
+          <p:cNvPr id="29" name="Forme libre 28"/>
+          <p:cNvSpPr/>
+          <p:nvPr/>
+        </p:nvSpPr>
+        <p:spPr>
+          <a:xfrm rot="18900000">
+            <a:off x="3283091" y="1457833"/>
+            <a:ext cx="576064" cy="99996"/>
+          </a:xfrm>
+          <a:custGeom>
+            <a:avLst/>
+            <a:gdLst>
+              <a:gd name="connsiteX0" fmla="*/ 0 w 596900"/>
+              <a:gd name="connsiteY0" fmla="*/ 209768 h 209768"/>
+              <a:gd name="connsiteX1" fmla="*/ 317500 w 596900"/>
+              <a:gd name="connsiteY1" fmla="*/ 218 h 209768"/>
+              <a:gd name="connsiteX2" fmla="*/ 596900 w 596900"/>
+              <a:gd name="connsiteY2" fmla="*/ 178018 h 209768"/>
+              <a:gd name="connsiteX0" fmla="*/ 0 w 660400"/>
+              <a:gd name="connsiteY0" fmla="*/ 210341 h 280191"/>
+              <a:gd name="connsiteX1" fmla="*/ 317500 w 660400"/>
+              <a:gd name="connsiteY1" fmla="*/ 791 h 280191"/>
+              <a:gd name="connsiteX2" fmla="*/ 660400 w 660400"/>
+              <a:gd name="connsiteY2" fmla="*/ 280191 h 280191"/>
+              <a:gd name="connsiteX0" fmla="*/ 0 w 736600"/>
+              <a:gd name="connsiteY0" fmla="*/ 273055 h 279405"/>
+              <a:gd name="connsiteX1" fmla="*/ 393700 w 736600"/>
+              <a:gd name="connsiteY1" fmla="*/ 5 h 279405"/>
+              <a:gd name="connsiteX2" fmla="*/ 736600 w 736600"/>
+              <a:gd name="connsiteY2" fmla="*/ 279405 h 279405"/>
+            </a:gdLst>
+            <a:ahLst/>
+            <a:cxnLst>
+              <a:cxn ang="0">
+                <a:pos x="connsiteX0" y="connsiteY0"/>
+              </a:cxn>
+              <a:cxn ang="0">
+                <a:pos x="connsiteX1" y="connsiteY1"/>
+              </a:cxn>
+              <a:cxn ang="0">
+                <a:pos x="connsiteX2" y="connsiteY2"/>
+              </a:cxn>
+            </a:cxnLst>
+            <a:rect l="l" t="t" r="r" b="b"/>
+            <a:pathLst>
+              <a:path w="736600" h="279405">
+                <a:moveTo>
+                  <a:pt x="0" y="273055"/>
+                </a:moveTo>
+                <a:cubicBezTo>
+                  <a:pt x="109008" y="170926"/>
+                  <a:pt x="270933" y="-1053"/>
+                  <a:pt x="393700" y="5"/>
+                </a:cubicBezTo>
+                <a:cubicBezTo>
+                  <a:pt x="516467" y="1063"/>
+                  <a:pt x="646641" y="187859"/>
+                  <a:pt x="736600" y="279405"/>
+                </a:cubicBezTo>
+              </a:path>
+            </a:pathLst>
+          </a:custGeom>
+          <a:noFill/>
+          <a:ln>
+            <a:solidFill>
+              <a:srgbClr val="C00000"/>
+            </a:solidFill>
+            <a:headEnd type="stealth" w="med" len="lg"/>
+            <a:tailEnd type="none" w="med" len="lg"/>
+          </a:ln>
+        </p:spPr>
+        <p:style>
+          <a:lnRef idx="2">
+            <a:schemeClr val="accent1">
+              <a:shade val="50000"/>
+            </a:schemeClr>
+          </a:lnRef>
+          <a:fillRef idx="1">
+            <a:schemeClr val="accent1"/>
+          </a:fillRef>
+          <a:effectRef idx="0">
+            <a:schemeClr val="accent1"/>
+          </a:effectRef>
+          <a:fontRef idx="minor">
+            <a:schemeClr val="lt1"/>
+          </a:fontRef>
+        </p:style>
+        <p:txBody>
+          <a:bodyPr rtlCol="0" anchor="ctr"/>
+          <a:lstStyle/>
+          <a:p>
+            <a:pPr algn="ctr"/>
+            <a:endParaRPr lang="fr-FR"/>
+          </a:p>
+        </p:txBody>
+      </p:sp>
+      <p:sp>
+        <p:nvSpPr>
+          <p:cNvPr id="30" name="ZoneTexte 29"/>
+          <p:cNvSpPr txBox="1"/>
+          <p:nvPr/>
+        </p:nvSpPr>
+        <p:spPr>
+          <a:xfrm>
+            <a:off x="3874142" y="1214131"/>
+            <a:ext cx="763351" cy="261610"/>
+          </a:xfrm>
+          <a:prstGeom prst="rect">
+            <a:avLst/>
+          </a:prstGeom>
+          <a:noFill/>
+        </p:spPr>
+        <p:txBody>
+          <a:bodyPr wrap="none" rtlCol="0">
+            <a:spAutoFit/>
+          </a:bodyPr>
+          <a:lstStyle/>
+          <a:p>
+            <a:r>
+              <a:rPr lang="fr-FR" sz="1100" b="0" dirty="0" smtClean="0"/>
+              <a:t>Pesanteur</a:t>
+            </a:r>
+            <a:endParaRPr lang="fr-FR" sz="1100" dirty="0"/>
+          </a:p>
+        </p:txBody>
+      </p:sp>
+      <p:sp>
+        <p:nvSpPr>
+          <p:cNvPr id="31" name="ZoneTexte 30"/>
+          <p:cNvSpPr txBox="1"/>
+          <p:nvPr/>
+        </p:nvSpPr>
+        <p:spPr>
+          <a:xfrm>
+            <a:off x="1987179" y="1289495"/>
+            <a:ext cx="651140" cy="430887"/>
+          </a:xfrm>
+          <a:prstGeom prst="rect">
+            <a:avLst/>
+          </a:prstGeom>
+          <a:noFill/>
+        </p:spPr>
+        <p:txBody>
+          <a:bodyPr wrap="none" rtlCol="0">
+            <a:spAutoFit/>
+          </a:bodyPr>
+          <a:lstStyle/>
+          <a:p>
+            <a:pPr algn="ctr"/>
+            <a:r>
+              <a:rPr lang="fr-FR" sz="1100" dirty="0" smtClean="0"/>
+              <a:t>Moteur </a:t>
+            </a:r>
+          </a:p>
+          <a:p>
+            <a:pPr algn="ctr"/>
+            <a:r>
+              <a:rPr lang="fr-FR" sz="1100" dirty="0" smtClean="0"/>
+              <a:t>genou</a:t>
+            </a:r>
+            <a:endParaRPr lang="fr-FR" sz="1100" dirty="0"/>
+          </a:p>
+        </p:txBody>
+      </p:sp>
+      <p:sp>
+        <p:nvSpPr>
+          <p:cNvPr id="32" name="Forme libre 31"/>
+          <p:cNvSpPr/>
+          <p:nvPr/>
+        </p:nvSpPr>
+        <p:spPr>
+          <a:xfrm>
+            <a:off x="2762799" y="1726119"/>
+            <a:ext cx="576064" cy="99996"/>
+          </a:xfrm>
+          <a:custGeom>
+            <a:avLst/>
+            <a:gdLst>
+              <a:gd name="connsiteX0" fmla="*/ 0 w 596900"/>
+              <a:gd name="connsiteY0" fmla="*/ 209768 h 209768"/>
+              <a:gd name="connsiteX1" fmla="*/ 317500 w 596900"/>
+              <a:gd name="connsiteY1" fmla="*/ 218 h 209768"/>
+              <a:gd name="connsiteX2" fmla="*/ 596900 w 596900"/>
+              <a:gd name="connsiteY2" fmla="*/ 178018 h 209768"/>
+              <a:gd name="connsiteX0" fmla="*/ 0 w 660400"/>
+              <a:gd name="connsiteY0" fmla="*/ 210341 h 280191"/>
+              <a:gd name="connsiteX1" fmla="*/ 317500 w 660400"/>
+              <a:gd name="connsiteY1" fmla="*/ 791 h 280191"/>
+              <a:gd name="connsiteX2" fmla="*/ 660400 w 660400"/>
+              <a:gd name="connsiteY2" fmla="*/ 280191 h 280191"/>
+              <a:gd name="connsiteX0" fmla="*/ 0 w 736600"/>
+              <a:gd name="connsiteY0" fmla="*/ 273055 h 279405"/>
+              <a:gd name="connsiteX1" fmla="*/ 393700 w 736600"/>
+              <a:gd name="connsiteY1" fmla="*/ 5 h 279405"/>
+              <a:gd name="connsiteX2" fmla="*/ 736600 w 736600"/>
+              <a:gd name="connsiteY2" fmla="*/ 279405 h 279405"/>
+            </a:gdLst>
+            <a:ahLst/>
+            <a:cxnLst>
+              <a:cxn ang="0">
+                <a:pos x="connsiteX0" y="connsiteY0"/>
+              </a:cxn>
+              <a:cxn ang="0">
+                <a:pos x="connsiteX1" y="connsiteY1"/>
+              </a:cxn>
+              <a:cxn ang="0">
+                <a:pos x="connsiteX2" y="connsiteY2"/>
+              </a:cxn>
+            </a:cxnLst>
+            <a:rect l="l" t="t" r="r" b="b"/>
+            <a:pathLst>
+              <a:path w="736600" h="279405">
+                <a:moveTo>
+                  <a:pt x="0" y="273055"/>
+                </a:moveTo>
+                <a:cubicBezTo>
+                  <a:pt x="109008" y="170926"/>
+                  <a:pt x="270933" y="-1053"/>
+                  <a:pt x="393700" y="5"/>
+                </a:cubicBezTo>
+                <a:cubicBezTo>
+                  <a:pt x="516467" y="1063"/>
+                  <a:pt x="646641" y="187859"/>
+                  <a:pt x="736600" y="279405"/>
+                </a:cubicBezTo>
+              </a:path>
+            </a:pathLst>
+          </a:custGeom>
+          <a:noFill/>
+          <a:ln>
+            <a:solidFill>
+              <a:srgbClr val="C00000"/>
+            </a:solidFill>
+            <a:headEnd type="stealth" w="med" len="lg"/>
+            <a:tailEnd type="stealth" w="med" len="lg"/>
+          </a:ln>
+        </p:spPr>
+        <p:style>
+          <a:lnRef idx="2">
+            <a:schemeClr val="accent1">
+              <a:shade val="50000"/>
+            </a:schemeClr>
+          </a:lnRef>
+          <a:fillRef idx="1">
+            <a:schemeClr val="accent1"/>
+          </a:fillRef>
+          <a:effectRef idx="0">
+            <a:schemeClr val="accent1"/>
+          </a:effectRef>
+          <a:fontRef idx="minor">
+            <a:schemeClr val="lt1"/>
+          </a:fontRef>
+        </p:style>
+        <p:txBody>
+          <a:bodyPr rtlCol="0" anchor="ctr"/>
+          <a:lstStyle/>
+          <a:p>
+            <a:pPr algn="ctr"/>
+            <a:endParaRPr lang="fr-FR"/>
+          </a:p>
+        </p:txBody>
+      </p:sp>
+      <p:sp>
+        <p:nvSpPr>
+          <p:cNvPr id="33" name="ZoneTexte 32"/>
+          <p:cNvSpPr txBox="1"/>
+          <p:nvPr/>
+        </p:nvSpPr>
+        <p:spPr>
+          <a:xfrm>
+            <a:off x="2699792" y="1268760"/>
+            <a:ext cx="651140" cy="430887"/>
+          </a:xfrm>
+          <a:prstGeom prst="rect">
+            <a:avLst/>
+          </a:prstGeom>
+          <a:noFill/>
+        </p:spPr>
+        <p:txBody>
+          <a:bodyPr wrap="none" rtlCol="0">
+            <a:spAutoFit/>
+          </a:bodyPr>
+          <a:lstStyle/>
+          <a:p>
+            <a:pPr algn="ctr"/>
+            <a:r>
+              <a:rPr lang="fr-FR" sz="1100" dirty="0" smtClean="0"/>
+              <a:t>Moteur </a:t>
+            </a:r>
+          </a:p>
+          <a:p>
+            <a:pPr algn="ctr"/>
+            <a:r>
+              <a:rPr lang="fr-FR" sz="1100" dirty="0" smtClean="0"/>
+              <a:t>hanche</a:t>
+            </a:r>
+            <a:endParaRPr lang="fr-FR" sz="1100" dirty="0"/>
+          </a:p>
+        </p:txBody>
+      </p:sp>
+      <p:sp>
+        <p:nvSpPr>
+          <p:cNvPr id="34" name="Rectangle à coins arrondis 33"/>
+          <p:cNvSpPr/>
+          <p:nvPr/>
+        </p:nvSpPr>
+        <p:spPr>
+          <a:xfrm>
+            <a:off x="2321750" y="1268760"/>
+            <a:ext cx="1413138" cy="936104"/>
+          </a:xfrm>
+          <a:prstGeom prst="roundRect">
+            <a:avLst/>
+          </a:prstGeom>
+          <a:noFill/>
+          <a:ln>
+            <a:solidFill>
+              <a:srgbClr val="FF0000"/>
+            </a:solidFill>
+          </a:ln>
+        </p:spPr>
+        <p:style>
+          <a:lnRef idx="2">
+            <a:schemeClr val="accent1">
+              <a:shade val="50000"/>
+            </a:schemeClr>
+          </a:lnRef>
+          <a:fillRef idx="1">
+            <a:schemeClr val="accent1"/>
+          </a:fillRef>
+          <a:effectRef idx="0">
+            <a:schemeClr val="accent1"/>
+          </a:effectRef>
+          <a:fontRef idx="minor">
+            <a:schemeClr val="lt1"/>
+          </a:fontRef>
+        </p:style>
+        <p:txBody>
+          <a:bodyPr rtlCol="0" anchor="ctr"/>
+          <a:lstStyle/>
+          <a:p>
+            <a:pPr algn="ctr"/>
+            <a:endParaRPr lang="fr-FR"/>
+          </a:p>
+        </p:txBody>
+      </p:sp>
+    </p:spTree>
+    <p:extLst>
+      <p:ext uri="{BB962C8B-B14F-4D97-AF65-F5344CB8AC3E}">
+        <p14:creationId xmlns:p14="http://schemas.microsoft.com/office/powerpoint/2010/main" val="1506127557"/>
+      </p:ext>
+    </p:extLst>
+  </p:cSld>
+  <p:clrMapOvr>
+    <a:masterClrMapping/>
+  </p:clrMapOvr>
+</p:sld>
+</file>
+
+<file path=ppt/slides/slide3.xml><?xml version="1.0" encoding="utf-8"?>
+<p:sld xmlns:a="http://schemas.openxmlformats.org/drawingml/2006/main" xmlns:r="http://schemas.openxmlformats.org/officeDocument/2006/relationships" xmlns:p="http://schemas.openxmlformats.org/presentationml/2006/main">
+  <p:cSld>
+    <p:spTree>
+      <p:nvGrpSpPr>
+        <p:cNvPr id="1" name=""/>
+        <p:cNvGrpSpPr/>
+        <p:nvPr/>
+      </p:nvGrpSpPr>
+      <p:grpSpPr>
+        <a:xfrm>
+          <a:off x="0" y="0"/>
+          <a:ext cx="0" cy="0"/>
+          <a:chOff x="0" y="0"/>
+          <a:chExt cx="0" cy="0"/>
+        </a:xfrm>
+      </p:grpSpPr>
+      <p:sp>
+        <p:nvSpPr>
+          <p:cNvPr id="4" name="Rectangle 3"/>
+          <p:cNvSpPr/>
+          <p:nvPr/>
+        </p:nvSpPr>
+        <p:spPr>
+          <a:xfrm>
+            <a:off x="251520" y="260648"/>
+            <a:ext cx="6912768" cy="360040"/>
+          </a:xfrm>
+          <a:prstGeom prst="rect">
+            <a:avLst/>
+          </a:prstGeom>
+          <a:solidFill>
+            <a:schemeClr val="accent2">
+              <a:lumMod val="20000"/>
+              <a:lumOff val="80000"/>
+            </a:schemeClr>
+          </a:solidFill>
+          <a:ln w="9525">
+            <a:solidFill>
+              <a:schemeClr val="accent2"/>
+            </a:solidFill>
+          </a:ln>
+        </p:spPr>
+        <p:style>
+          <a:lnRef idx="2">
+            <a:schemeClr val="accent1">
+              <a:shade val="50000"/>
+            </a:schemeClr>
+          </a:lnRef>
+          <a:fillRef idx="1">
+            <a:schemeClr val="accent1"/>
+          </a:fillRef>
+          <a:effectRef idx="0">
+            <a:schemeClr val="accent1"/>
+          </a:effectRef>
+          <a:fontRef idx="minor">
+            <a:schemeClr val="lt1"/>
+          </a:fontRef>
+        </p:style>
+        <p:txBody>
+          <a:bodyPr rtlCol="0" anchor="ctr"/>
+          <a:lstStyle/>
+          <a:p>
+            <a:pPr algn="ctr"/>
+            <a:r>
+              <a:rPr lang="fr-FR" sz="1000" b="1" dirty="0" smtClean="0">
+                <a:solidFill>
+                  <a:sysClr val="windowText" lastClr="000000"/>
+                </a:solidFill>
+              </a:rPr>
+              <a:t>Problématique </a:t>
+            </a:r>
+          </a:p>
+          <a:p>
+            <a:pPr algn="ctr"/>
+            <a:r>
+              <a:rPr lang="fr-FR" sz="1000" b="1" dirty="0" smtClean="0">
+                <a:solidFill>
+                  <a:sysClr val="windowText" lastClr="000000"/>
+                </a:solidFill>
+              </a:rPr>
+              <a:t>Le moteur pré-choisi permet d’assurer le fonctionnement de l’exosquelette ?</a:t>
+            </a:r>
+            <a:endParaRPr lang="fr-FR" sz="1000" b="1" dirty="0">
+              <a:solidFill>
+                <a:sysClr val="windowText" lastClr="000000"/>
+              </a:solidFill>
+            </a:endParaRPr>
+          </a:p>
+        </p:txBody>
+      </p:sp>
+      <p:sp>
+        <p:nvSpPr>
+          <p:cNvPr id="6" name="Rectangle 5"/>
+          <p:cNvSpPr/>
+          <p:nvPr/>
+        </p:nvSpPr>
+        <p:spPr>
+          <a:xfrm>
+            <a:off x="4644008" y="778308"/>
+            <a:ext cx="2520280" cy="288032"/>
+          </a:xfrm>
+          <a:prstGeom prst="rect">
+            <a:avLst/>
+          </a:prstGeom>
+          <a:solidFill>
+            <a:schemeClr val="accent5">
+              <a:lumMod val="20000"/>
+              <a:lumOff val="80000"/>
+            </a:schemeClr>
+          </a:solidFill>
+          <a:ln w="9525">
+            <a:solidFill>
+              <a:schemeClr val="accent5">
+                <a:lumMod val="50000"/>
+              </a:schemeClr>
+            </a:solidFill>
+          </a:ln>
+        </p:spPr>
+        <p:style>
+          <a:lnRef idx="2">
+            <a:schemeClr val="accent1">
+              <a:shade val="50000"/>
+            </a:schemeClr>
+          </a:lnRef>
+          <a:fillRef idx="1">
+            <a:schemeClr val="accent1"/>
+          </a:fillRef>
+          <a:effectRef idx="0">
+            <a:schemeClr val="accent1"/>
+          </a:effectRef>
+          <a:fontRef idx="minor">
+            <a:schemeClr val="lt1"/>
+          </a:fontRef>
+        </p:style>
+        <p:txBody>
+          <a:bodyPr rtlCol="0" anchor="ctr"/>
+          <a:lstStyle/>
+          <a:p>
+            <a:pPr algn="ctr"/>
+            <a:r>
+              <a:rPr lang="fr-FR" sz="1000" b="1" dirty="0" smtClean="0">
+                <a:solidFill>
+                  <a:sysClr val="windowText" lastClr="000000"/>
+                </a:solidFill>
+              </a:rPr>
+              <a:t>Domaine du client</a:t>
+            </a:r>
+            <a:endParaRPr lang="fr-FR" sz="1000" b="1" dirty="0">
+              <a:solidFill>
+                <a:sysClr val="windowText" lastClr="000000"/>
+              </a:solidFill>
+            </a:endParaRPr>
+          </a:p>
+        </p:txBody>
+      </p:sp>
+      <p:sp>
+        <p:nvSpPr>
+          <p:cNvPr id="7" name="Rectangle 6"/>
+          <p:cNvSpPr/>
+          <p:nvPr/>
+        </p:nvSpPr>
+        <p:spPr>
+          <a:xfrm>
+            <a:off x="4644008" y="1124743"/>
+            <a:ext cx="2520280" cy="1761403"/>
+          </a:xfrm>
+          <a:prstGeom prst="rect">
+            <a:avLst/>
+          </a:prstGeom>
+          <a:solidFill>
+            <a:schemeClr val="accent5">
+              <a:lumMod val="20000"/>
+              <a:lumOff val="80000"/>
+            </a:schemeClr>
+          </a:solidFill>
+          <a:ln w="9525">
+            <a:solidFill>
+              <a:schemeClr val="accent5">
+                <a:lumMod val="50000"/>
+              </a:schemeClr>
+            </a:solidFill>
+          </a:ln>
+        </p:spPr>
+        <p:style>
+          <a:lnRef idx="2">
+            <a:schemeClr val="accent1">
+              <a:shade val="50000"/>
+            </a:schemeClr>
+          </a:lnRef>
+          <a:fillRef idx="1">
+            <a:schemeClr val="accent1"/>
+          </a:fillRef>
+          <a:effectRef idx="0">
+            <a:schemeClr val="accent1"/>
+          </a:effectRef>
+          <a:fontRef idx="minor">
+            <a:schemeClr val="lt1"/>
+          </a:fontRef>
+        </p:style>
+        <p:txBody>
+          <a:bodyPr rtlCol="0" anchor="t"/>
+          <a:lstStyle/>
+          <a:p>
+            <a:pPr algn="ctr"/>
+            <a:r>
+              <a:rPr lang="fr-FR" sz="1000" b="1" dirty="0" smtClean="0">
+                <a:solidFill>
+                  <a:sysClr val="windowText" lastClr="000000"/>
+                </a:solidFill>
+              </a:rPr>
+              <a:t>Moteur choisi</a:t>
+            </a:r>
+          </a:p>
+          <a:p>
+            <a:pPr algn="ctr"/>
+            <a:endParaRPr lang="fr-FR" sz="1000" b="1" dirty="0" smtClean="0">
+              <a:solidFill>
+                <a:sysClr val="windowText" lastClr="000000"/>
+              </a:solidFill>
+            </a:endParaRPr>
+          </a:p>
+          <a:p>
+            <a:pPr marL="171450" indent="-171450">
+              <a:buFont typeface="Arial" panose="020B0604020202020204" pitchFamily="34" charset="0"/>
+              <a:buChar char="•"/>
+            </a:pPr>
+            <a:r>
+              <a:rPr lang="fr-FR" sz="1000" dirty="0" smtClean="0">
+                <a:solidFill>
+                  <a:sysClr val="windowText" lastClr="000000"/>
+                </a:solidFill>
+              </a:rPr>
+              <a:t>Vitesse à vide : 3120 tr.min</a:t>
+            </a:r>
+            <a:r>
+              <a:rPr lang="fr-FR" sz="1000" baseline="30000" dirty="0" smtClean="0">
+                <a:solidFill>
+                  <a:sysClr val="windowText" lastClr="000000"/>
+                </a:solidFill>
+              </a:rPr>
+              <a:t>-1</a:t>
+            </a:r>
+          </a:p>
+          <a:p>
+            <a:pPr marL="171450" indent="-171450">
+              <a:buFont typeface="Arial" panose="020B0604020202020204" pitchFamily="34" charset="0"/>
+              <a:buChar char="•"/>
+            </a:pPr>
+            <a:endParaRPr lang="fr-FR" sz="1000" baseline="30000" dirty="0">
+              <a:solidFill>
+                <a:sysClr val="windowText" lastClr="000000"/>
+              </a:solidFill>
+            </a:endParaRPr>
+          </a:p>
+          <a:p>
+            <a:pPr marL="171450" indent="-171450">
+              <a:buFont typeface="Arial" panose="020B0604020202020204" pitchFamily="34" charset="0"/>
+              <a:buChar char="•"/>
+            </a:pPr>
+            <a:r>
+              <a:rPr lang="fr-FR" sz="1000" dirty="0" smtClean="0">
+                <a:solidFill>
+                  <a:sysClr val="windowText" lastClr="000000"/>
+                </a:solidFill>
+              </a:rPr>
+              <a:t>Couple permanent admissible : 0,56 Nm</a:t>
+            </a:r>
+          </a:p>
+        </p:txBody>
+      </p:sp>
+      <p:sp>
+        <p:nvSpPr>
+          <p:cNvPr id="8" name="Rectangle 7"/>
+          <p:cNvSpPr/>
+          <p:nvPr/>
+        </p:nvSpPr>
+        <p:spPr>
+          <a:xfrm>
+            <a:off x="251520" y="778308"/>
+            <a:ext cx="3312368" cy="288032"/>
+          </a:xfrm>
+          <a:prstGeom prst="rect">
+            <a:avLst/>
+          </a:prstGeom>
+          <a:solidFill>
+            <a:schemeClr val="accent4">
+              <a:lumMod val="20000"/>
+              <a:lumOff val="80000"/>
+            </a:schemeClr>
+          </a:solidFill>
+          <a:ln w="9525">
+            <a:solidFill>
+              <a:schemeClr val="accent5">
+                <a:lumMod val="50000"/>
+              </a:schemeClr>
+            </a:solidFill>
+          </a:ln>
+        </p:spPr>
+        <p:style>
+          <a:lnRef idx="2">
+            <a:schemeClr val="accent1">
+              <a:shade val="50000"/>
+            </a:schemeClr>
+          </a:lnRef>
+          <a:fillRef idx="1">
+            <a:schemeClr val="accent1"/>
+          </a:fillRef>
+          <a:effectRef idx="0">
+            <a:schemeClr val="accent1"/>
+          </a:effectRef>
+          <a:fontRef idx="minor">
+            <a:schemeClr val="lt1"/>
+          </a:fontRef>
+        </p:style>
+        <p:txBody>
+          <a:bodyPr rtlCol="0" anchor="ctr"/>
+          <a:lstStyle/>
+          <a:p>
+            <a:pPr algn="ctr"/>
+            <a:r>
+              <a:rPr lang="fr-FR" sz="1000" b="1" dirty="0" smtClean="0">
+                <a:solidFill>
+                  <a:sysClr val="windowText" lastClr="000000"/>
+                </a:solidFill>
+              </a:rPr>
+              <a:t>Domaine </a:t>
+            </a:r>
+            <a:r>
+              <a:rPr lang="fr-FR" sz="1000" b="1" dirty="0" smtClean="0">
+                <a:solidFill>
+                  <a:sysClr val="windowText" lastClr="000000"/>
+                </a:solidFill>
+              </a:rPr>
+              <a:t>de la modélisation</a:t>
+            </a:r>
+            <a:endParaRPr lang="fr-FR" sz="1000" b="1" dirty="0">
+              <a:solidFill>
+                <a:sysClr val="windowText" lastClr="000000"/>
+              </a:solidFill>
+            </a:endParaRPr>
+          </a:p>
+        </p:txBody>
+      </p:sp>
+      <p:sp>
+        <p:nvSpPr>
+          <p:cNvPr id="9" name="Rectangle 8"/>
+          <p:cNvSpPr/>
+          <p:nvPr/>
+        </p:nvSpPr>
+        <p:spPr>
+          <a:xfrm>
+            <a:off x="251520" y="1124744"/>
+            <a:ext cx="3312368" cy="1761402"/>
+          </a:xfrm>
+          <a:prstGeom prst="rect">
+            <a:avLst/>
+          </a:prstGeom>
+          <a:solidFill>
+            <a:schemeClr val="accent4">
+              <a:lumMod val="20000"/>
+              <a:lumOff val="80000"/>
+            </a:schemeClr>
+          </a:solidFill>
+          <a:ln w="9525">
+            <a:solidFill>
+              <a:schemeClr val="accent5">
+                <a:lumMod val="50000"/>
+              </a:schemeClr>
+            </a:solidFill>
+          </a:ln>
+        </p:spPr>
+        <p:style>
+          <a:lnRef idx="2">
+            <a:schemeClr val="accent1">
+              <a:shade val="50000"/>
+            </a:schemeClr>
+          </a:lnRef>
+          <a:fillRef idx="1">
+            <a:schemeClr val="accent1"/>
+          </a:fillRef>
+          <a:effectRef idx="0">
+            <a:schemeClr val="accent1"/>
+          </a:effectRef>
+          <a:fontRef idx="minor">
+            <a:schemeClr val="lt1"/>
+          </a:fontRef>
+        </p:style>
+        <p:txBody>
+          <a:bodyPr rtlCol="0" anchor="t"/>
+          <a:lstStyle/>
+          <a:p>
+            <a:pPr algn="ctr"/>
+            <a:endParaRPr lang="fr-FR" sz="1000" b="1" dirty="0" smtClean="0">
+              <a:solidFill>
+                <a:sysClr val="windowText" lastClr="000000"/>
+              </a:solidFill>
+            </a:endParaRPr>
+          </a:p>
+        </p:txBody>
+      </p:sp>
+      <p:pic>
+        <p:nvPicPr>
+          <p:cNvPr id="1026" name="Picture 2"/>
+          <p:cNvPicPr>
+            <a:picLocks noChangeAspect="1" noChangeArrowheads="1"/>
+          </p:cNvPicPr>
+          <p:nvPr/>
+        </p:nvPicPr>
+        <p:blipFill rotWithShape="1">
+          <a:blip r:embed="rId2" cstate="print">
+            <a:extLst>
+              <a:ext uri="{28A0092B-C50C-407E-A947-70E740481C1C}">
+                <a14:useLocalDpi xmlns:a14="http://schemas.microsoft.com/office/drawing/2010/main" val="0"/>
+              </a:ext>
+            </a:extLst>
+          </a:blip>
+          <a:srcRect r="39303"/>
+          <a:stretch/>
+        </p:blipFill>
+        <p:spPr bwMode="auto">
+          <a:xfrm>
+            <a:off x="574689" y="1401427"/>
+            <a:ext cx="737897" cy="1340678"/>
+          </a:xfrm>
+          <a:prstGeom prst="rect">
+            <a:avLst/>
+          </a:prstGeom>
+          <a:noFill/>
+          <a:ln>
+            <a:noFill/>
+          </a:ln>
+          <a:effectLst/>
+          <a:extLst>
+            <a:ext uri="{909E8E84-426E-40DD-AFC4-6F175D3DCCD1}">
+              <a14:hiddenFill xmlns:a14="http://schemas.microsoft.com/office/drawing/2010/main">
+                <a:solidFill>
+                  <a:schemeClr val="accent1"/>
+                </a:solidFill>
+              </a14:hiddenFill>
+            </a:ext>
+            <a:ext uri="{91240B29-F687-4F45-9708-019B960494DF}">
+              <a14:hiddenLine xmlns:a14="http://schemas.microsoft.com/office/drawing/2010/main" w="9525">
+                <a:solidFill>
+                  <a:schemeClr val="tx1"/>
+                </a:solidFill>
+                <a:miter lim="800000"/>
+                <a:headEnd/>
+                <a:tailEnd/>
+              </a14:hiddenLine>
+            </a:ext>
+            <a:ext uri="{AF507438-7753-43E0-B8FC-AC1667EBCBE1}">
+              <a14:hiddenEffects xmlns:a14="http://schemas.microsoft.com/office/drawing/2010/main">
+                <a:effectLst>
+                  <a:outerShdw dist="35921" dir="2700000" algn="ctr" rotWithShape="0">
+                    <a:schemeClr val="bg2"/>
+                  </a:outerShdw>
+                </a:effectLst>
+              </a14:hiddenEffects>
+            </a:ext>
+          </a:extLst>
+        </p:spPr>
+      </p:pic>
+      <p:pic>
+        <p:nvPicPr>
+          <p:cNvPr id="1027" name="Picture 3"/>
+          <p:cNvPicPr>
+            <a:picLocks noChangeAspect="1" noChangeArrowheads="1"/>
+          </p:cNvPicPr>
+          <p:nvPr/>
+        </p:nvPicPr>
+        <p:blipFill>
+          <a:blip r:embed="rId3" cstate="print">
+            <a:extLst>
+              <a:ext uri="{28A0092B-C50C-407E-A947-70E740481C1C}">
+                <a14:useLocalDpi xmlns:a14="http://schemas.microsoft.com/office/drawing/2010/main" val="0"/>
+              </a:ext>
+            </a:extLst>
+          </a:blip>
+          <a:srcRect/>
+          <a:stretch>
+            <a:fillRect/>
+          </a:stretch>
+        </p:blipFill>
+        <p:spPr bwMode="auto">
+          <a:xfrm>
+            <a:off x="5075516" y="1952030"/>
+            <a:ext cx="1657264" cy="900906"/>
+          </a:xfrm>
+          <a:prstGeom prst="rect">
+            <a:avLst/>
+          </a:prstGeom>
+          <a:noFill/>
+          <a:ln>
+            <a:noFill/>
+          </a:ln>
+          <a:effectLst/>
+          <a:extLst>
+            <a:ext uri="{909E8E84-426E-40DD-AFC4-6F175D3DCCD1}">
+              <a14:hiddenFill xmlns:a14="http://schemas.microsoft.com/office/drawing/2010/main">
+                <a:solidFill>
+                  <a:schemeClr val="accent1"/>
+                </a:solidFill>
+              </a14:hiddenFill>
+            </a:ext>
+            <a:ext uri="{91240B29-F687-4F45-9708-019B960494DF}">
+              <a14:hiddenLine xmlns:a14="http://schemas.microsoft.com/office/drawing/2010/main" w="9525">
+                <a:solidFill>
+                  <a:schemeClr val="tx1"/>
+                </a:solidFill>
+                <a:miter lim="800000"/>
+                <a:headEnd/>
+                <a:tailEnd/>
+              </a14:hiddenLine>
+            </a:ext>
+            <a:ext uri="{AF507438-7753-43E0-B8FC-AC1667EBCBE1}">
+              <a14:hiddenEffects xmlns:a14="http://schemas.microsoft.com/office/drawing/2010/main">
+                <a:effectLst>
+                  <a:outerShdw dist="35921" dir="2700000" algn="ctr" rotWithShape="0">
+                    <a:schemeClr val="bg2"/>
+                  </a:outerShdw>
+                </a:effectLst>
+              </a14:hiddenEffects>
+            </a:ext>
+          </a:extLst>
+        </p:spPr>
+      </p:pic>
+      <p:sp>
+        <p:nvSpPr>
+          <p:cNvPr id="10" name="Rectangle 9"/>
+          <p:cNvSpPr/>
+          <p:nvPr/>
+        </p:nvSpPr>
+        <p:spPr>
+          <a:xfrm rot="16200000">
+            <a:off x="-444512" y="1866946"/>
+            <a:ext cx="1761404" cy="276999"/>
+          </a:xfrm>
+          <a:prstGeom prst="rect">
+            <a:avLst/>
+          </a:prstGeom>
+        </p:spPr>
+        <p:txBody>
+          <a:bodyPr wrap="square">
+            <a:spAutoFit/>
+          </a:bodyPr>
+          <a:lstStyle/>
+          <a:p>
+            <a:pPr algn="ctr"/>
+            <a:r>
+              <a:rPr lang="fr-FR" sz="1200" b="1" dirty="0">
+                <a:solidFill>
+                  <a:sysClr val="windowText" lastClr="000000"/>
+                </a:solidFill>
+              </a:rPr>
+              <a:t>Modèle cinématique</a:t>
+            </a:r>
+          </a:p>
+        </p:txBody>
+      </p:sp>
+      <p:sp>
+        <p:nvSpPr>
+          <p:cNvPr id="13" name="Rectangle 12"/>
+          <p:cNvSpPr/>
+          <p:nvPr/>
+        </p:nvSpPr>
+        <p:spPr>
+          <a:xfrm>
+            <a:off x="1752936" y="1959223"/>
+            <a:ext cx="1664029" cy="461665"/>
+          </a:xfrm>
+          <a:prstGeom prst="rect">
+            <a:avLst/>
+          </a:prstGeom>
+        </p:spPr>
+        <p:txBody>
+          <a:bodyPr wrap="square">
+            <a:spAutoFit/>
+          </a:bodyPr>
+          <a:lstStyle/>
+          <a:p>
+            <a:pPr algn="ctr"/>
+            <a:r>
+              <a:rPr lang="fr-FR" sz="1200" b="1" dirty="0" smtClean="0">
+                <a:solidFill>
+                  <a:sysClr val="windowText" lastClr="000000"/>
+                </a:solidFill>
+              </a:rPr>
+              <a:t>Résolution Dynamique (PFD)</a:t>
+            </a:r>
+            <a:endParaRPr lang="fr-FR" sz="1200" b="1" dirty="0">
+              <a:solidFill>
+                <a:sysClr val="windowText" lastClr="000000"/>
+              </a:solidFill>
+            </a:endParaRPr>
+          </a:p>
+        </p:txBody>
+      </p:sp>
+      <p:sp>
+        <p:nvSpPr>
+          <p:cNvPr id="14" name="Rectangle 13"/>
+          <p:cNvSpPr/>
+          <p:nvPr/>
+        </p:nvSpPr>
+        <p:spPr>
+          <a:xfrm>
+            <a:off x="1606013" y="1133104"/>
+            <a:ext cx="1957875" cy="276999"/>
+          </a:xfrm>
+          <a:prstGeom prst="rect">
+            <a:avLst/>
+          </a:prstGeom>
+        </p:spPr>
+        <p:txBody>
+          <a:bodyPr wrap="square">
+            <a:spAutoFit/>
+          </a:bodyPr>
+          <a:lstStyle/>
+          <a:p>
+            <a:pPr algn="ctr"/>
+            <a:r>
+              <a:rPr lang="fr-FR" sz="1200" b="1" dirty="0" smtClean="0">
+                <a:solidFill>
+                  <a:sysClr val="windowText" lastClr="000000"/>
+                </a:solidFill>
+              </a:rPr>
+              <a:t>Résolution Cinématique</a:t>
+            </a:r>
+            <a:endParaRPr lang="fr-FR" sz="1200" b="1" dirty="0">
+              <a:solidFill>
+                <a:sysClr val="windowText" lastClr="000000"/>
+              </a:solidFill>
+            </a:endParaRPr>
+          </a:p>
+        </p:txBody>
+      </p:sp>
+      <p:sp>
+        <p:nvSpPr>
+          <p:cNvPr id="11" name="Rectangle 10"/>
+          <p:cNvSpPr/>
+          <p:nvPr/>
+        </p:nvSpPr>
+        <p:spPr>
+          <a:xfrm>
+            <a:off x="1792105" y="1484784"/>
+            <a:ext cx="1585690" cy="276999"/>
+          </a:xfrm>
+          <a:prstGeom prst="rect">
+            <a:avLst/>
+          </a:prstGeom>
+        </p:spPr>
+        <p:txBody>
+          <a:bodyPr wrap="none">
+            <a:spAutoFit/>
+          </a:bodyPr>
+          <a:lstStyle/>
+          <a:p>
+            <a:pPr marL="171450" indent="-171450">
+              <a:buFont typeface="Arial" panose="020B0604020202020204" pitchFamily="34" charset="0"/>
+              <a:buChar char="•"/>
+            </a:pPr>
+            <a:r>
+              <a:rPr lang="fr-FR" sz="1200" dirty="0" err="1" smtClean="0">
+                <a:solidFill>
+                  <a:sysClr val="windowText" lastClr="000000"/>
+                </a:solidFill>
+              </a:rPr>
+              <a:t>N</a:t>
+            </a:r>
+            <a:r>
+              <a:rPr lang="fr-FR" sz="1200" baseline="-25000" dirty="0" err="1" smtClean="0">
+                <a:solidFill>
+                  <a:sysClr val="windowText" lastClr="000000"/>
+                </a:solidFill>
+              </a:rPr>
+              <a:t>mot</a:t>
+            </a:r>
+            <a:r>
+              <a:rPr lang="fr-FR" sz="1200" dirty="0" smtClean="0">
+                <a:solidFill>
+                  <a:sysClr val="windowText" lastClr="000000"/>
+                </a:solidFill>
+              </a:rPr>
+              <a:t> = 2200 tr min</a:t>
+            </a:r>
+            <a:r>
+              <a:rPr lang="fr-FR" sz="1200" baseline="30000" dirty="0" smtClean="0">
+                <a:solidFill>
+                  <a:sysClr val="windowText" lastClr="000000"/>
+                </a:solidFill>
+              </a:rPr>
+              <a:t>-1</a:t>
+            </a:r>
+            <a:endParaRPr lang="fr-FR" sz="1200" baseline="30000" dirty="0">
+              <a:solidFill>
+                <a:sysClr val="windowText" lastClr="000000"/>
+              </a:solidFill>
+            </a:endParaRPr>
+          </a:p>
+        </p:txBody>
+      </p:sp>
+      <p:sp>
+        <p:nvSpPr>
+          <p:cNvPr id="16" name="Rectangle 15"/>
+          <p:cNvSpPr/>
+          <p:nvPr/>
+        </p:nvSpPr>
+        <p:spPr>
+          <a:xfrm>
+            <a:off x="1792106" y="2492896"/>
+            <a:ext cx="1585689" cy="276999"/>
+          </a:xfrm>
+          <a:prstGeom prst="rect">
+            <a:avLst/>
+          </a:prstGeom>
+        </p:spPr>
+        <p:txBody>
+          <a:bodyPr wrap="square">
+            <a:spAutoFit/>
+          </a:bodyPr>
+          <a:lstStyle/>
+          <a:p>
+            <a:pPr marL="171450" indent="-171450">
+              <a:buFont typeface="Arial" panose="020B0604020202020204" pitchFamily="34" charset="0"/>
+              <a:buChar char="•"/>
+            </a:pPr>
+            <a:r>
+              <a:rPr lang="fr-FR" sz="1200" dirty="0" err="1" smtClean="0">
+                <a:solidFill>
+                  <a:sysClr val="windowText" lastClr="000000"/>
+                </a:solidFill>
+              </a:rPr>
+              <a:t>C</a:t>
+            </a:r>
+            <a:r>
+              <a:rPr lang="fr-FR" sz="1200" baseline="-25000" dirty="0" err="1" smtClean="0">
+                <a:solidFill>
+                  <a:sysClr val="windowText" lastClr="000000"/>
+                </a:solidFill>
+              </a:rPr>
+              <a:t>eff</a:t>
+            </a:r>
+            <a:r>
+              <a:rPr lang="fr-FR" sz="1200" dirty="0" smtClean="0">
+                <a:solidFill>
+                  <a:sysClr val="windowText" lastClr="000000"/>
+                </a:solidFill>
+              </a:rPr>
+              <a:t> = 0,55 Nm</a:t>
+            </a:r>
+            <a:endParaRPr lang="fr-FR" sz="1200" baseline="30000" dirty="0">
+              <a:solidFill>
+                <a:sysClr val="windowText" lastClr="000000"/>
+              </a:solidFill>
+            </a:endParaRPr>
+          </a:p>
+        </p:txBody>
+      </p:sp>
+      <p:cxnSp>
+        <p:nvCxnSpPr>
+          <p:cNvPr id="17" name="Connecteur droit avec flèche 16"/>
+          <p:cNvCxnSpPr/>
+          <p:nvPr/>
+        </p:nvCxnSpPr>
+        <p:spPr>
+          <a:xfrm>
+            <a:off x="3416965" y="1623283"/>
+            <a:ext cx="1227043" cy="0"/>
+          </a:xfrm>
+          <a:prstGeom prst="straightConnector1">
+            <a:avLst/>
+          </a:prstGeom>
+          <a:ln w="38100">
+            <a:solidFill>
+              <a:schemeClr val="accent2"/>
+            </a:solidFill>
+            <a:headEnd type="none" w="med" len="lg"/>
+            <a:tailEnd type="stealth" w="med" len="lg"/>
+          </a:ln>
+        </p:spPr>
+        <p:style>
+          <a:lnRef idx="1">
+            <a:schemeClr val="accent1"/>
+          </a:lnRef>
+          <a:fillRef idx="0">
+            <a:schemeClr val="accent1"/>
+          </a:fillRef>
+          <a:effectRef idx="0">
+            <a:schemeClr val="accent1"/>
+          </a:effectRef>
+          <a:fontRef idx="minor">
+            <a:schemeClr val="tx1"/>
+          </a:fontRef>
+        </p:style>
+      </p:cxnSp>
+      <p:cxnSp>
+        <p:nvCxnSpPr>
+          <p:cNvPr id="21" name="Connecteur droit avec flèche 20"/>
+          <p:cNvCxnSpPr>
+            <a:stCxn id="16" idx="3"/>
+            <a:endCxn id="7" idx="1"/>
+          </p:cNvCxnSpPr>
+          <p:nvPr/>
+        </p:nvCxnSpPr>
+        <p:spPr>
+          <a:xfrm flipV="1">
+            <a:off x="3377795" y="2005445"/>
+            <a:ext cx="1266213" cy="625951"/>
+          </a:xfrm>
+          <a:prstGeom prst="straightConnector1">
+            <a:avLst/>
+          </a:prstGeom>
+          <a:ln w="38100">
+            <a:solidFill>
+              <a:schemeClr val="accent2"/>
+            </a:solidFill>
+            <a:headEnd type="none" w="med" len="lg"/>
+            <a:tailEnd type="stealth" w="med" len="lg"/>
+          </a:ln>
+        </p:spPr>
+        <p:style>
+          <a:lnRef idx="1">
+            <a:schemeClr val="accent1"/>
+          </a:lnRef>
+          <a:fillRef idx="0">
+            <a:schemeClr val="accent1"/>
+          </a:fillRef>
+          <a:effectRef idx="0">
+            <a:schemeClr val="accent1"/>
+          </a:effectRef>
+          <a:fontRef idx="minor">
+            <a:schemeClr val="tx1"/>
+          </a:fontRef>
+        </p:style>
+      </p:cxnSp>
+      <p:sp>
+        <p:nvSpPr>
+          <p:cNvPr id="22" name="ZoneTexte 21"/>
+          <p:cNvSpPr txBox="1"/>
+          <p:nvPr/>
+        </p:nvSpPr>
+        <p:spPr>
+          <a:xfrm>
+            <a:off x="3542849" y="1916832"/>
+            <a:ext cx="936104" cy="584775"/>
+          </a:xfrm>
+          <a:prstGeom prst="rect">
+            <a:avLst/>
+          </a:prstGeom>
+          <a:noFill/>
+        </p:spPr>
+        <p:txBody>
+          <a:bodyPr wrap="square" rtlCol="0">
+            <a:spAutoFit/>
+          </a:bodyPr>
+          <a:lstStyle/>
+          <a:p>
+            <a:pPr algn="ctr"/>
+            <a:r>
+              <a:rPr lang="fr-FR" sz="3200" b="1" dirty="0" smtClean="0">
+                <a:sym typeface="Wingdings"/>
+              </a:rPr>
+              <a:t></a:t>
+            </a:r>
+            <a:endParaRPr lang="fr-FR" sz="3200" b="1" dirty="0"/>
+          </a:p>
+        </p:txBody>
+      </p:sp>
+      <p:sp>
+        <p:nvSpPr>
+          <p:cNvPr id="25" name="ZoneTexte 24"/>
+          <p:cNvSpPr txBox="1"/>
+          <p:nvPr/>
+        </p:nvSpPr>
+        <p:spPr>
+          <a:xfrm>
+            <a:off x="3542849" y="1149614"/>
+            <a:ext cx="936104" cy="584775"/>
+          </a:xfrm>
+          <a:prstGeom prst="rect">
+            <a:avLst/>
+          </a:prstGeom>
+          <a:noFill/>
+        </p:spPr>
+        <p:txBody>
+          <a:bodyPr wrap="square" rtlCol="0">
+            <a:spAutoFit/>
+          </a:bodyPr>
+          <a:lstStyle/>
+          <a:p>
+            <a:pPr algn="ctr"/>
+            <a:r>
+              <a:rPr lang="fr-FR" sz="3200" b="1" dirty="0" smtClean="0">
+                <a:sym typeface="Wingdings"/>
+              </a:rPr>
+              <a:t></a:t>
+            </a:r>
+            <a:endParaRPr lang="fr-FR" sz="3200" b="1" dirty="0"/>
+          </a:p>
+        </p:txBody>
+      </p:sp>
+    </p:spTree>
+    <p:extLst>
+      <p:ext uri="{BB962C8B-B14F-4D97-AF65-F5344CB8AC3E}">
+        <p14:creationId xmlns:p14="http://schemas.microsoft.com/office/powerpoint/2010/main" val="1180179513"/>
+      </p:ext>
+    </p:extLst>
+  </p:cSld>
+  <p:clrMapOvr>
+    <a:masterClrMapping/>
+  </p:clrMapOvr>
+</p:sld>
+</file>
+
+<file path=ppt/slides/slide4.xml><?xml version="1.0" encoding="utf-8"?>
+<p:sld xmlns:a="http://schemas.openxmlformats.org/drawingml/2006/main" xmlns:r="http://schemas.openxmlformats.org/officeDocument/2006/relationships" xmlns:p="http://schemas.openxmlformats.org/presentationml/2006/main">
+  <p:cSld>
+    <p:spTree>
+      <p:nvGrpSpPr>
+        <p:cNvPr id="1" name=""/>
+        <p:cNvGrpSpPr/>
+        <p:nvPr/>
+      </p:nvGrpSpPr>
+      <p:grpSpPr>
+        <a:xfrm>
+          <a:off x="0" y="0"/>
+          <a:ext cx="0" cy="0"/>
+          <a:chOff x="0" y="0"/>
+          <a:chExt cx="0" cy="0"/>
+        </a:xfrm>
+      </p:grpSpPr>
+      <p:sp>
+        <p:nvSpPr>
+          <p:cNvPr id="4" name="Rectangle 3"/>
+          <p:cNvSpPr/>
+          <p:nvPr/>
+        </p:nvSpPr>
+        <p:spPr>
+          <a:xfrm>
+            <a:off x="251520" y="260648"/>
+            <a:ext cx="6912768" cy="360040"/>
+          </a:xfrm>
+          <a:prstGeom prst="rect">
+            <a:avLst/>
+          </a:prstGeom>
+          <a:solidFill>
+            <a:schemeClr val="accent2">
+              <a:lumMod val="20000"/>
+              <a:lumOff val="80000"/>
+            </a:schemeClr>
+          </a:solidFill>
+          <a:ln w="9525">
+            <a:solidFill>
+              <a:schemeClr val="accent2"/>
+            </a:solidFill>
+          </a:ln>
+        </p:spPr>
+        <p:style>
+          <a:lnRef idx="2">
+            <a:schemeClr val="accent1">
+              <a:shade val="50000"/>
+            </a:schemeClr>
+          </a:lnRef>
+          <a:fillRef idx="1">
+            <a:schemeClr val="accent1"/>
+          </a:fillRef>
+          <a:effectRef idx="0">
+            <a:schemeClr val="accent1"/>
+          </a:effectRef>
+          <a:fontRef idx="minor">
+            <a:schemeClr val="lt1"/>
+          </a:fontRef>
+        </p:style>
+        <p:txBody>
+          <a:bodyPr rtlCol="0" anchor="ctr"/>
+          <a:lstStyle/>
+          <a:p>
+            <a:pPr algn="ctr"/>
+            <a:r>
+              <a:rPr lang="fr-FR" sz="1000" b="1" dirty="0" smtClean="0">
+                <a:solidFill>
+                  <a:sysClr val="windowText" lastClr="000000"/>
+                </a:solidFill>
+              </a:rPr>
+              <a:t>Problématique </a:t>
+            </a:r>
+          </a:p>
+          <a:p>
+            <a:pPr algn="ctr"/>
+            <a:r>
+              <a:rPr lang="fr-FR" sz="1000" b="1" dirty="0" smtClean="0">
+                <a:solidFill>
+                  <a:sysClr val="windowText" lastClr="000000"/>
+                </a:solidFill>
+              </a:rPr>
+              <a:t>Le moteur pré-choisi permet d’assurer le fonctionnement de l’exosquelette ?</a:t>
+            </a:r>
+            <a:endParaRPr lang="fr-FR" sz="1000" b="1" dirty="0">
+              <a:solidFill>
+                <a:sysClr val="windowText" lastClr="000000"/>
+              </a:solidFill>
+            </a:endParaRPr>
+          </a:p>
+        </p:txBody>
+      </p:sp>
+      <p:sp>
+        <p:nvSpPr>
+          <p:cNvPr id="6" name="Rectangle 5"/>
+          <p:cNvSpPr/>
+          <p:nvPr/>
+        </p:nvSpPr>
+        <p:spPr>
+          <a:xfrm>
+            <a:off x="4644008" y="778308"/>
+            <a:ext cx="2520280" cy="288032"/>
+          </a:xfrm>
+          <a:prstGeom prst="rect">
+            <a:avLst/>
+          </a:prstGeom>
+          <a:solidFill>
+            <a:schemeClr val="accent5">
+              <a:lumMod val="20000"/>
+              <a:lumOff val="80000"/>
+            </a:schemeClr>
+          </a:solidFill>
+          <a:ln w="9525">
+            <a:solidFill>
+              <a:schemeClr val="accent5">
+                <a:lumMod val="50000"/>
+              </a:schemeClr>
+            </a:solidFill>
+          </a:ln>
+        </p:spPr>
+        <p:style>
+          <a:lnRef idx="2">
+            <a:schemeClr val="accent1">
+              <a:shade val="50000"/>
+            </a:schemeClr>
+          </a:lnRef>
+          <a:fillRef idx="1">
+            <a:schemeClr val="accent1"/>
+          </a:fillRef>
+          <a:effectRef idx="0">
+            <a:schemeClr val="accent1"/>
+          </a:effectRef>
+          <a:fontRef idx="minor">
+            <a:schemeClr val="lt1"/>
+          </a:fontRef>
+        </p:style>
+        <p:txBody>
+          <a:bodyPr rtlCol="0" anchor="ctr"/>
+          <a:lstStyle/>
+          <a:p>
+            <a:pPr algn="ctr"/>
+            <a:r>
+              <a:rPr lang="fr-FR" sz="1000" b="1" dirty="0" smtClean="0">
+                <a:solidFill>
+                  <a:sysClr val="windowText" lastClr="000000"/>
+                </a:solidFill>
+              </a:rPr>
+              <a:t>Domaine du client</a:t>
+            </a:r>
+            <a:endParaRPr lang="fr-FR" sz="1000" b="1" dirty="0">
+              <a:solidFill>
+                <a:sysClr val="windowText" lastClr="000000"/>
+              </a:solidFill>
+            </a:endParaRPr>
+          </a:p>
+        </p:txBody>
+      </p:sp>
+      <p:sp>
+        <p:nvSpPr>
+          <p:cNvPr id="7" name="Rectangle 6"/>
+          <p:cNvSpPr/>
+          <p:nvPr/>
+        </p:nvSpPr>
+        <p:spPr>
+          <a:xfrm>
+            <a:off x="4644008" y="1124743"/>
+            <a:ext cx="2520280" cy="1761403"/>
+          </a:xfrm>
+          <a:prstGeom prst="rect">
+            <a:avLst/>
+          </a:prstGeom>
+          <a:solidFill>
+            <a:schemeClr val="accent5">
+              <a:lumMod val="20000"/>
+              <a:lumOff val="80000"/>
+            </a:schemeClr>
+          </a:solidFill>
+          <a:ln w="9525">
+            <a:solidFill>
+              <a:schemeClr val="accent5">
+                <a:lumMod val="50000"/>
+              </a:schemeClr>
+            </a:solidFill>
+          </a:ln>
+        </p:spPr>
+        <p:style>
+          <a:lnRef idx="2">
+            <a:schemeClr val="accent1">
+              <a:shade val="50000"/>
+            </a:schemeClr>
+          </a:lnRef>
+          <a:fillRef idx="1">
+            <a:schemeClr val="accent1"/>
+          </a:fillRef>
+          <a:effectRef idx="0">
+            <a:schemeClr val="accent1"/>
+          </a:effectRef>
+          <a:fontRef idx="minor">
+            <a:schemeClr val="lt1"/>
+          </a:fontRef>
+        </p:style>
+        <p:txBody>
+          <a:bodyPr rtlCol="0" anchor="t"/>
+          <a:lstStyle/>
+          <a:p>
+            <a:pPr algn="ctr"/>
+            <a:r>
+              <a:rPr lang="fr-FR" sz="1000" b="1" dirty="0" smtClean="0">
+                <a:solidFill>
+                  <a:sysClr val="windowText" lastClr="000000"/>
+                </a:solidFill>
+              </a:rPr>
+              <a:t>Moteur choisi</a:t>
+            </a:r>
+          </a:p>
+          <a:p>
+            <a:pPr algn="ctr"/>
+            <a:endParaRPr lang="fr-FR" sz="1000" b="1" dirty="0" smtClean="0">
+              <a:solidFill>
+                <a:sysClr val="windowText" lastClr="000000"/>
+              </a:solidFill>
+            </a:endParaRPr>
+          </a:p>
+          <a:p>
+            <a:pPr marL="171450" indent="-171450">
+              <a:buFont typeface="Arial" panose="020B0604020202020204" pitchFamily="34" charset="0"/>
+              <a:buChar char="•"/>
+            </a:pPr>
+            <a:r>
+              <a:rPr lang="fr-FR" sz="1000" dirty="0" smtClean="0">
+                <a:solidFill>
+                  <a:sysClr val="windowText" lastClr="000000"/>
+                </a:solidFill>
+              </a:rPr>
+              <a:t>Vitesse à vide : 3120 tr.min</a:t>
+            </a:r>
+            <a:r>
+              <a:rPr lang="fr-FR" sz="1000" baseline="30000" dirty="0" smtClean="0">
+                <a:solidFill>
+                  <a:sysClr val="windowText" lastClr="000000"/>
+                </a:solidFill>
+              </a:rPr>
+              <a:t>-1</a:t>
+            </a:r>
+          </a:p>
+          <a:p>
+            <a:pPr marL="171450" indent="-171450">
+              <a:buFont typeface="Arial" panose="020B0604020202020204" pitchFamily="34" charset="0"/>
+              <a:buChar char="•"/>
+            </a:pPr>
+            <a:endParaRPr lang="fr-FR" sz="1000" baseline="30000" dirty="0">
+              <a:solidFill>
+                <a:sysClr val="windowText" lastClr="000000"/>
+              </a:solidFill>
+            </a:endParaRPr>
+          </a:p>
+          <a:p>
+            <a:pPr marL="171450" indent="-171450">
+              <a:buFont typeface="Arial" panose="020B0604020202020204" pitchFamily="34" charset="0"/>
+              <a:buChar char="•"/>
+            </a:pPr>
+            <a:r>
+              <a:rPr lang="fr-FR" sz="1000" dirty="0" smtClean="0">
+                <a:solidFill>
+                  <a:sysClr val="windowText" lastClr="000000"/>
+                </a:solidFill>
+              </a:rPr>
+              <a:t>Couple permanent admissible : 0,56 Nm</a:t>
+            </a:r>
+          </a:p>
+        </p:txBody>
+      </p:sp>
+      <p:sp>
+        <p:nvSpPr>
+          <p:cNvPr id="8" name="Rectangle 7"/>
+          <p:cNvSpPr/>
+          <p:nvPr/>
+        </p:nvSpPr>
+        <p:spPr>
+          <a:xfrm>
+            <a:off x="251520" y="778308"/>
+            <a:ext cx="3312368" cy="288032"/>
+          </a:xfrm>
+          <a:prstGeom prst="rect">
+            <a:avLst/>
+          </a:prstGeom>
+          <a:solidFill>
+            <a:schemeClr val="accent4">
+              <a:lumMod val="20000"/>
+              <a:lumOff val="80000"/>
+            </a:schemeClr>
+          </a:solidFill>
+          <a:ln w="9525">
+            <a:solidFill>
+              <a:schemeClr val="accent5">
+                <a:lumMod val="50000"/>
+              </a:schemeClr>
+            </a:solidFill>
+          </a:ln>
+        </p:spPr>
+        <p:style>
+          <a:lnRef idx="2">
+            <a:schemeClr val="accent1">
+              <a:shade val="50000"/>
+            </a:schemeClr>
+          </a:lnRef>
+          <a:fillRef idx="1">
+            <a:schemeClr val="accent1"/>
+          </a:fillRef>
+          <a:effectRef idx="0">
+            <a:schemeClr val="accent1"/>
+          </a:effectRef>
+          <a:fontRef idx="minor">
+            <a:schemeClr val="lt1"/>
+          </a:fontRef>
+        </p:style>
+        <p:txBody>
+          <a:bodyPr rtlCol="0" anchor="ctr"/>
+          <a:lstStyle/>
+          <a:p>
+            <a:pPr algn="ctr"/>
+            <a:r>
+              <a:rPr lang="fr-FR" sz="1000" b="1" dirty="0" smtClean="0">
+                <a:solidFill>
+                  <a:sysClr val="windowText" lastClr="000000"/>
+                </a:solidFill>
+              </a:rPr>
+              <a:t>Domaine </a:t>
+            </a:r>
+            <a:r>
+              <a:rPr lang="fr-FR" sz="1000" b="1" dirty="0" smtClean="0">
+                <a:solidFill>
+                  <a:sysClr val="windowText" lastClr="000000"/>
+                </a:solidFill>
+              </a:rPr>
+              <a:t>de la modélisation</a:t>
+            </a:r>
+            <a:endParaRPr lang="fr-FR" sz="1000" b="1" dirty="0">
+              <a:solidFill>
+                <a:sysClr val="windowText" lastClr="000000"/>
+              </a:solidFill>
+            </a:endParaRPr>
+          </a:p>
+        </p:txBody>
+      </p:sp>
+      <p:sp>
+        <p:nvSpPr>
+          <p:cNvPr id="9" name="Rectangle 8"/>
+          <p:cNvSpPr/>
+          <p:nvPr/>
+        </p:nvSpPr>
+        <p:spPr>
+          <a:xfrm>
+            <a:off x="251520" y="1124744"/>
+            <a:ext cx="3312368" cy="1761402"/>
+          </a:xfrm>
+          <a:prstGeom prst="rect">
+            <a:avLst/>
+          </a:prstGeom>
+          <a:solidFill>
+            <a:schemeClr val="accent4">
+              <a:lumMod val="20000"/>
+              <a:lumOff val="80000"/>
+            </a:schemeClr>
+          </a:solidFill>
+          <a:ln w="9525">
+            <a:solidFill>
+              <a:schemeClr val="accent5">
+                <a:lumMod val="50000"/>
+              </a:schemeClr>
+            </a:solidFill>
+          </a:ln>
+        </p:spPr>
+        <p:style>
+          <a:lnRef idx="2">
+            <a:schemeClr val="accent1">
+              <a:shade val="50000"/>
+            </a:schemeClr>
+          </a:lnRef>
+          <a:fillRef idx="1">
+            <a:schemeClr val="accent1"/>
+          </a:fillRef>
+          <a:effectRef idx="0">
+            <a:schemeClr val="accent1"/>
+          </a:effectRef>
+          <a:fontRef idx="minor">
+            <a:schemeClr val="lt1"/>
+          </a:fontRef>
+        </p:style>
+        <p:txBody>
+          <a:bodyPr rtlCol="0" anchor="t"/>
+          <a:lstStyle/>
+          <a:p>
+            <a:pPr algn="ctr"/>
+            <a:endParaRPr lang="fr-FR" sz="1000" b="1" dirty="0" smtClean="0">
+              <a:solidFill>
+                <a:sysClr val="windowText" lastClr="000000"/>
+              </a:solidFill>
+            </a:endParaRPr>
+          </a:p>
+        </p:txBody>
+      </p:sp>
+      <p:pic>
+        <p:nvPicPr>
+          <p:cNvPr id="1026" name="Picture 2"/>
+          <p:cNvPicPr>
+            <a:picLocks noChangeAspect="1" noChangeArrowheads="1"/>
+          </p:cNvPicPr>
+          <p:nvPr/>
+        </p:nvPicPr>
+        <p:blipFill rotWithShape="1">
+          <a:blip r:embed="rId2" cstate="print">
+            <a:extLst>
+              <a:ext uri="{28A0092B-C50C-407E-A947-70E740481C1C}">
+                <a14:useLocalDpi xmlns:a14="http://schemas.microsoft.com/office/drawing/2010/main" val="0"/>
+              </a:ext>
+            </a:extLst>
+          </a:blip>
+          <a:srcRect r="39303"/>
+          <a:stretch/>
+        </p:blipFill>
+        <p:spPr bwMode="auto">
+          <a:xfrm>
+            <a:off x="574689" y="1401427"/>
+            <a:ext cx="737897" cy="1340678"/>
+          </a:xfrm>
+          <a:prstGeom prst="rect">
+            <a:avLst/>
+          </a:prstGeom>
+          <a:noFill/>
+          <a:ln>
+            <a:noFill/>
+          </a:ln>
+          <a:effectLst/>
+          <a:extLst>
+            <a:ext uri="{909E8E84-426E-40DD-AFC4-6F175D3DCCD1}">
+              <a14:hiddenFill xmlns:a14="http://schemas.microsoft.com/office/drawing/2010/main">
+                <a:solidFill>
+                  <a:schemeClr val="accent1"/>
+                </a:solidFill>
+              </a14:hiddenFill>
+            </a:ext>
+            <a:ext uri="{91240B29-F687-4F45-9708-019B960494DF}">
+              <a14:hiddenLine xmlns:a14="http://schemas.microsoft.com/office/drawing/2010/main" w="9525">
+                <a:solidFill>
+                  <a:schemeClr val="tx1"/>
+                </a:solidFill>
+                <a:miter lim="800000"/>
+                <a:headEnd/>
+                <a:tailEnd/>
+              </a14:hiddenLine>
+            </a:ext>
+            <a:ext uri="{AF507438-7753-43E0-B8FC-AC1667EBCBE1}">
+              <a14:hiddenEffects xmlns:a14="http://schemas.microsoft.com/office/drawing/2010/main">
+                <a:effectLst>
+                  <a:outerShdw dist="35921" dir="2700000" algn="ctr" rotWithShape="0">
+                    <a:schemeClr val="bg2"/>
+                  </a:outerShdw>
+                </a:effectLst>
+              </a14:hiddenEffects>
+            </a:ext>
+          </a:extLst>
+        </p:spPr>
+      </p:pic>
+      <p:pic>
+        <p:nvPicPr>
+          <p:cNvPr id="1027" name="Picture 3"/>
+          <p:cNvPicPr>
+            <a:picLocks noChangeAspect="1" noChangeArrowheads="1"/>
+          </p:cNvPicPr>
+          <p:nvPr/>
+        </p:nvPicPr>
+        <p:blipFill>
+          <a:blip r:embed="rId3" cstate="print">
+            <a:extLst>
+              <a:ext uri="{28A0092B-C50C-407E-A947-70E740481C1C}">
+                <a14:useLocalDpi xmlns:a14="http://schemas.microsoft.com/office/drawing/2010/main" val="0"/>
+              </a:ext>
+            </a:extLst>
+          </a:blip>
+          <a:srcRect/>
+          <a:stretch>
+            <a:fillRect/>
+          </a:stretch>
+        </p:blipFill>
+        <p:spPr bwMode="auto">
+          <a:xfrm>
+            <a:off x="5075516" y="1952030"/>
+            <a:ext cx="1657264" cy="900906"/>
+          </a:xfrm>
+          <a:prstGeom prst="rect">
+            <a:avLst/>
+          </a:prstGeom>
+          <a:noFill/>
+          <a:ln>
+            <a:noFill/>
+          </a:ln>
+          <a:effectLst/>
+          <a:extLst>
+            <a:ext uri="{909E8E84-426E-40DD-AFC4-6F175D3DCCD1}">
+              <a14:hiddenFill xmlns:a14="http://schemas.microsoft.com/office/drawing/2010/main">
+                <a:solidFill>
+                  <a:schemeClr val="accent1"/>
+                </a:solidFill>
+              </a14:hiddenFill>
+            </a:ext>
+            <a:ext uri="{91240B29-F687-4F45-9708-019B960494DF}">
+              <a14:hiddenLine xmlns:a14="http://schemas.microsoft.com/office/drawing/2010/main" w="9525">
+                <a:solidFill>
+                  <a:schemeClr val="tx1"/>
+                </a:solidFill>
+                <a:miter lim="800000"/>
+                <a:headEnd/>
+                <a:tailEnd/>
+              </a14:hiddenLine>
+            </a:ext>
+            <a:ext uri="{AF507438-7753-43E0-B8FC-AC1667EBCBE1}">
+              <a14:hiddenEffects xmlns:a14="http://schemas.microsoft.com/office/drawing/2010/main">
+                <a:effectLst>
+                  <a:outerShdw dist="35921" dir="2700000" algn="ctr" rotWithShape="0">
+                    <a:schemeClr val="bg2"/>
+                  </a:outerShdw>
+                </a:effectLst>
+              </a14:hiddenEffects>
+            </a:ext>
+          </a:extLst>
+        </p:spPr>
+      </p:pic>
+      <p:sp>
+        <p:nvSpPr>
+          <p:cNvPr id="10" name="Rectangle 9"/>
+          <p:cNvSpPr/>
+          <p:nvPr/>
+        </p:nvSpPr>
+        <p:spPr>
+          <a:xfrm rot="16200000">
+            <a:off x="-444512" y="1866946"/>
+            <a:ext cx="1761404" cy="276999"/>
+          </a:xfrm>
+          <a:prstGeom prst="rect">
+            <a:avLst/>
+          </a:prstGeom>
+        </p:spPr>
+        <p:txBody>
+          <a:bodyPr wrap="square">
+            <a:spAutoFit/>
+          </a:bodyPr>
+          <a:lstStyle/>
+          <a:p>
+            <a:pPr algn="ctr"/>
+            <a:r>
+              <a:rPr lang="fr-FR" sz="1200" b="1" dirty="0">
+                <a:solidFill>
+                  <a:sysClr val="windowText" lastClr="000000"/>
+                </a:solidFill>
+              </a:rPr>
+              <a:t>Modèle cinématique</a:t>
+            </a:r>
+          </a:p>
+        </p:txBody>
+      </p:sp>
+      <p:sp>
+        <p:nvSpPr>
+          <p:cNvPr id="14" name="Rectangle 13"/>
+          <p:cNvSpPr/>
+          <p:nvPr/>
+        </p:nvSpPr>
+        <p:spPr>
+          <a:xfrm>
+            <a:off x="1606013" y="1133104"/>
+            <a:ext cx="1957875" cy="276999"/>
+          </a:xfrm>
+          <a:prstGeom prst="rect">
+            <a:avLst/>
+          </a:prstGeom>
+        </p:spPr>
+        <p:txBody>
+          <a:bodyPr wrap="square">
+            <a:spAutoFit/>
+          </a:bodyPr>
+          <a:lstStyle/>
+          <a:p>
+            <a:pPr algn="ctr"/>
+            <a:r>
+              <a:rPr lang="fr-FR" sz="1200" b="1" dirty="0" smtClean="0">
+                <a:solidFill>
+                  <a:sysClr val="windowText" lastClr="000000"/>
+                </a:solidFill>
+              </a:rPr>
+              <a:t>Résolution Cinématique</a:t>
+            </a:r>
+            <a:endParaRPr lang="fr-FR" sz="1200" b="1" dirty="0">
+              <a:solidFill>
+                <a:sysClr val="windowText" lastClr="000000"/>
+              </a:solidFill>
+            </a:endParaRPr>
+          </a:p>
+        </p:txBody>
+      </p:sp>
+      <p:sp>
+        <p:nvSpPr>
+          <p:cNvPr id="11" name="Rectangle 10"/>
+          <p:cNvSpPr/>
+          <p:nvPr/>
+        </p:nvSpPr>
+        <p:spPr>
+          <a:xfrm>
+            <a:off x="1792105" y="1484784"/>
+            <a:ext cx="1585690" cy="276999"/>
+          </a:xfrm>
+          <a:prstGeom prst="rect">
+            <a:avLst/>
+          </a:prstGeom>
+        </p:spPr>
+        <p:txBody>
+          <a:bodyPr wrap="none">
+            <a:spAutoFit/>
+          </a:bodyPr>
+          <a:lstStyle/>
+          <a:p>
+            <a:pPr marL="171450" indent="-171450">
+              <a:buFont typeface="Arial" panose="020B0604020202020204" pitchFamily="34" charset="0"/>
+              <a:buChar char="•"/>
+            </a:pPr>
+            <a:r>
+              <a:rPr lang="fr-FR" sz="1200" dirty="0" err="1" smtClean="0">
+                <a:solidFill>
+                  <a:sysClr val="windowText" lastClr="000000"/>
+                </a:solidFill>
+              </a:rPr>
+              <a:t>N</a:t>
+            </a:r>
+            <a:r>
+              <a:rPr lang="fr-FR" sz="1200" baseline="-25000" dirty="0" err="1" smtClean="0">
+                <a:solidFill>
+                  <a:sysClr val="windowText" lastClr="000000"/>
+                </a:solidFill>
+              </a:rPr>
+              <a:t>mot</a:t>
+            </a:r>
+            <a:r>
+              <a:rPr lang="fr-FR" sz="1200" dirty="0" smtClean="0">
+                <a:solidFill>
+                  <a:sysClr val="windowText" lastClr="000000"/>
+                </a:solidFill>
+              </a:rPr>
+              <a:t> = 2200 tr min</a:t>
+            </a:r>
+            <a:r>
+              <a:rPr lang="fr-FR" sz="1200" baseline="30000" dirty="0" smtClean="0">
+                <a:solidFill>
+                  <a:sysClr val="windowText" lastClr="000000"/>
+                </a:solidFill>
+              </a:rPr>
+              <a:t>-1</a:t>
+            </a:r>
+            <a:endParaRPr lang="fr-FR" sz="1200" baseline="30000" dirty="0">
+              <a:solidFill>
+                <a:sysClr val="windowText" lastClr="000000"/>
+              </a:solidFill>
+            </a:endParaRPr>
+          </a:p>
+        </p:txBody>
+      </p:sp>
+    </p:spTree>
+    <p:extLst>
+      <p:ext uri="{BB962C8B-B14F-4D97-AF65-F5344CB8AC3E}">
+        <p14:creationId xmlns:p14="http://schemas.microsoft.com/office/powerpoint/2010/main" val="550750411"/>
+      </p:ext>
+    </p:extLst>
+  </p:cSld>
+  <p:clrMapOvr>
+    <a:masterClrMapping/>
+  </p:clrMapOvr>
+</p:sld>
+</file>
+
+<file path=ppt/slides/slide5.xml><?xml version="1.0" encoding="utf-8"?>
+<p:sld xmlns:a="http://schemas.openxmlformats.org/drawingml/2006/main" xmlns:r="http://schemas.openxmlformats.org/officeDocument/2006/relationships" xmlns:p="http://schemas.openxmlformats.org/presentationml/2006/main">
+  <p:cSld>
+    <p:spTree>
+      <p:nvGrpSpPr>
+        <p:cNvPr id="1" name=""/>
+        <p:cNvGrpSpPr/>
+        <p:nvPr/>
+      </p:nvGrpSpPr>
+      <p:grpSpPr>
+        <a:xfrm>
+          <a:off x="0" y="0"/>
+          <a:ext cx="0" cy="0"/>
+          <a:chOff x="0" y="0"/>
+          <a:chExt cx="0" cy="0"/>
+        </a:xfrm>
+      </p:grpSpPr>
+      <p:sp>
+        <p:nvSpPr>
           <p:cNvPr id="5" name="Rectangle 4"/>
           <p:cNvSpPr/>
           <p:nvPr/>
@@ -10793,8 +16519,8 @@
           </a:p>
         </p:txBody>
       </p:sp>
-      <mc:AlternateContent xmlns:mc="http://schemas.openxmlformats.org/markup-compatibility/2006">
-        <mc:Choice xmlns:a14="http://schemas.microsoft.com/office/drawing/2010/main" Requires="a14">
+      <mc:AlternateContent xmlns:mc="http://schemas.openxmlformats.org/markup-compatibility/2006" xmlns:a14="http://schemas.microsoft.com/office/drawing/2010/main">
+        <mc:Choice Requires="a14">
           <p:graphicFrame>
             <p:nvGraphicFramePr>
               <p:cNvPr id="3" name="Tableau 2"/>
@@ -11629,7 +17355,7 @@
             </a:graphic>
           </p:graphicFrame>
         </mc:Choice>
-        <mc:Fallback>
+        <mc:Fallback xmlns="">
           <p:graphicFrame>
             <p:nvGraphicFramePr>
               <p:cNvPr id="3" name="Tableau 2"/>
@@ -12317,8 +18043,8 @@
           </p:graphicFrame>
         </mc:Fallback>
       </mc:AlternateContent>
-      <mc:AlternateContent xmlns:mc="http://schemas.openxmlformats.org/markup-compatibility/2006">
-        <mc:Choice xmlns:a14="http://schemas.microsoft.com/office/drawing/2010/main" Requires="a14">
+      <mc:AlternateContent xmlns:mc="http://schemas.openxmlformats.org/markup-compatibility/2006" xmlns:a14="http://schemas.microsoft.com/office/drawing/2010/main">
+        <mc:Choice Requires="a14">
           <p:graphicFrame>
             <p:nvGraphicFramePr>
               <p:cNvPr id="17" name="Tableau 16"/>
@@ -13153,7 +18879,7 @@
             </a:graphic>
           </p:graphicFrame>
         </mc:Choice>
-        <mc:Fallback>
+        <mc:Fallback xmlns="">
           <p:graphicFrame>
             <p:nvGraphicFramePr>
               <p:cNvPr id="17" name="Tableau 16"/>
@@ -14116,7 +19842,7 @@
 </p:sld>
 </file>
 
-<file path=ppt/slides/slide3.xml><?xml version="1.0" encoding="utf-8"?>
+<file path=ppt/slides/slide6.xml><?xml version="1.0" encoding="utf-8"?>
 <p:sld xmlns:a="http://schemas.openxmlformats.org/drawingml/2006/main" xmlns:r="http://schemas.openxmlformats.org/officeDocument/2006/relationships" xmlns:p="http://schemas.openxmlformats.org/presentationml/2006/main">
   <p:cSld>
     <p:spTree>
@@ -14595,8 +20321,8 @@
           </a:extLst>
         </p:spPr>
       </p:pic>
-      <mc:AlternateContent xmlns:mc="http://schemas.openxmlformats.org/markup-compatibility/2006">
-        <mc:Choice xmlns:a14="http://schemas.microsoft.com/office/drawing/2010/main" Requires="a14">
+      <mc:AlternateContent xmlns:mc="http://schemas.openxmlformats.org/markup-compatibility/2006" xmlns:a14="http://schemas.microsoft.com/office/drawing/2010/main">
+        <mc:Choice Requires="a14">
           <p:graphicFrame>
             <p:nvGraphicFramePr>
               <p:cNvPr id="3" name="Tableau 2"/>
@@ -15582,7 +21308,7 @@
             </a:graphic>
           </p:graphicFrame>
         </mc:Choice>
-        <mc:Fallback>
+        <mc:Fallback xmlns="">
           <p:graphicFrame>
             <p:nvGraphicFramePr>
               <p:cNvPr id="3" name="Tableau 2"/>
@@ -16375,8 +22101,8 @@
           </a:fontRef>
         </p:style>
       </p:cxnSp>
-      <mc:AlternateContent xmlns:mc="http://schemas.openxmlformats.org/markup-compatibility/2006">
-        <mc:Choice xmlns:a14="http://schemas.microsoft.com/office/drawing/2010/main" Requires="a14">
+      <mc:AlternateContent xmlns:mc="http://schemas.openxmlformats.org/markup-compatibility/2006" xmlns:a14="http://schemas.microsoft.com/office/drawing/2010/main">
+        <mc:Choice Requires="a14">
           <p:sp>
             <p:nvSpPr>
               <p:cNvPr id="16" name="Rectangle 15"/>
@@ -16408,7 +22134,7 @@
                       <m:sSub>
                         <m:sSubPr>
                           <m:ctrlPr>
-                            <a:rPr lang="fr-FR" sz="1100" b="1" i="0" smtClean="0">
+                            <a:rPr lang="fr-FR" sz="1100" b="1" i="1" smtClean="0">
                               <a:solidFill>
                                 <a:sysClr val="windowText" lastClr="000000"/>
                               </a:solidFill>
@@ -16442,7 +22168,7 @@
                       <m:d>
                         <m:dPr>
                           <m:ctrlPr>
-                            <a:rPr lang="fr-FR" sz="1100" b="1" i="0" smtClean="0">
+                            <a:rPr lang="fr-FR" sz="1100" b="1" i="1" smtClean="0">
                               <a:solidFill>
                                 <a:sysClr val="windowText" lastClr="000000"/>
                               </a:solidFill>
@@ -16583,7 +22309,7 @@
             </p:txBody>
           </p:sp>
         </mc:Choice>
-        <mc:Fallback>
+        <mc:Fallback xmlns="">
           <p:sp>
             <p:nvSpPr>
               <p:cNvPr id="16" name="Rectangle 15"/>
@@ -16660,8 +22386,8 @@
           </a:p>
         </p:txBody>
       </p:sp>
-      <mc:AlternateContent xmlns:mc="http://schemas.openxmlformats.org/markup-compatibility/2006">
-        <mc:Choice xmlns:a14="http://schemas.microsoft.com/office/drawing/2010/main" Requires="a14">
+      <mc:AlternateContent xmlns:mc="http://schemas.openxmlformats.org/markup-compatibility/2006" xmlns:a14="http://schemas.microsoft.com/office/drawing/2010/main">
+        <mc:Choice Requires="a14">
           <p:graphicFrame>
             <p:nvGraphicFramePr>
               <p:cNvPr id="22" name="Tableau 21"/>
@@ -17691,7 +23417,7 @@
             </a:graphic>
           </p:graphicFrame>
         </mc:Choice>
-        <mc:Fallback>
+        <mc:Fallback xmlns="">
           <p:graphicFrame>
             <p:nvGraphicFramePr>
               <p:cNvPr id="22" name="Tableau 21"/>
@@ -18436,7 +24162,7 @@
 </p:sld>
 </file>
 
-<file path=ppt/slides/slide4.xml><?xml version="1.0" encoding="utf-8"?>
+<file path=ppt/slides/slide7.xml><?xml version="1.0" encoding="utf-8"?>
 <p:sld xmlns:a="http://schemas.openxmlformats.org/drawingml/2006/main" xmlns:r="http://schemas.openxmlformats.org/officeDocument/2006/relationships" xmlns:p="http://schemas.openxmlformats.org/presentationml/2006/main">
   <p:cSld>
     <p:spTree>
@@ -18761,7 +24487,7 @@
 </p:sld>
 </file>
 
-<file path=ppt/slides/slide5.xml><?xml version="1.0" encoding="utf-8"?>
+<file path=ppt/slides/slide8.xml><?xml version="1.0" encoding="utf-8"?>
 <p:sld xmlns:a="http://schemas.openxmlformats.org/drawingml/2006/main" xmlns:r="http://schemas.openxmlformats.org/officeDocument/2006/relationships" xmlns:p="http://schemas.openxmlformats.org/presentationml/2006/main">
   <p:cSld>
     <p:spTree>
@@ -22643,7 +28369,7 @@
 </p:sld>
 </file>
 
-<file path=ppt/slides/slide6.xml><?xml version="1.0" encoding="utf-8"?>
+<file path=ppt/slides/slide9.xml><?xml version="1.0" encoding="utf-8"?>
 <p:sld xmlns:a="http://schemas.openxmlformats.org/drawingml/2006/main" xmlns:r="http://schemas.openxmlformats.org/officeDocument/2006/relationships" xmlns:p="http://schemas.openxmlformats.org/presentationml/2006/main">
   <p:cSld>
     <p:spTree>
@@ -23256,2411 +28982,6 @@
 </p:sld>
 </file>
 
-<file path=ppt/slides/slide7.xml><?xml version="1.0" encoding="utf-8"?>
-<p:sld xmlns:a="http://schemas.openxmlformats.org/drawingml/2006/main" xmlns:r="http://schemas.openxmlformats.org/officeDocument/2006/relationships" xmlns:p="http://schemas.openxmlformats.org/presentationml/2006/main">
-  <p:cSld>
-    <p:spTree>
-      <p:nvGrpSpPr>
-        <p:cNvPr id="1" name=""/>
-        <p:cNvGrpSpPr/>
-        <p:nvPr/>
-      </p:nvGrpSpPr>
-      <p:grpSpPr>
-        <a:xfrm>
-          <a:off x="0" y="0"/>
-          <a:ext cx="0" cy="0"/>
-          <a:chOff x="0" y="0"/>
-          <a:chExt cx="0" cy="0"/>
-        </a:xfrm>
-      </p:grpSpPr>
-      <p:sp>
-        <p:nvSpPr>
-          <p:cNvPr id="5" name="Rectangle 4"/>
-          <p:cNvSpPr/>
-          <p:nvPr/>
-        </p:nvSpPr>
-        <p:spPr>
-          <a:xfrm>
-            <a:off x="971600" y="1628800"/>
-            <a:ext cx="1440160" cy="288032"/>
-          </a:xfrm>
-          <a:prstGeom prst="rect">
-            <a:avLst/>
-          </a:prstGeom>
-          <a:solidFill>
-            <a:schemeClr val="accent5">
-              <a:lumMod val="20000"/>
-              <a:lumOff val="80000"/>
-            </a:schemeClr>
-          </a:solidFill>
-          <a:ln w="9525">
-            <a:solidFill>
-              <a:schemeClr val="accent5">
-                <a:lumMod val="50000"/>
-              </a:schemeClr>
-            </a:solidFill>
-          </a:ln>
-        </p:spPr>
-        <p:style>
-          <a:lnRef idx="2">
-            <a:schemeClr val="accent1">
-              <a:shade val="50000"/>
-            </a:schemeClr>
-          </a:lnRef>
-          <a:fillRef idx="1">
-            <a:schemeClr val="accent1"/>
-          </a:fillRef>
-          <a:effectRef idx="0">
-            <a:schemeClr val="accent1"/>
-          </a:effectRef>
-          <a:fontRef idx="minor">
-            <a:schemeClr val="lt1"/>
-          </a:fontRef>
-        </p:style>
-        <p:txBody>
-          <a:bodyPr rtlCol="0" anchor="ctr"/>
-          <a:lstStyle/>
-          <a:p>
-            <a:pPr algn="ctr"/>
-            <a:r>
-              <a:rPr lang="fr-FR" sz="1000" dirty="0" smtClean="0">
-                <a:solidFill>
-                  <a:sysClr val="windowText" lastClr="000000"/>
-                </a:solidFill>
-              </a:rPr>
-              <a:t>Domaine du client</a:t>
-            </a:r>
-            <a:endParaRPr lang="fr-FR" sz="1000" dirty="0">
-              <a:solidFill>
-                <a:sysClr val="windowText" lastClr="000000"/>
-              </a:solidFill>
-            </a:endParaRPr>
-          </a:p>
-        </p:txBody>
-      </p:sp>
-      <p:sp>
-        <p:nvSpPr>
-          <p:cNvPr id="6" name="Rectangle 5"/>
-          <p:cNvSpPr/>
-          <p:nvPr/>
-        </p:nvSpPr>
-        <p:spPr>
-          <a:xfrm>
-            <a:off x="971600" y="1985071"/>
-            <a:ext cx="1440160" cy="1512168"/>
-          </a:xfrm>
-          <a:prstGeom prst="rect">
-            <a:avLst/>
-          </a:prstGeom>
-          <a:solidFill>
-            <a:schemeClr val="accent5">
-              <a:lumMod val="20000"/>
-              <a:lumOff val="80000"/>
-            </a:schemeClr>
-          </a:solidFill>
-          <a:ln w="9525">
-            <a:solidFill>
-              <a:schemeClr val="accent5">
-                <a:lumMod val="50000"/>
-              </a:schemeClr>
-            </a:solidFill>
-          </a:ln>
-        </p:spPr>
-        <p:style>
-          <a:lnRef idx="2">
-            <a:schemeClr val="accent1">
-              <a:shade val="50000"/>
-            </a:schemeClr>
-          </a:lnRef>
-          <a:fillRef idx="1">
-            <a:schemeClr val="accent1"/>
-          </a:fillRef>
-          <a:effectRef idx="0">
-            <a:schemeClr val="accent1"/>
-          </a:effectRef>
-          <a:fontRef idx="minor">
-            <a:schemeClr val="lt1"/>
-          </a:fontRef>
-        </p:style>
-        <p:txBody>
-          <a:bodyPr rtlCol="0" anchor="ctr"/>
-          <a:lstStyle/>
-          <a:p>
-            <a:pPr algn="ctr"/>
-            <a:endParaRPr lang="fr-FR" sz="1000" dirty="0">
-              <a:solidFill>
-                <a:sysClr val="windowText" lastClr="000000"/>
-              </a:solidFill>
-            </a:endParaRPr>
-          </a:p>
-        </p:txBody>
-      </p:sp>
-      <p:sp>
-        <p:nvSpPr>
-          <p:cNvPr id="8" name="Rectangle 7"/>
-          <p:cNvSpPr/>
-          <p:nvPr/>
-        </p:nvSpPr>
-        <p:spPr>
-          <a:xfrm>
-            <a:off x="2754201" y="1628800"/>
-            <a:ext cx="1440160" cy="288032"/>
-          </a:xfrm>
-          <a:prstGeom prst="rect">
-            <a:avLst/>
-          </a:prstGeom>
-          <a:solidFill>
-            <a:schemeClr val="accent2">
-              <a:lumMod val="20000"/>
-              <a:lumOff val="80000"/>
-            </a:schemeClr>
-          </a:solidFill>
-          <a:ln w="9525">
-            <a:solidFill>
-              <a:schemeClr val="accent2"/>
-            </a:solidFill>
-          </a:ln>
-        </p:spPr>
-        <p:style>
-          <a:lnRef idx="2">
-            <a:schemeClr val="accent1">
-              <a:shade val="50000"/>
-            </a:schemeClr>
-          </a:lnRef>
-          <a:fillRef idx="1">
-            <a:schemeClr val="accent1"/>
-          </a:fillRef>
-          <a:effectRef idx="0">
-            <a:schemeClr val="accent1"/>
-          </a:effectRef>
-          <a:fontRef idx="minor">
-            <a:schemeClr val="lt1"/>
-          </a:fontRef>
-        </p:style>
-        <p:txBody>
-          <a:bodyPr rtlCol="0" anchor="ctr"/>
-          <a:lstStyle/>
-          <a:p>
-            <a:pPr algn="ctr"/>
-            <a:r>
-              <a:rPr lang="fr-FR" sz="1000" dirty="0" smtClean="0">
-                <a:solidFill>
-                  <a:sysClr val="windowText" lastClr="000000"/>
-                </a:solidFill>
-              </a:rPr>
-              <a:t>Domaine de la modélisation</a:t>
-            </a:r>
-            <a:endParaRPr lang="fr-FR" sz="1000" dirty="0">
-              <a:solidFill>
-                <a:sysClr val="windowText" lastClr="000000"/>
-              </a:solidFill>
-            </a:endParaRPr>
-          </a:p>
-        </p:txBody>
-      </p:sp>
-      <p:sp>
-        <p:nvSpPr>
-          <p:cNvPr id="9" name="Rectangle 8"/>
-          <p:cNvSpPr/>
-          <p:nvPr/>
-        </p:nvSpPr>
-        <p:spPr>
-          <a:xfrm>
-            <a:off x="2754201" y="1985071"/>
-            <a:ext cx="1440160" cy="1519706"/>
-          </a:xfrm>
-          <a:prstGeom prst="rect">
-            <a:avLst/>
-          </a:prstGeom>
-          <a:solidFill>
-            <a:schemeClr val="accent2">
-              <a:lumMod val="20000"/>
-              <a:lumOff val="80000"/>
-            </a:schemeClr>
-          </a:solidFill>
-          <a:ln w="9525">
-            <a:solidFill>
-              <a:schemeClr val="accent2"/>
-            </a:solidFill>
-          </a:ln>
-        </p:spPr>
-        <p:style>
-          <a:lnRef idx="2">
-            <a:schemeClr val="accent1">
-              <a:shade val="50000"/>
-            </a:schemeClr>
-          </a:lnRef>
-          <a:fillRef idx="1">
-            <a:schemeClr val="accent1"/>
-          </a:fillRef>
-          <a:effectRef idx="0">
-            <a:schemeClr val="accent1"/>
-          </a:effectRef>
-          <a:fontRef idx="minor">
-            <a:schemeClr val="lt1"/>
-          </a:fontRef>
-        </p:style>
-        <p:txBody>
-          <a:bodyPr rtlCol="0" anchor="ctr"/>
-          <a:lstStyle/>
-          <a:p>
-            <a:pPr algn="ctr"/>
-            <a:endParaRPr lang="fr-FR" sz="1000" dirty="0">
-              <a:solidFill>
-                <a:sysClr val="windowText" lastClr="000000"/>
-              </a:solidFill>
-            </a:endParaRPr>
-          </a:p>
-        </p:txBody>
-      </p:sp>
-      <p:sp>
-        <p:nvSpPr>
-          <p:cNvPr id="10" name="Rectangle 9"/>
-          <p:cNvSpPr/>
-          <p:nvPr/>
-        </p:nvSpPr>
-        <p:spPr>
-          <a:xfrm>
-            <a:off x="2910953" y="2051721"/>
-            <a:ext cx="1126656" cy="1389432"/>
-          </a:xfrm>
-          <a:prstGeom prst="rect">
-            <a:avLst/>
-          </a:prstGeom>
-          <a:solidFill>
-            <a:schemeClr val="accent2">
-              <a:lumMod val="20000"/>
-              <a:lumOff val="80000"/>
-            </a:schemeClr>
-          </a:solidFill>
-          <a:ln w="9525">
-            <a:solidFill>
-              <a:schemeClr val="accent2"/>
-            </a:solidFill>
-          </a:ln>
-        </p:spPr>
-        <p:style>
-          <a:lnRef idx="2">
-            <a:schemeClr val="accent1">
-              <a:shade val="50000"/>
-            </a:schemeClr>
-          </a:lnRef>
-          <a:fillRef idx="1">
-            <a:schemeClr val="accent1"/>
-          </a:fillRef>
-          <a:effectRef idx="0">
-            <a:schemeClr val="accent1"/>
-          </a:effectRef>
-          <a:fontRef idx="minor">
-            <a:schemeClr val="lt1"/>
-          </a:fontRef>
-        </p:style>
-        <p:txBody>
-          <a:bodyPr rtlCol="0" anchor="t"/>
-          <a:lstStyle/>
-          <a:p>
-            <a:pPr algn="ctr"/>
-            <a:r>
-              <a:rPr lang="fr-FR" sz="1000" b="1" dirty="0" smtClean="0">
-                <a:solidFill>
-                  <a:sysClr val="windowText" lastClr="000000"/>
-                </a:solidFill>
-              </a:rPr>
-              <a:t>Détermination des lois en effort en utilisant le PFS</a:t>
-            </a:r>
-          </a:p>
-        </p:txBody>
-      </p:sp>
-      <p:pic>
-        <p:nvPicPr>
-          <p:cNvPr id="2" name="Picture 2" descr="C:\Enseignement\GitHub\Cy_04_PSI_ModelisationDynamique\Revisions_Statique\Fiche_01_Statique_3D_TD_01_MC2E\images\fig_03.png"/>
-          <p:cNvPicPr>
-            <a:picLocks noChangeAspect="1" noChangeArrowheads="1"/>
-          </p:cNvPicPr>
-          <p:nvPr/>
-        </p:nvPicPr>
-        <p:blipFill rotWithShape="1">
-          <a:blip r:embed="rId2">
-            <a:extLst>
-              <a:ext uri="{28A0092B-C50C-407E-A947-70E740481C1C}">
-                <a14:useLocalDpi xmlns:a14="http://schemas.microsoft.com/office/drawing/2010/main" val="0"/>
-              </a:ext>
-            </a:extLst>
-          </a:blip>
-          <a:srcRect l="51117" t="54395" r="26802" b="-68"/>
-          <a:stretch/>
-        </p:blipFill>
-        <p:spPr bwMode="auto">
-          <a:xfrm>
-            <a:off x="1088030" y="2088420"/>
-            <a:ext cx="1207299" cy="963846"/>
-          </a:xfrm>
-          <a:prstGeom prst="rect">
-            <a:avLst/>
-          </a:prstGeom>
-          <a:noFill/>
-          <a:extLst>
-            <a:ext uri="{909E8E84-426E-40DD-AFC4-6F175D3DCCD1}">
-              <a14:hiddenFill xmlns:a14="http://schemas.microsoft.com/office/drawing/2010/main">
-                <a:solidFill>
-                  <a:srgbClr val="FFFFFF"/>
-                </a:solidFill>
-              </a14:hiddenFill>
-            </a:ext>
-          </a:extLst>
-        </p:spPr>
-      </p:pic>
-      <p:sp>
-        <p:nvSpPr>
-          <p:cNvPr id="14" name="Rectangle 13"/>
-          <p:cNvSpPr/>
-          <p:nvPr/>
-        </p:nvSpPr>
-        <p:spPr>
-          <a:xfrm>
-            <a:off x="6660232" y="1628800"/>
-            <a:ext cx="1440160" cy="288032"/>
-          </a:xfrm>
-          <a:prstGeom prst="rect">
-            <a:avLst/>
-          </a:prstGeom>
-          <a:solidFill>
-            <a:schemeClr val="accent3">
-              <a:lumMod val="20000"/>
-              <a:lumOff val="80000"/>
-            </a:schemeClr>
-          </a:solidFill>
-          <a:ln w="9525">
-            <a:solidFill>
-              <a:schemeClr val="accent3">
-                <a:lumMod val="50000"/>
-              </a:schemeClr>
-            </a:solidFill>
-          </a:ln>
-        </p:spPr>
-        <p:style>
-          <a:lnRef idx="2">
-            <a:schemeClr val="accent1">
-              <a:shade val="50000"/>
-            </a:schemeClr>
-          </a:lnRef>
-          <a:fillRef idx="1">
-            <a:schemeClr val="accent1"/>
-          </a:fillRef>
-          <a:effectRef idx="0">
-            <a:schemeClr val="accent1"/>
-          </a:effectRef>
-          <a:fontRef idx="minor">
-            <a:schemeClr val="lt1"/>
-          </a:fontRef>
-        </p:style>
-        <p:txBody>
-          <a:bodyPr rtlCol="0" anchor="ctr"/>
-          <a:lstStyle/>
-          <a:p>
-            <a:pPr algn="ctr"/>
-            <a:r>
-              <a:rPr lang="fr-FR" sz="1000" dirty="0" smtClean="0">
-                <a:solidFill>
-                  <a:sysClr val="windowText" lastClr="000000"/>
-                </a:solidFill>
-              </a:rPr>
-              <a:t>Domaine de l’expérimentation</a:t>
-            </a:r>
-            <a:endParaRPr lang="fr-FR" sz="1000" dirty="0">
-              <a:solidFill>
-                <a:sysClr val="windowText" lastClr="000000"/>
-              </a:solidFill>
-            </a:endParaRPr>
-          </a:p>
-        </p:txBody>
-      </p:sp>
-      <p:sp>
-        <p:nvSpPr>
-          <p:cNvPr id="15" name="Rectangle 14"/>
-          <p:cNvSpPr/>
-          <p:nvPr/>
-        </p:nvSpPr>
-        <p:spPr>
-          <a:xfrm>
-            <a:off x="6660232" y="1985071"/>
-            <a:ext cx="1440160" cy="1519706"/>
-          </a:xfrm>
-          <a:prstGeom prst="rect">
-            <a:avLst/>
-          </a:prstGeom>
-          <a:solidFill>
-            <a:schemeClr val="accent3">
-              <a:lumMod val="20000"/>
-              <a:lumOff val="80000"/>
-            </a:schemeClr>
-          </a:solidFill>
-          <a:ln w="9525">
-            <a:solidFill>
-              <a:schemeClr val="accent3">
-                <a:lumMod val="50000"/>
-              </a:schemeClr>
-            </a:solidFill>
-          </a:ln>
-        </p:spPr>
-        <p:style>
-          <a:lnRef idx="2">
-            <a:schemeClr val="accent1">
-              <a:shade val="50000"/>
-            </a:schemeClr>
-          </a:lnRef>
-          <a:fillRef idx="1">
-            <a:schemeClr val="accent1"/>
-          </a:fillRef>
-          <a:effectRef idx="0">
-            <a:schemeClr val="accent1"/>
-          </a:effectRef>
-          <a:fontRef idx="minor">
-            <a:schemeClr val="lt1"/>
-          </a:fontRef>
-        </p:style>
-        <p:txBody>
-          <a:bodyPr rtlCol="0" anchor="ctr"/>
-          <a:lstStyle/>
-          <a:p>
-            <a:pPr algn="ctr"/>
-            <a:endParaRPr lang="fr-FR" sz="1000" dirty="0">
-              <a:solidFill>
-                <a:sysClr val="windowText" lastClr="000000"/>
-              </a:solidFill>
-            </a:endParaRPr>
-          </a:p>
-        </p:txBody>
-      </p:sp>
-      <p:sp>
-        <p:nvSpPr>
-          <p:cNvPr id="16" name="Rectangle 15"/>
-          <p:cNvSpPr/>
-          <p:nvPr/>
-        </p:nvSpPr>
-        <p:spPr>
-          <a:xfrm>
-            <a:off x="6767439" y="2051721"/>
-            <a:ext cx="1225746" cy="1389432"/>
-          </a:xfrm>
-          <a:prstGeom prst="rect">
-            <a:avLst/>
-          </a:prstGeom>
-          <a:solidFill>
-            <a:schemeClr val="accent3">
-              <a:lumMod val="20000"/>
-              <a:lumOff val="80000"/>
-            </a:schemeClr>
-          </a:solidFill>
-          <a:ln w="9525">
-            <a:solidFill>
-              <a:schemeClr val="accent3">
-                <a:lumMod val="50000"/>
-              </a:schemeClr>
-            </a:solidFill>
-          </a:ln>
-        </p:spPr>
-        <p:style>
-          <a:lnRef idx="2">
-            <a:schemeClr val="accent1">
-              <a:shade val="50000"/>
-            </a:schemeClr>
-          </a:lnRef>
-          <a:fillRef idx="1">
-            <a:schemeClr val="accent1"/>
-          </a:fillRef>
-          <a:effectRef idx="0">
-            <a:schemeClr val="accent1"/>
-          </a:effectRef>
-          <a:fontRef idx="minor">
-            <a:schemeClr val="lt1"/>
-          </a:fontRef>
-        </p:style>
-        <p:txBody>
-          <a:bodyPr rtlCol="0" anchor="t"/>
-          <a:lstStyle/>
-          <a:p>
-            <a:pPr algn="ctr"/>
-            <a:r>
-              <a:rPr lang="fr-FR" sz="1000" b="1" dirty="0" smtClean="0">
-                <a:solidFill>
-                  <a:sysClr val="windowText" lastClr="000000"/>
-                </a:solidFill>
-              </a:rPr>
-              <a:t>Calibration du poids de E.</a:t>
-            </a:r>
-            <a:endParaRPr lang="fr-FR" sz="1000" b="1" dirty="0">
-              <a:solidFill>
-                <a:sysClr val="windowText" lastClr="000000"/>
-              </a:solidFill>
-            </a:endParaRPr>
-          </a:p>
-        </p:txBody>
-      </p:sp>
-      <mc:AlternateContent xmlns:mc="http://schemas.openxmlformats.org/markup-compatibility/2006" xmlns:a14="http://schemas.microsoft.com/office/drawing/2010/main">
-        <mc:Choice Requires="a14">
-          <p:sp>
-            <p:nvSpPr>
-              <p:cNvPr id="4" name="Double flèche horizontale 3"/>
-              <p:cNvSpPr/>
-              <p:nvPr/>
-            </p:nvSpPr>
-            <p:spPr>
-              <a:xfrm>
-                <a:off x="3923928" y="1472978"/>
-                <a:ext cx="3096343" cy="2194730"/>
-              </a:xfrm>
-              <a:prstGeom prst="leftRightArrow">
-                <a:avLst>
-                  <a:gd name="adj1" fmla="val 75253"/>
-                  <a:gd name="adj2" fmla="val 22762"/>
-                </a:avLst>
-              </a:prstGeom>
-              <a:solidFill>
-                <a:schemeClr val="accent6">
-                  <a:lumMod val="20000"/>
-                  <a:lumOff val="80000"/>
-                </a:schemeClr>
-              </a:solidFill>
-              <a:ln w="9525">
-                <a:solidFill>
-                  <a:schemeClr val="accent6">
-                    <a:lumMod val="50000"/>
-                  </a:schemeClr>
-                </a:solidFill>
-              </a:ln>
-            </p:spPr>
-            <p:style>
-              <a:lnRef idx="2">
-                <a:schemeClr val="accent1">
-                  <a:shade val="50000"/>
-                </a:schemeClr>
-              </a:lnRef>
-              <a:fillRef idx="1">
-                <a:schemeClr val="accent1"/>
-              </a:fillRef>
-              <a:effectRef idx="0">
-                <a:schemeClr val="accent1"/>
-              </a:effectRef>
-              <a:fontRef idx="minor">
-                <a:schemeClr val="lt1"/>
-              </a:fontRef>
-            </p:style>
-            <p:txBody>
-              <a:bodyPr rtlCol="0" anchor="ctr"/>
-              <a:lstStyle/>
-              <a:p>
-                <a:pPr algn="ctr"/>
-                <a:r>
-                  <a:rPr lang="fr-FR" sz="900" dirty="0" smtClean="0">
-                    <a:solidFill>
-                      <a:sysClr val="windowText" lastClr="000000"/>
-                    </a:solidFill>
-                  </a:rPr>
-                  <a:t>Détermination de la compensation en effort</a:t>
-                </a:r>
-              </a:p>
-              <a:p>
-                <a:pPr algn="ctr"/>
-                <a:r>
-                  <a:rPr lang="fr-FR" sz="1050" b="1" dirty="0" smtClean="0">
-                    <a:solidFill>
-                      <a:sysClr val="windowText" lastClr="000000"/>
-                    </a:solidFill>
-                  </a:rPr>
-                  <a:t>Erreur due à la mesure du  poids lors de la compensation  : 0,4%</a:t>
-                </a:r>
-              </a:p>
-              <a:p>
-                <a:pPr algn="ctr"/>
-                <a:endParaRPr lang="fr-FR" sz="1050" b="1" dirty="0" smtClean="0">
-                  <a:solidFill>
-                    <a:sysClr val="windowText" lastClr="000000"/>
-                  </a:solidFill>
-                </a:endParaRPr>
-              </a:p>
-              <a:p>
-                <a:pPr algn="ctr"/>
-                <a:r>
-                  <a:rPr lang="fr-FR" sz="1050" b="1" dirty="0" smtClean="0">
-                    <a:solidFill>
-                      <a:sysClr val="windowText" lastClr="000000"/>
-                    </a:solidFill>
-                  </a:rPr>
-                  <a:t>Méthode de compensation du poids : </a:t>
-                </a:r>
-              </a:p>
-              <a:p>
-                <a:pPr algn="ctr"/>
-                <a:r>
-                  <a:rPr lang="fr-FR" sz="1000" dirty="0">
-                    <a:solidFill>
-                      <a:schemeClr val="tx1"/>
-                    </a:solidFill>
-                  </a:rPr>
-                  <a:t>Pour compenser le pesanteur, il faudra donc retrancher </a:t>
-                </a:r>
-                <a14:m>
-                  <m:oMath xmlns:m="http://schemas.openxmlformats.org/officeDocument/2006/math">
-                    <m:sSub>
-                      <m:sSubPr>
-                        <m:ctrlPr>
-                          <a:rPr lang="fr-FR" sz="1000" i="1" dirty="0" smtClean="0">
-                            <a:solidFill>
-                              <a:schemeClr val="tx1"/>
-                            </a:solidFill>
-                            <a:latin typeface="Cambria Math"/>
-                          </a:rPr>
-                        </m:ctrlPr>
-                      </m:sSubPr>
-                      <m:e>
-                        <m:r>
-                          <a:rPr lang="fr-FR" sz="1000" i="1" dirty="0" smtClean="0">
-                            <a:solidFill>
-                              <a:schemeClr val="tx1"/>
-                            </a:solidFill>
-                            <a:latin typeface="Cambria Math"/>
-                          </a:rPr>
-                          <m:t>𝐹</m:t>
-                        </m:r>
-                      </m:e>
-                      <m:sub>
-                        <m:r>
-                          <a:rPr lang="fr-FR" sz="1000" i="1" dirty="0">
-                            <a:solidFill>
-                              <a:schemeClr val="tx1"/>
-                            </a:solidFill>
-                            <a:latin typeface="Cambria Math"/>
-                          </a:rPr>
-                          <m:t>𝑧</m:t>
-                        </m:r>
-                        <m:r>
-                          <a:rPr lang="fr-FR" sz="1000" i="1" dirty="0">
-                            <a:solidFill>
-                              <a:schemeClr val="tx1"/>
-                            </a:solidFill>
-                            <a:latin typeface="Cambria Math"/>
-                          </a:rPr>
-                          <m:t>20</m:t>
-                        </m:r>
-                      </m:sub>
-                    </m:sSub>
-                  </m:oMath>
-                </a14:m>
-                <a:r>
-                  <a:rPr lang="fr-FR" sz="1000" dirty="0" smtClean="0">
-                    <a:solidFill>
-                      <a:schemeClr val="tx1"/>
-                    </a:solidFill>
-                  </a:rPr>
-                  <a:t> </a:t>
-                </a:r>
-                <a:r>
-                  <a:rPr lang="fr-FR" sz="1000" dirty="0">
-                    <a:solidFill>
-                      <a:schemeClr val="tx1"/>
-                    </a:solidFill>
-                  </a:rPr>
-                  <a:t>à la valeur de </a:t>
-                </a:r>
-                <a14:m>
-                  <m:oMath xmlns:m="http://schemas.openxmlformats.org/officeDocument/2006/math">
-                    <m:sSub>
-                      <m:sSubPr>
-                        <m:ctrlPr>
-                          <a:rPr lang="fr-FR" sz="1000" i="1" dirty="0">
-                            <a:solidFill>
-                              <a:schemeClr val="tx1"/>
-                            </a:solidFill>
-                            <a:latin typeface="Cambria Math"/>
-                          </a:rPr>
-                        </m:ctrlPr>
-                      </m:sSubPr>
-                      <m:e>
-                        <m:r>
-                          <a:rPr lang="fr-FR" sz="1000" i="1" dirty="0">
-                            <a:solidFill>
-                              <a:schemeClr val="tx1"/>
-                            </a:solidFill>
-                            <a:latin typeface="Cambria Math"/>
-                          </a:rPr>
-                          <m:t>𝐹</m:t>
-                        </m:r>
-                      </m:e>
-                      <m:sub>
-                        <m:r>
-                          <a:rPr lang="fr-FR" sz="1000" i="1" dirty="0">
-                            <a:solidFill>
-                              <a:schemeClr val="tx1"/>
-                            </a:solidFill>
-                            <a:latin typeface="Cambria Math"/>
-                          </a:rPr>
-                          <m:t>𝑧</m:t>
-                        </m:r>
-                      </m:sub>
-                    </m:sSub>
-                    <m:r>
-                      <a:rPr lang="fr-FR" sz="1000" i="1" dirty="0">
-                        <a:solidFill>
-                          <a:schemeClr val="tx1"/>
-                        </a:solidFill>
-                        <a:latin typeface="Cambria Math"/>
-                      </a:rPr>
-                      <m:t> </m:t>
-                    </m:r>
-                  </m:oMath>
-                </a14:m>
-                <a:r>
-                  <a:rPr lang="fr-FR" sz="1000" dirty="0" smtClean="0">
-                    <a:solidFill>
-                      <a:schemeClr val="tx1"/>
-                    </a:solidFill>
-                  </a:rPr>
-                  <a:t>mesurée </a:t>
-                </a:r>
-                <a:r>
-                  <a:rPr lang="fr-FR" sz="1000" dirty="0">
-                    <a:solidFill>
-                      <a:schemeClr val="tx1"/>
-                    </a:solidFill>
-                  </a:rPr>
-                  <a:t>sous  </a:t>
-                </a:r>
-                <a:r>
-                  <a:rPr lang="fr-FR" sz="1000" dirty="0" smtClean="0">
-                    <a:solidFill>
-                      <a:schemeClr val="tx1"/>
-                    </a:solidFill>
-                  </a:rPr>
-                  <a:t>« charge ». </a:t>
-                </a:r>
-                <a:endParaRPr lang="fr-FR" sz="1000" b="1" dirty="0">
-                  <a:solidFill>
-                    <a:sysClr val="windowText" lastClr="000000"/>
-                  </a:solidFill>
-                </a:endParaRPr>
-              </a:p>
-            </p:txBody>
-          </p:sp>
-        </mc:Choice>
-        <mc:Fallback xmlns="">
-          <p:sp>
-            <p:nvSpPr>
-              <p:cNvPr id="4" name="Double flèche horizontale 3"/>
-              <p:cNvSpPr>
-                <a:spLocks noRot="1" noChangeAspect="1" noMove="1" noResize="1" noEditPoints="1" noAdjustHandles="1" noChangeArrowheads="1" noChangeShapeType="1" noTextEdit="1"/>
-              </p:cNvSpPr>
-              <p:nvPr/>
-            </p:nvSpPr>
-            <p:spPr>
-              <a:xfrm>
-                <a:off x="3923928" y="1472978"/>
-                <a:ext cx="3096343" cy="2194730"/>
-              </a:xfrm>
-              <a:prstGeom prst="leftRightArrow">
-                <a:avLst>
-                  <a:gd name="adj1" fmla="val 75253"/>
-                  <a:gd name="adj2" fmla="val 22762"/>
-                </a:avLst>
-              </a:prstGeom>
-              <a:blipFill rotWithShape="1">
-                <a:blip r:embed="rId3"/>
-                <a:stretch>
-                  <a:fillRect/>
-                </a:stretch>
-              </a:blipFill>
-              <a:ln w="9525">
-                <a:solidFill>
-                  <a:schemeClr val="accent6">
-                    <a:lumMod val="50000"/>
-                  </a:schemeClr>
-                </a:solidFill>
-              </a:ln>
-            </p:spPr>
-            <p:txBody>
-              <a:bodyPr/>
-              <a:lstStyle/>
-              <a:p>
-                <a:r>
-                  <a:rPr lang="fr-FR">
-                    <a:noFill/>
-                  </a:rPr>
-                  <a:t> </a:t>
-                </a:r>
-              </a:p>
-            </p:txBody>
-          </p:sp>
-        </mc:Fallback>
-      </mc:AlternateContent>
-    </p:spTree>
-    <p:extLst>
-      <p:ext uri="{BB962C8B-B14F-4D97-AF65-F5344CB8AC3E}">
-        <p14:creationId xmlns:p14="http://schemas.microsoft.com/office/powerpoint/2010/main" val="4245283713"/>
-      </p:ext>
-    </p:extLst>
-  </p:cSld>
-  <p:clrMapOvr>
-    <a:masterClrMapping/>
-  </p:clrMapOvr>
-</p:sld>
-</file>
-
-<file path=ppt/slides/slide8.xml><?xml version="1.0" encoding="utf-8"?>
-<p:sld xmlns:a="http://schemas.openxmlformats.org/drawingml/2006/main" xmlns:r="http://schemas.openxmlformats.org/officeDocument/2006/relationships" xmlns:p="http://schemas.openxmlformats.org/presentationml/2006/main">
-  <p:cSld>
-    <p:spTree>
-      <p:nvGrpSpPr>
-        <p:cNvPr id="1" name=""/>
-        <p:cNvGrpSpPr/>
-        <p:nvPr/>
-      </p:nvGrpSpPr>
-      <p:grpSpPr>
-        <a:xfrm>
-          <a:off x="0" y="0"/>
-          <a:ext cx="0" cy="0"/>
-          <a:chOff x="0" y="0"/>
-          <a:chExt cx="0" cy="0"/>
-        </a:xfrm>
-      </p:grpSpPr>
-      <p:sp>
-        <p:nvSpPr>
-          <p:cNvPr id="5" name="Rectangle 4"/>
-          <p:cNvSpPr/>
-          <p:nvPr/>
-        </p:nvSpPr>
-        <p:spPr>
-          <a:xfrm>
-            <a:off x="971600" y="1628800"/>
-            <a:ext cx="1440160" cy="288032"/>
-          </a:xfrm>
-          <a:prstGeom prst="rect">
-            <a:avLst/>
-          </a:prstGeom>
-          <a:solidFill>
-            <a:schemeClr val="accent5">
-              <a:lumMod val="20000"/>
-              <a:lumOff val="80000"/>
-            </a:schemeClr>
-          </a:solidFill>
-          <a:ln w="9525">
-            <a:solidFill>
-              <a:schemeClr val="accent5">
-                <a:lumMod val="50000"/>
-              </a:schemeClr>
-            </a:solidFill>
-          </a:ln>
-        </p:spPr>
-        <p:style>
-          <a:lnRef idx="2">
-            <a:schemeClr val="accent1">
-              <a:shade val="50000"/>
-            </a:schemeClr>
-          </a:lnRef>
-          <a:fillRef idx="1">
-            <a:schemeClr val="accent1"/>
-          </a:fillRef>
-          <a:effectRef idx="0">
-            <a:schemeClr val="accent1"/>
-          </a:effectRef>
-          <a:fontRef idx="minor">
-            <a:schemeClr val="lt1"/>
-          </a:fontRef>
-        </p:style>
-        <p:txBody>
-          <a:bodyPr rtlCol="0" anchor="ctr"/>
-          <a:lstStyle/>
-          <a:p>
-            <a:pPr algn="ctr"/>
-            <a:r>
-              <a:rPr lang="fr-FR" sz="1000" dirty="0" smtClean="0">
-                <a:solidFill>
-                  <a:sysClr val="windowText" lastClr="000000"/>
-                </a:solidFill>
-              </a:rPr>
-              <a:t>Domaine du client</a:t>
-            </a:r>
-            <a:endParaRPr lang="fr-FR" sz="1000" dirty="0">
-              <a:solidFill>
-                <a:sysClr val="windowText" lastClr="000000"/>
-              </a:solidFill>
-            </a:endParaRPr>
-          </a:p>
-        </p:txBody>
-      </p:sp>
-      <p:sp>
-        <p:nvSpPr>
-          <p:cNvPr id="6" name="Rectangle 5"/>
-          <p:cNvSpPr/>
-          <p:nvPr/>
-        </p:nvSpPr>
-        <p:spPr>
-          <a:xfrm>
-            <a:off x="971600" y="1985071"/>
-            <a:ext cx="1440160" cy="1512168"/>
-          </a:xfrm>
-          <a:prstGeom prst="rect">
-            <a:avLst/>
-          </a:prstGeom>
-          <a:solidFill>
-            <a:schemeClr val="accent5">
-              <a:lumMod val="20000"/>
-              <a:lumOff val="80000"/>
-            </a:schemeClr>
-          </a:solidFill>
-          <a:ln w="9525">
-            <a:solidFill>
-              <a:schemeClr val="accent5">
-                <a:lumMod val="50000"/>
-              </a:schemeClr>
-            </a:solidFill>
-          </a:ln>
-        </p:spPr>
-        <p:style>
-          <a:lnRef idx="2">
-            <a:schemeClr val="accent1">
-              <a:shade val="50000"/>
-            </a:schemeClr>
-          </a:lnRef>
-          <a:fillRef idx="1">
-            <a:schemeClr val="accent1"/>
-          </a:fillRef>
-          <a:effectRef idx="0">
-            <a:schemeClr val="accent1"/>
-          </a:effectRef>
-          <a:fontRef idx="minor">
-            <a:schemeClr val="lt1"/>
-          </a:fontRef>
-        </p:style>
-        <p:txBody>
-          <a:bodyPr rtlCol="0" anchor="ctr"/>
-          <a:lstStyle/>
-          <a:p>
-            <a:pPr algn="ctr"/>
-            <a:endParaRPr lang="fr-FR" sz="1000" dirty="0">
-              <a:solidFill>
-                <a:sysClr val="windowText" lastClr="000000"/>
-              </a:solidFill>
-            </a:endParaRPr>
-          </a:p>
-        </p:txBody>
-      </p:sp>
-      <p:sp>
-        <p:nvSpPr>
-          <p:cNvPr id="8" name="Rectangle 7"/>
-          <p:cNvSpPr/>
-          <p:nvPr/>
-        </p:nvSpPr>
-        <p:spPr>
-          <a:xfrm>
-            <a:off x="2754201" y="1628800"/>
-            <a:ext cx="1440160" cy="288032"/>
-          </a:xfrm>
-          <a:prstGeom prst="rect">
-            <a:avLst/>
-          </a:prstGeom>
-          <a:solidFill>
-            <a:schemeClr val="accent2">
-              <a:lumMod val="20000"/>
-              <a:lumOff val="80000"/>
-            </a:schemeClr>
-          </a:solidFill>
-          <a:ln w="9525">
-            <a:solidFill>
-              <a:schemeClr val="accent2"/>
-            </a:solidFill>
-          </a:ln>
-        </p:spPr>
-        <p:style>
-          <a:lnRef idx="2">
-            <a:schemeClr val="accent1">
-              <a:shade val="50000"/>
-            </a:schemeClr>
-          </a:lnRef>
-          <a:fillRef idx="1">
-            <a:schemeClr val="accent1"/>
-          </a:fillRef>
-          <a:effectRef idx="0">
-            <a:schemeClr val="accent1"/>
-          </a:effectRef>
-          <a:fontRef idx="minor">
-            <a:schemeClr val="lt1"/>
-          </a:fontRef>
-        </p:style>
-        <p:txBody>
-          <a:bodyPr rtlCol="0" anchor="ctr"/>
-          <a:lstStyle/>
-          <a:p>
-            <a:pPr algn="ctr"/>
-            <a:r>
-              <a:rPr lang="fr-FR" sz="1000" dirty="0" smtClean="0">
-                <a:solidFill>
-                  <a:sysClr val="windowText" lastClr="000000"/>
-                </a:solidFill>
-              </a:rPr>
-              <a:t>Domaine de la modélisation</a:t>
-            </a:r>
-            <a:endParaRPr lang="fr-FR" sz="1000" dirty="0">
-              <a:solidFill>
-                <a:sysClr val="windowText" lastClr="000000"/>
-              </a:solidFill>
-            </a:endParaRPr>
-          </a:p>
-        </p:txBody>
-      </p:sp>
-      <p:sp>
-        <p:nvSpPr>
-          <p:cNvPr id="9" name="Rectangle 8"/>
-          <p:cNvSpPr/>
-          <p:nvPr/>
-        </p:nvSpPr>
-        <p:spPr>
-          <a:xfrm>
-            <a:off x="2754201" y="1985071"/>
-            <a:ext cx="1440160" cy="1519706"/>
-          </a:xfrm>
-          <a:prstGeom prst="rect">
-            <a:avLst/>
-          </a:prstGeom>
-          <a:solidFill>
-            <a:schemeClr val="accent2">
-              <a:lumMod val="20000"/>
-              <a:lumOff val="80000"/>
-            </a:schemeClr>
-          </a:solidFill>
-          <a:ln w="9525">
-            <a:solidFill>
-              <a:schemeClr val="accent2"/>
-            </a:solidFill>
-          </a:ln>
-        </p:spPr>
-        <p:style>
-          <a:lnRef idx="2">
-            <a:schemeClr val="accent1">
-              <a:shade val="50000"/>
-            </a:schemeClr>
-          </a:lnRef>
-          <a:fillRef idx="1">
-            <a:schemeClr val="accent1"/>
-          </a:fillRef>
-          <a:effectRef idx="0">
-            <a:schemeClr val="accent1"/>
-          </a:effectRef>
-          <a:fontRef idx="minor">
-            <a:schemeClr val="lt1"/>
-          </a:fontRef>
-        </p:style>
-        <p:txBody>
-          <a:bodyPr rtlCol="0" anchor="ctr"/>
-          <a:lstStyle/>
-          <a:p>
-            <a:pPr algn="ctr"/>
-            <a:endParaRPr lang="fr-FR" sz="1000" dirty="0">
-              <a:solidFill>
-                <a:sysClr val="windowText" lastClr="000000"/>
-              </a:solidFill>
-            </a:endParaRPr>
-          </a:p>
-        </p:txBody>
-      </p:sp>
-      <p:sp>
-        <p:nvSpPr>
-          <p:cNvPr id="10" name="Rectangle 9"/>
-          <p:cNvSpPr/>
-          <p:nvPr/>
-        </p:nvSpPr>
-        <p:spPr>
-          <a:xfrm>
-            <a:off x="2910953" y="2051721"/>
-            <a:ext cx="1126656" cy="1389432"/>
-          </a:xfrm>
-          <a:prstGeom prst="rect">
-            <a:avLst/>
-          </a:prstGeom>
-          <a:solidFill>
-            <a:schemeClr val="accent2">
-              <a:lumMod val="20000"/>
-              <a:lumOff val="80000"/>
-            </a:schemeClr>
-          </a:solidFill>
-          <a:ln w="9525">
-            <a:solidFill>
-              <a:schemeClr val="accent2"/>
-            </a:solidFill>
-          </a:ln>
-        </p:spPr>
-        <p:style>
-          <a:lnRef idx="2">
-            <a:schemeClr val="accent1">
-              <a:shade val="50000"/>
-            </a:schemeClr>
-          </a:lnRef>
-          <a:fillRef idx="1">
-            <a:schemeClr val="accent1"/>
-          </a:fillRef>
-          <a:effectRef idx="0">
-            <a:schemeClr val="accent1"/>
-          </a:effectRef>
-          <a:fontRef idx="minor">
-            <a:schemeClr val="lt1"/>
-          </a:fontRef>
-        </p:style>
-        <p:txBody>
-          <a:bodyPr rtlCol="0" anchor="t"/>
-          <a:lstStyle/>
-          <a:p>
-            <a:pPr algn="ctr"/>
-            <a:r>
-              <a:rPr lang="fr-FR" sz="1000" b="1" dirty="0" smtClean="0">
-                <a:solidFill>
-                  <a:sysClr val="windowText" lastClr="000000"/>
-                </a:solidFill>
-              </a:rPr>
-              <a:t>Détermination des lois en effort en utilisant le PFS</a:t>
-            </a:r>
-          </a:p>
-        </p:txBody>
-      </p:sp>
-      <p:pic>
-        <p:nvPicPr>
-          <p:cNvPr id="2" name="Picture 2" descr="C:\Enseignement\GitHub\Cy_04_PSI_ModelisationDynamique\Revisions_Statique\Fiche_01_Statique_3D_TD_01_MC2E\images\fig_03.png"/>
-          <p:cNvPicPr>
-            <a:picLocks noChangeAspect="1" noChangeArrowheads="1"/>
-          </p:cNvPicPr>
-          <p:nvPr/>
-        </p:nvPicPr>
-        <p:blipFill rotWithShape="1">
-          <a:blip r:embed="rId2">
-            <a:extLst>
-              <a:ext uri="{28A0092B-C50C-407E-A947-70E740481C1C}">
-                <a14:useLocalDpi xmlns:a14="http://schemas.microsoft.com/office/drawing/2010/main" val="0"/>
-              </a:ext>
-            </a:extLst>
-          </a:blip>
-          <a:srcRect l="51117" t="54395" r="26802" b="-68"/>
-          <a:stretch/>
-        </p:blipFill>
-        <p:spPr bwMode="auto">
-          <a:xfrm>
-            <a:off x="1088030" y="2088420"/>
-            <a:ext cx="1207299" cy="963846"/>
-          </a:xfrm>
-          <a:prstGeom prst="rect">
-            <a:avLst/>
-          </a:prstGeom>
-          <a:noFill/>
-          <a:extLst>
-            <a:ext uri="{909E8E84-426E-40DD-AFC4-6F175D3DCCD1}">
-              <a14:hiddenFill xmlns:a14="http://schemas.microsoft.com/office/drawing/2010/main">
-                <a:solidFill>
-                  <a:srgbClr val="FFFFFF"/>
-                </a:solidFill>
-              </a14:hiddenFill>
-            </a:ext>
-          </a:extLst>
-        </p:spPr>
-      </p:pic>
-      <p:sp>
-        <p:nvSpPr>
-          <p:cNvPr id="14" name="Rectangle 13"/>
-          <p:cNvSpPr/>
-          <p:nvPr/>
-        </p:nvSpPr>
-        <p:spPr>
-          <a:xfrm>
-            <a:off x="6660232" y="1628800"/>
-            <a:ext cx="1440160" cy="288032"/>
-          </a:xfrm>
-          <a:prstGeom prst="rect">
-            <a:avLst/>
-          </a:prstGeom>
-          <a:solidFill>
-            <a:schemeClr val="accent3">
-              <a:lumMod val="20000"/>
-              <a:lumOff val="80000"/>
-            </a:schemeClr>
-          </a:solidFill>
-          <a:ln w="9525">
-            <a:solidFill>
-              <a:schemeClr val="accent3">
-                <a:lumMod val="50000"/>
-              </a:schemeClr>
-            </a:solidFill>
-          </a:ln>
-        </p:spPr>
-        <p:style>
-          <a:lnRef idx="2">
-            <a:schemeClr val="accent1">
-              <a:shade val="50000"/>
-            </a:schemeClr>
-          </a:lnRef>
-          <a:fillRef idx="1">
-            <a:schemeClr val="accent1"/>
-          </a:fillRef>
-          <a:effectRef idx="0">
-            <a:schemeClr val="accent1"/>
-          </a:effectRef>
-          <a:fontRef idx="minor">
-            <a:schemeClr val="lt1"/>
-          </a:fontRef>
-        </p:style>
-        <p:txBody>
-          <a:bodyPr rtlCol="0" anchor="ctr"/>
-          <a:lstStyle/>
-          <a:p>
-            <a:pPr algn="ctr"/>
-            <a:r>
-              <a:rPr lang="fr-FR" sz="1000" dirty="0" smtClean="0">
-                <a:solidFill>
-                  <a:sysClr val="windowText" lastClr="000000"/>
-                </a:solidFill>
-              </a:rPr>
-              <a:t>Domaine de l’expérimentation</a:t>
-            </a:r>
-            <a:endParaRPr lang="fr-FR" sz="1000" dirty="0">
-              <a:solidFill>
-                <a:sysClr val="windowText" lastClr="000000"/>
-              </a:solidFill>
-            </a:endParaRPr>
-          </a:p>
-        </p:txBody>
-      </p:sp>
-      <p:sp>
-        <p:nvSpPr>
-          <p:cNvPr id="15" name="Rectangle 14"/>
-          <p:cNvSpPr/>
-          <p:nvPr/>
-        </p:nvSpPr>
-        <p:spPr>
-          <a:xfrm>
-            <a:off x="6660232" y="1985071"/>
-            <a:ext cx="1440160" cy="1519706"/>
-          </a:xfrm>
-          <a:prstGeom prst="rect">
-            <a:avLst/>
-          </a:prstGeom>
-          <a:solidFill>
-            <a:schemeClr val="accent3">
-              <a:lumMod val="20000"/>
-              <a:lumOff val="80000"/>
-            </a:schemeClr>
-          </a:solidFill>
-          <a:ln w="9525">
-            <a:solidFill>
-              <a:schemeClr val="accent3">
-                <a:lumMod val="50000"/>
-              </a:schemeClr>
-            </a:solidFill>
-          </a:ln>
-        </p:spPr>
-        <p:style>
-          <a:lnRef idx="2">
-            <a:schemeClr val="accent1">
-              <a:shade val="50000"/>
-            </a:schemeClr>
-          </a:lnRef>
-          <a:fillRef idx="1">
-            <a:schemeClr val="accent1"/>
-          </a:fillRef>
-          <a:effectRef idx="0">
-            <a:schemeClr val="accent1"/>
-          </a:effectRef>
-          <a:fontRef idx="minor">
-            <a:schemeClr val="lt1"/>
-          </a:fontRef>
-        </p:style>
-        <p:txBody>
-          <a:bodyPr rtlCol="0" anchor="ctr"/>
-          <a:lstStyle/>
-          <a:p>
-            <a:pPr algn="ctr"/>
-            <a:endParaRPr lang="fr-FR" sz="1000" dirty="0">
-              <a:solidFill>
-                <a:sysClr val="windowText" lastClr="000000"/>
-              </a:solidFill>
-            </a:endParaRPr>
-          </a:p>
-        </p:txBody>
-      </p:sp>
-      <p:sp>
-        <p:nvSpPr>
-          <p:cNvPr id="16" name="Rectangle 15"/>
-          <p:cNvSpPr/>
-          <p:nvPr/>
-        </p:nvSpPr>
-        <p:spPr>
-          <a:xfrm>
-            <a:off x="6767439" y="2051721"/>
-            <a:ext cx="1225746" cy="1389432"/>
-          </a:xfrm>
-          <a:prstGeom prst="rect">
-            <a:avLst/>
-          </a:prstGeom>
-          <a:solidFill>
-            <a:schemeClr val="accent3">
-              <a:lumMod val="20000"/>
-              <a:lumOff val="80000"/>
-            </a:schemeClr>
-          </a:solidFill>
-          <a:ln w="9525">
-            <a:solidFill>
-              <a:schemeClr val="accent3">
-                <a:lumMod val="50000"/>
-              </a:schemeClr>
-            </a:solidFill>
-          </a:ln>
-        </p:spPr>
-        <p:style>
-          <a:lnRef idx="2">
-            <a:schemeClr val="accent1">
-              <a:shade val="50000"/>
-            </a:schemeClr>
-          </a:lnRef>
-          <a:fillRef idx="1">
-            <a:schemeClr val="accent1"/>
-          </a:fillRef>
-          <a:effectRef idx="0">
-            <a:schemeClr val="accent1"/>
-          </a:effectRef>
-          <a:fontRef idx="minor">
-            <a:schemeClr val="lt1"/>
-          </a:fontRef>
-        </p:style>
-        <p:txBody>
-          <a:bodyPr rtlCol="0" anchor="t"/>
-          <a:lstStyle/>
-          <a:p>
-            <a:pPr algn="ctr"/>
-            <a:r>
-              <a:rPr lang="fr-FR" sz="1000" b="1" dirty="0" smtClean="0">
-                <a:solidFill>
-                  <a:sysClr val="windowText" lastClr="000000"/>
-                </a:solidFill>
-              </a:rPr>
-              <a:t>Calibration du poids de E.</a:t>
-            </a:r>
-            <a:endParaRPr lang="fr-FR" sz="1000" b="1" dirty="0">
-              <a:solidFill>
-                <a:sysClr val="windowText" lastClr="000000"/>
-              </a:solidFill>
-            </a:endParaRPr>
-          </a:p>
-        </p:txBody>
-      </p:sp>
-      <p:sp>
-        <p:nvSpPr>
-          <p:cNvPr id="4" name="Double flèche horizontale 3"/>
-          <p:cNvSpPr/>
-          <p:nvPr/>
-        </p:nvSpPr>
-        <p:spPr>
-          <a:xfrm>
-            <a:off x="3923928" y="1472978"/>
-            <a:ext cx="3096343" cy="2194730"/>
-          </a:xfrm>
-          <a:prstGeom prst="leftRightArrow">
-            <a:avLst>
-              <a:gd name="adj1" fmla="val 75253"/>
-              <a:gd name="adj2" fmla="val 22762"/>
-            </a:avLst>
-          </a:prstGeom>
-          <a:solidFill>
-            <a:schemeClr val="accent6">
-              <a:lumMod val="20000"/>
-              <a:lumOff val="80000"/>
-            </a:schemeClr>
-          </a:solidFill>
-          <a:ln w="9525">
-            <a:solidFill>
-              <a:schemeClr val="accent6">
-                <a:lumMod val="50000"/>
-              </a:schemeClr>
-            </a:solidFill>
-          </a:ln>
-        </p:spPr>
-        <p:style>
-          <a:lnRef idx="2">
-            <a:schemeClr val="accent1">
-              <a:shade val="50000"/>
-            </a:schemeClr>
-          </a:lnRef>
-          <a:fillRef idx="1">
-            <a:schemeClr val="accent1"/>
-          </a:fillRef>
-          <a:effectRef idx="0">
-            <a:schemeClr val="accent1"/>
-          </a:effectRef>
-          <a:fontRef idx="minor">
-            <a:schemeClr val="lt1"/>
-          </a:fontRef>
-        </p:style>
-        <p:txBody>
-          <a:bodyPr rtlCol="0" anchor="ctr"/>
-          <a:lstStyle/>
-          <a:p>
-            <a:pPr algn="ctr"/>
-            <a:r>
-              <a:rPr lang="fr-FR" sz="900" dirty="0" smtClean="0">
-                <a:solidFill>
-                  <a:sysClr val="windowText" lastClr="000000"/>
-                </a:solidFill>
-              </a:rPr>
-              <a:t>Détermination de la compensation en effort</a:t>
-            </a:r>
-          </a:p>
-          <a:p>
-            <a:pPr algn="ctr"/>
-            <a:r>
-              <a:rPr lang="fr-FR" sz="1050" b="1" dirty="0" smtClean="0">
-                <a:solidFill>
-                  <a:sysClr val="windowText" lastClr="000000"/>
-                </a:solidFill>
-              </a:rPr>
-              <a:t>Erreur due à la mesure du  poids lors de la compensation  : </a:t>
-            </a:r>
-          </a:p>
-          <a:p>
-            <a:pPr algn="ctr"/>
-            <a:endParaRPr lang="fr-FR" sz="1050" b="1" dirty="0" smtClean="0">
-              <a:solidFill>
-                <a:sysClr val="windowText" lastClr="000000"/>
-              </a:solidFill>
-            </a:endParaRPr>
-          </a:p>
-          <a:p>
-            <a:pPr algn="ctr"/>
-            <a:r>
-              <a:rPr lang="fr-FR" sz="1050" b="1" dirty="0" smtClean="0">
-                <a:solidFill>
-                  <a:sysClr val="windowText" lastClr="000000"/>
-                </a:solidFill>
-              </a:rPr>
-              <a:t>Méthode de compensation du poids : </a:t>
-            </a:r>
-          </a:p>
-          <a:p>
-            <a:pPr algn="ctr"/>
-            <a:r>
-              <a:rPr lang="fr-FR" sz="1000" smtClean="0">
-                <a:solidFill>
-                  <a:schemeClr val="tx1"/>
-                </a:solidFill>
-              </a:rPr>
-              <a:t> </a:t>
-            </a:r>
-            <a:endParaRPr lang="fr-FR" sz="1000" b="1" dirty="0">
-              <a:solidFill>
-                <a:sysClr val="windowText" lastClr="000000"/>
-              </a:solidFill>
-            </a:endParaRPr>
-          </a:p>
-        </p:txBody>
-      </p:sp>
-    </p:spTree>
-    <p:extLst>
-      <p:ext uri="{BB962C8B-B14F-4D97-AF65-F5344CB8AC3E}">
-        <p14:creationId xmlns:p14="http://schemas.microsoft.com/office/powerpoint/2010/main" val="1419089961"/>
-      </p:ext>
-    </p:extLst>
-  </p:cSld>
-  <p:clrMapOvr>
-    <a:masterClrMapping/>
-  </p:clrMapOvr>
-</p:sld>
-</file>
-
-<file path=ppt/slides/slide9.xml><?xml version="1.0" encoding="utf-8"?>
-<p:sld xmlns:a="http://schemas.openxmlformats.org/drawingml/2006/main" xmlns:r="http://schemas.openxmlformats.org/officeDocument/2006/relationships" xmlns:p="http://schemas.openxmlformats.org/presentationml/2006/main">
-  <p:cSld>
-    <p:spTree>
-      <p:nvGrpSpPr>
-        <p:cNvPr id="1" name=""/>
-        <p:cNvGrpSpPr/>
-        <p:nvPr/>
-      </p:nvGrpSpPr>
-      <p:grpSpPr>
-        <a:xfrm>
-          <a:off x="0" y="0"/>
-          <a:ext cx="0" cy="0"/>
-          <a:chOff x="0" y="0"/>
-          <a:chExt cx="0" cy="0"/>
-        </a:xfrm>
-      </p:grpSpPr>
-      <p:sp>
-        <p:nvSpPr>
-          <p:cNvPr id="5" name="Rectangle 4"/>
-          <p:cNvSpPr/>
-          <p:nvPr/>
-        </p:nvSpPr>
-        <p:spPr>
-          <a:xfrm>
-            <a:off x="971600" y="1628800"/>
-            <a:ext cx="1440160" cy="288032"/>
-          </a:xfrm>
-          <a:prstGeom prst="rect">
-            <a:avLst/>
-          </a:prstGeom>
-          <a:solidFill>
-            <a:schemeClr val="accent5">
-              <a:lumMod val="20000"/>
-              <a:lumOff val="80000"/>
-            </a:schemeClr>
-          </a:solidFill>
-          <a:ln w="9525">
-            <a:solidFill>
-              <a:schemeClr val="accent5">
-                <a:lumMod val="50000"/>
-              </a:schemeClr>
-            </a:solidFill>
-          </a:ln>
-        </p:spPr>
-        <p:style>
-          <a:lnRef idx="2">
-            <a:schemeClr val="accent1">
-              <a:shade val="50000"/>
-            </a:schemeClr>
-          </a:lnRef>
-          <a:fillRef idx="1">
-            <a:schemeClr val="accent1"/>
-          </a:fillRef>
-          <a:effectRef idx="0">
-            <a:schemeClr val="accent1"/>
-          </a:effectRef>
-          <a:fontRef idx="minor">
-            <a:schemeClr val="lt1"/>
-          </a:fontRef>
-        </p:style>
-        <p:txBody>
-          <a:bodyPr rtlCol="0" anchor="ctr"/>
-          <a:lstStyle/>
-          <a:p>
-            <a:pPr algn="ctr"/>
-            <a:r>
-              <a:rPr lang="fr-FR" sz="1000" dirty="0" smtClean="0">
-                <a:solidFill>
-                  <a:sysClr val="windowText" lastClr="000000"/>
-                </a:solidFill>
-              </a:rPr>
-              <a:t>Domaine du client</a:t>
-            </a:r>
-            <a:endParaRPr lang="fr-FR" sz="1000" dirty="0">
-              <a:solidFill>
-                <a:sysClr val="windowText" lastClr="000000"/>
-              </a:solidFill>
-            </a:endParaRPr>
-          </a:p>
-        </p:txBody>
-      </p:sp>
-      <p:sp>
-        <p:nvSpPr>
-          <p:cNvPr id="6" name="Rectangle 5"/>
-          <p:cNvSpPr/>
-          <p:nvPr/>
-        </p:nvSpPr>
-        <p:spPr>
-          <a:xfrm>
-            <a:off x="971600" y="1988840"/>
-            <a:ext cx="1440160" cy="1512168"/>
-          </a:xfrm>
-          <a:prstGeom prst="rect">
-            <a:avLst/>
-          </a:prstGeom>
-          <a:solidFill>
-            <a:schemeClr val="accent5">
-              <a:lumMod val="20000"/>
-              <a:lumOff val="80000"/>
-            </a:schemeClr>
-          </a:solidFill>
-          <a:ln w="9525">
-            <a:solidFill>
-              <a:schemeClr val="accent5">
-                <a:lumMod val="50000"/>
-              </a:schemeClr>
-            </a:solidFill>
-          </a:ln>
-        </p:spPr>
-        <p:style>
-          <a:lnRef idx="2">
-            <a:schemeClr val="accent1">
-              <a:shade val="50000"/>
-            </a:schemeClr>
-          </a:lnRef>
-          <a:fillRef idx="1">
-            <a:schemeClr val="accent1"/>
-          </a:fillRef>
-          <a:effectRef idx="0">
-            <a:schemeClr val="accent1"/>
-          </a:effectRef>
-          <a:fontRef idx="minor">
-            <a:schemeClr val="lt1"/>
-          </a:fontRef>
-        </p:style>
-        <p:txBody>
-          <a:bodyPr rtlCol="0" anchor="ctr"/>
-          <a:lstStyle/>
-          <a:p>
-            <a:pPr algn="ctr"/>
-            <a:endParaRPr lang="fr-FR" sz="1000" dirty="0">
-              <a:solidFill>
-                <a:sysClr val="windowText" lastClr="000000"/>
-              </a:solidFill>
-            </a:endParaRPr>
-          </a:p>
-        </p:txBody>
-      </p:sp>
-      <p:pic>
-        <p:nvPicPr>
-          <p:cNvPr id="1026" name="Picture 2"/>
-          <p:cNvPicPr>
-            <a:picLocks noChangeAspect="1" noChangeArrowheads="1"/>
-          </p:cNvPicPr>
-          <p:nvPr/>
-        </p:nvPicPr>
-        <p:blipFill>
-          <a:blip r:embed="rId2">
-            <a:extLst>
-              <a:ext uri="{28A0092B-C50C-407E-A947-70E740481C1C}">
-                <a14:useLocalDpi xmlns:a14="http://schemas.microsoft.com/office/drawing/2010/main" val="0"/>
-              </a:ext>
-            </a:extLst>
-          </a:blip>
-          <a:srcRect/>
-          <a:stretch>
-            <a:fillRect/>
-          </a:stretch>
-        </p:blipFill>
-        <p:spPr bwMode="auto">
-          <a:xfrm>
-            <a:off x="1023876" y="2003998"/>
-            <a:ext cx="1335608" cy="870762"/>
-          </a:xfrm>
-          <a:prstGeom prst="rect">
-            <a:avLst/>
-          </a:prstGeom>
-          <a:noFill/>
-          <a:ln>
-            <a:noFill/>
-          </a:ln>
-          <a:effectLst/>
-          <a:extLst>
-            <a:ext uri="{909E8E84-426E-40DD-AFC4-6F175D3DCCD1}">
-              <a14:hiddenFill xmlns:a14="http://schemas.microsoft.com/office/drawing/2010/main">
-                <a:solidFill>
-                  <a:schemeClr val="accent1"/>
-                </a:solidFill>
-              </a14:hiddenFill>
-            </a:ext>
-            <a:ext uri="{91240B29-F687-4F45-9708-019B960494DF}">
-              <a14:hiddenLine xmlns:a14="http://schemas.microsoft.com/office/drawing/2010/main" w="9525">
-                <a:solidFill>
-                  <a:schemeClr val="tx1"/>
-                </a:solidFill>
-                <a:miter lim="800000"/>
-                <a:headEnd/>
-                <a:tailEnd/>
-              </a14:hiddenLine>
-            </a:ext>
-            <a:ext uri="{AF507438-7753-43E0-B8FC-AC1667EBCBE1}">
-              <a14:hiddenEffects xmlns:a14="http://schemas.microsoft.com/office/drawing/2010/main">
-                <a:effectLst>
-                  <a:outerShdw dist="35921" dir="2700000" algn="ctr" rotWithShape="0">
-                    <a:schemeClr val="bg2"/>
-                  </a:outerShdw>
-                </a:effectLst>
-              </a14:hiddenEffects>
-            </a:ext>
-          </a:extLst>
-        </p:spPr>
-      </p:pic>
-      <p:sp>
-        <p:nvSpPr>
-          <p:cNvPr id="8" name="Rectangle 7"/>
-          <p:cNvSpPr/>
-          <p:nvPr/>
-        </p:nvSpPr>
-        <p:spPr>
-          <a:xfrm>
-            <a:off x="3779912" y="1628800"/>
-            <a:ext cx="1440160" cy="288032"/>
-          </a:xfrm>
-          <a:prstGeom prst="rect">
-            <a:avLst/>
-          </a:prstGeom>
-          <a:solidFill>
-            <a:schemeClr val="accent2">
-              <a:lumMod val="20000"/>
-              <a:lumOff val="80000"/>
-            </a:schemeClr>
-          </a:solidFill>
-          <a:ln w="9525">
-            <a:solidFill>
-              <a:schemeClr val="accent2"/>
-            </a:solidFill>
-          </a:ln>
-        </p:spPr>
-        <p:style>
-          <a:lnRef idx="2">
-            <a:schemeClr val="accent1">
-              <a:shade val="50000"/>
-            </a:schemeClr>
-          </a:lnRef>
-          <a:fillRef idx="1">
-            <a:schemeClr val="accent1"/>
-          </a:fillRef>
-          <a:effectRef idx="0">
-            <a:schemeClr val="accent1"/>
-          </a:effectRef>
-          <a:fontRef idx="minor">
-            <a:schemeClr val="lt1"/>
-          </a:fontRef>
-        </p:style>
-        <p:txBody>
-          <a:bodyPr rtlCol="0" anchor="ctr"/>
-          <a:lstStyle/>
-          <a:p>
-            <a:pPr algn="ctr"/>
-            <a:r>
-              <a:rPr lang="fr-FR" sz="1000" dirty="0" smtClean="0">
-                <a:solidFill>
-                  <a:sysClr val="windowText" lastClr="000000"/>
-                </a:solidFill>
-              </a:rPr>
-              <a:t>Domaine de la modélisation</a:t>
-            </a:r>
-            <a:endParaRPr lang="fr-FR" sz="1000" dirty="0">
-              <a:solidFill>
-                <a:sysClr val="windowText" lastClr="000000"/>
-              </a:solidFill>
-            </a:endParaRPr>
-          </a:p>
-        </p:txBody>
-      </p:sp>
-      <p:sp>
-        <p:nvSpPr>
-          <p:cNvPr id="9" name="Rectangle 8"/>
-          <p:cNvSpPr/>
-          <p:nvPr/>
-        </p:nvSpPr>
-        <p:spPr>
-          <a:xfrm>
-            <a:off x="3779912" y="1981302"/>
-            <a:ext cx="1440160" cy="1519706"/>
-          </a:xfrm>
-          <a:prstGeom prst="rect">
-            <a:avLst/>
-          </a:prstGeom>
-          <a:solidFill>
-            <a:schemeClr val="accent2">
-              <a:lumMod val="20000"/>
-              <a:lumOff val="80000"/>
-            </a:schemeClr>
-          </a:solidFill>
-          <a:ln w="9525">
-            <a:solidFill>
-              <a:schemeClr val="accent2"/>
-            </a:solidFill>
-          </a:ln>
-        </p:spPr>
-        <p:style>
-          <a:lnRef idx="2">
-            <a:schemeClr val="accent1">
-              <a:shade val="50000"/>
-            </a:schemeClr>
-          </a:lnRef>
-          <a:fillRef idx="1">
-            <a:schemeClr val="accent1"/>
-          </a:fillRef>
-          <a:effectRef idx="0">
-            <a:schemeClr val="accent1"/>
-          </a:effectRef>
-          <a:fontRef idx="minor">
-            <a:schemeClr val="lt1"/>
-          </a:fontRef>
-        </p:style>
-        <p:txBody>
-          <a:bodyPr rtlCol="0" anchor="ctr"/>
-          <a:lstStyle/>
-          <a:p>
-            <a:pPr algn="ctr"/>
-            <a:endParaRPr lang="fr-FR" sz="1000" dirty="0">
-              <a:solidFill>
-                <a:sysClr val="windowText" lastClr="000000"/>
-              </a:solidFill>
-            </a:endParaRPr>
-          </a:p>
-        </p:txBody>
-      </p:sp>
-      <mc:AlternateContent xmlns:mc="http://schemas.openxmlformats.org/markup-compatibility/2006" xmlns:a14="http://schemas.microsoft.com/office/drawing/2010/main">
-        <mc:Choice Requires="a14">
-          <p:sp>
-            <p:nvSpPr>
-              <p:cNvPr id="10" name="Rectangle 9"/>
-              <p:cNvSpPr/>
-              <p:nvPr/>
-            </p:nvSpPr>
-            <p:spPr>
-              <a:xfrm>
-                <a:off x="3995936" y="2039568"/>
-                <a:ext cx="1008112" cy="1389432"/>
-              </a:xfrm>
-              <a:prstGeom prst="rect">
-                <a:avLst/>
-              </a:prstGeom>
-              <a:solidFill>
-                <a:schemeClr val="accent2">
-                  <a:lumMod val="20000"/>
-                  <a:lumOff val="80000"/>
-                </a:schemeClr>
-              </a:solidFill>
-              <a:ln w="9525">
-                <a:solidFill>
-                  <a:schemeClr val="accent2"/>
-                </a:solidFill>
-              </a:ln>
-            </p:spPr>
-            <p:style>
-              <a:lnRef idx="2">
-                <a:schemeClr val="accent1">
-                  <a:shade val="50000"/>
-                </a:schemeClr>
-              </a:lnRef>
-              <a:fillRef idx="1">
-                <a:schemeClr val="accent1"/>
-              </a:fillRef>
-              <a:effectRef idx="0">
-                <a:schemeClr val="accent1"/>
-              </a:effectRef>
-              <a:fontRef idx="minor">
-                <a:schemeClr val="lt1"/>
-              </a:fontRef>
-            </p:style>
-            <p:txBody>
-              <a:bodyPr rtlCol="0" anchor="t"/>
-              <a:lstStyle/>
-              <a:p>
-                <a:pPr algn="ctr"/>
-                <a:r>
-                  <a:rPr lang="fr-FR" sz="1000" b="1" dirty="0" smtClean="0">
-                    <a:solidFill>
-                      <a:sysClr val="windowText" lastClr="000000"/>
-                    </a:solidFill>
-                  </a:rPr>
-                  <a:t>Couple moteur calculé</a:t>
-                </a:r>
-              </a:p>
-              <a:p>
-                <a:pPr algn="ctr"/>
-                <a:endParaRPr lang="fr-FR" sz="1000" b="1" dirty="0" smtClean="0">
-                  <a:solidFill>
-                    <a:sysClr val="windowText" lastClr="000000"/>
-                  </a:solidFill>
-                </a:endParaRPr>
-              </a:p>
-              <a:p>
-                <a:pPr algn="ctr"/>
-                <a14:m>
-                  <m:oMathPara xmlns:m="http://schemas.openxmlformats.org/officeDocument/2006/math">
-                    <m:oMathParaPr>
-                      <m:jc m:val="centerGroup"/>
-                    </m:oMathParaPr>
-                    <m:oMath xmlns:m="http://schemas.openxmlformats.org/officeDocument/2006/math">
-                      <m:f>
-                        <m:fPr>
-                          <m:ctrlPr>
-                            <a:rPr lang="fr-FR" sz="1000" b="1" i="1" smtClean="0">
-                              <a:solidFill>
-                                <a:sysClr val="windowText" lastClr="000000"/>
-                              </a:solidFill>
-                              <a:latin typeface="Cambria Math"/>
-                            </a:rPr>
-                          </m:ctrlPr>
-                        </m:fPr>
-                        <m:num>
-                          <m:r>
-                            <a:rPr lang="fr-FR" sz="1000" b="1" i="1" smtClean="0">
-                              <a:solidFill>
-                                <a:sysClr val="windowText" lastClr="000000"/>
-                              </a:solidFill>
-                              <a:latin typeface="Cambria Math"/>
-                            </a:rPr>
-                            <m:t>𝟎</m:t>
-                          </m:r>
-                          <m:r>
-                            <a:rPr lang="fr-FR" sz="1000" b="1" i="1" smtClean="0">
-                              <a:solidFill>
-                                <a:sysClr val="windowText" lastClr="000000"/>
-                              </a:solidFill>
-                              <a:latin typeface="Cambria Math"/>
-                            </a:rPr>
-                            <m:t>,</m:t>
-                          </m:r>
-                          <m:r>
-                            <a:rPr lang="fr-FR" sz="1000" b="1" i="1" smtClean="0">
-                              <a:solidFill>
-                                <a:sysClr val="windowText" lastClr="000000"/>
-                              </a:solidFill>
-                              <a:latin typeface="Cambria Math"/>
-                            </a:rPr>
-                            <m:t>𝟒</m:t>
-                          </m:r>
-                        </m:num>
-                        <m:den>
-                          <m:r>
-                            <a:rPr lang="fr-FR" sz="1000" b="1" i="1" smtClean="0">
-                              <a:solidFill>
-                                <a:sysClr val="windowText" lastClr="000000"/>
-                              </a:solidFill>
-                              <a:latin typeface="Cambria Math"/>
-                            </a:rPr>
-                            <m:t>𝟔𝟔</m:t>
-                          </m:r>
-                        </m:den>
-                      </m:f>
-                      <m:r>
-                        <a:rPr lang="fr-FR" sz="1000" b="1" i="1" smtClean="0">
-                          <a:solidFill>
-                            <a:sysClr val="windowText" lastClr="000000"/>
-                          </a:solidFill>
-                          <a:latin typeface="Cambria Math"/>
-                        </a:rPr>
-                        <m:t>=</m:t>
-                      </m:r>
-                      <m:r>
-                        <a:rPr lang="fr-FR" sz="1000" b="1" i="1" smtClean="0">
-                          <a:solidFill>
-                            <a:sysClr val="windowText" lastClr="000000"/>
-                          </a:solidFill>
-                          <a:latin typeface="Cambria Math"/>
-                        </a:rPr>
-                        <m:t>𝟔</m:t>
-                      </m:r>
-                      <m:r>
-                        <a:rPr lang="fr-FR" sz="1000" b="1" i="0" smtClean="0">
-                          <a:solidFill>
-                            <a:sysClr val="windowText" lastClr="000000"/>
-                          </a:solidFill>
-                          <a:latin typeface="Cambria Math"/>
-                        </a:rPr>
-                        <m:t>𝐦𝐍𝐦</m:t>
-                      </m:r>
-                    </m:oMath>
-                  </m:oMathPara>
-                </a14:m>
-                <a:endParaRPr lang="fr-FR" sz="1000" b="1" dirty="0">
-                  <a:solidFill>
-                    <a:sysClr val="windowText" lastClr="000000"/>
-                  </a:solidFill>
-                </a:endParaRPr>
-              </a:p>
-            </p:txBody>
-          </p:sp>
-        </mc:Choice>
-        <mc:Fallback xmlns="">
-          <p:sp>
-            <p:nvSpPr>
-              <p:cNvPr id="10" name="Rectangle 9"/>
-              <p:cNvSpPr>
-                <a:spLocks noRot="1" noChangeAspect="1" noMove="1" noResize="1" noEditPoints="1" noAdjustHandles="1" noChangeArrowheads="1" noChangeShapeType="1" noTextEdit="1"/>
-              </p:cNvSpPr>
-              <p:nvPr/>
-            </p:nvSpPr>
-            <p:spPr>
-              <a:xfrm>
-                <a:off x="3995936" y="2039568"/>
-                <a:ext cx="1008112" cy="1389432"/>
-              </a:xfrm>
-              <a:prstGeom prst="rect">
-                <a:avLst/>
-              </a:prstGeom>
-              <a:blipFill rotWithShape="1">
-                <a:blip r:embed="rId3"/>
-                <a:stretch>
-                  <a:fillRect/>
-                </a:stretch>
-              </a:blipFill>
-              <a:ln w="9525">
-                <a:solidFill>
-                  <a:schemeClr val="accent2"/>
-                </a:solidFill>
-              </a:ln>
-            </p:spPr>
-            <p:txBody>
-              <a:bodyPr/>
-              <a:lstStyle/>
-              <a:p>
-                <a:r>
-                  <a:rPr lang="fr-FR">
-                    <a:noFill/>
-                  </a:rPr>
-                  <a:t> </a:t>
-                </a:r>
-              </a:p>
-            </p:txBody>
-          </p:sp>
-        </mc:Fallback>
-      </mc:AlternateContent>
-      <p:pic>
-        <p:nvPicPr>
-          <p:cNvPr id="1029" name="Picture 5"/>
-          <p:cNvPicPr>
-            <a:picLocks noChangeAspect="1" noChangeArrowheads="1"/>
-          </p:cNvPicPr>
-          <p:nvPr/>
-        </p:nvPicPr>
-        <p:blipFill rotWithShape="1">
-          <a:blip r:embed="rId4" cstate="print">
-            <a:extLst>
-              <a:ext uri="{28A0092B-C50C-407E-A947-70E740481C1C}">
-                <a14:useLocalDpi xmlns:a14="http://schemas.microsoft.com/office/drawing/2010/main" val="0"/>
-              </a:ext>
-            </a:extLst>
-          </a:blip>
-          <a:srcRect t="40121" r="6833"/>
-          <a:stretch/>
-        </p:blipFill>
-        <p:spPr bwMode="auto">
-          <a:xfrm>
-            <a:off x="1023876" y="3044031"/>
-            <a:ext cx="1309687" cy="401638"/>
-          </a:xfrm>
-          <a:prstGeom prst="rect">
-            <a:avLst/>
-          </a:prstGeom>
-          <a:noFill/>
-          <a:ln>
-            <a:noFill/>
-          </a:ln>
-          <a:effectLst/>
-          <a:extLst>
-            <a:ext uri="{909E8E84-426E-40DD-AFC4-6F175D3DCCD1}">
-              <a14:hiddenFill xmlns:a14="http://schemas.microsoft.com/office/drawing/2010/main">
-                <a:solidFill>
-                  <a:schemeClr val="accent1"/>
-                </a:solidFill>
-              </a14:hiddenFill>
-            </a:ext>
-            <a:ext uri="{91240B29-F687-4F45-9708-019B960494DF}">
-              <a14:hiddenLine xmlns:a14="http://schemas.microsoft.com/office/drawing/2010/main" w="9525">
-                <a:solidFill>
-                  <a:schemeClr val="tx1"/>
-                </a:solidFill>
-                <a:miter lim="800000"/>
-                <a:headEnd/>
-                <a:tailEnd/>
-              </a14:hiddenLine>
-            </a:ext>
-            <a:ext uri="{AF507438-7753-43E0-B8FC-AC1667EBCBE1}">
-              <a14:hiddenEffects xmlns:a14="http://schemas.microsoft.com/office/drawing/2010/main">
-                <a:effectLst>
-                  <a:outerShdw dist="35921" dir="2700000" algn="ctr" rotWithShape="0">
-                    <a:schemeClr val="bg2"/>
-                  </a:outerShdw>
-                </a:effectLst>
-              </a14:hiddenEffects>
-            </a:ext>
-          </a:extLst>
-        </p:spPr>
-      </p:pic>
-      <p:cxnSp>
-        <p:nvCxnSpPr>
-          <p:cNvPr id="11" name="Connecteur droit avec flèche 10"/>
-          <p:cNvCxnSpPr>
-            <a:stCxn id="1026" idx="3"/>
-          </p:cNvCxnSpPr>
-          <p:nvPr/>
-        </p:nvCxnSpPr>
-        <p:spPr>
-          <a:xfrm>
-            <a:off x="2359484" y="2439379"/>
-            <a:ext cx="1636452" cy="0"/>
-          </a:xfrm>
-          <a:prstGeom prst="straightConnector1">
-            <a:avLst/>
-          </a:prstGeom>
-          <a:ln w="19050">
-            <a:solidFill>
-              <a:schemeClr val="accent2"/>
-            </a:solidFill>
-            <a:headEnd type="stealth" w="med" len="lg"/>
-            <a:tailEnd type="stealth" w="med" len="lg"/>
-          </a:ln>
-        </p:spPr>
-        <p:style>
-          <a:lnRef idx="1">
-            <a:schemeClr val="accent1"/>
-          </a:lnRef>
-          <a:fillRef idx="0">
-            <a:schemeClr val="accent1"/>
-          </a:fillRef>
-          <a:effectRef idx="0">
-            <a:schemeClr val="accent1"/>
-          </a:effectRef>
-          <a:fontRef idx="minor">
-            <a:schemeClr val="tx1"/>
-          </a:fontRef>
-        </p:style>
-      </p:cxnSp>
-      <p:sp>
-        <p:nvSpPr>
-          <p:cNvPr id="12" name="Rectangle 11"/>
-          <p:cNvSpPr/>
-          <p:nvPr/>
-        </p:nvSpPr>
-        <p:spPr>
-          <a:xfrm>
-            <a:off x="2550037" y="2143874"/>
-            <a:ext cx="1183336" cy="600164"/>
-          </a:xfrm>
-          <a:prstGeom prst="rect">
-            <a:avLst/>
-          </a:prstGeom>
-        </p:spPr>
-        <p:txBody>
-          <a:bodyPr wrap="none">
-            <a:spAutoFit/>
-          </a:bodyPr>
-          <a:lstStyle/>
-          <a:p>
-            <a:pPr algn="ctr"/>
-            <a:r>
-              <a:rPr lang="fr-FR" sz="1100" b="1" dirty="0" smtClean="0">
-                <a:solidFill>
-                  <a:sysClr val="windowText" lastClr="000000"/>
-                </a:solidFill>
-              </a:rPr>
-              <a:t>Exigence validée </a:t>
-            </a:r>
-          </a:p>
-          <a:p>
-            <a:pPr algn="ctr"/>
-            <a:endParaRPr lang="fr-FR" sz="1100" b="1" dirty="0">
-              <a:solidFill>
-                <a:sysClr val="windowText" lastClr="000000"/>
-              </a:solidFill>
-            </a:endParaRPr>
-          </a:p>
-          <a:p>
-            <a:pPr algn="ctr"/>
-            <a:r>
-              <a:rPr lang="fr-FR" sz="1100" b="1" dirty="0" smtClean="0">
-                <a:solidFill>
-                  <a:sysClr val="windowText" lastClr="000000"/>
-                </a:solidFill>
-              </a:rPr>
-              <a:t>OUI</a:t>
-            </a:r>
-            <a:endParaRPr lang="fr-FR" sz="1100" b="1" dirty="0">
-              <a:solidFill>
-                <a:sysClr val="windowText" lastClr="000000"/>
-              </a:solidFill>
-            </a:endParaRPr>
-          </a:p>
-        </p:txBody>
-      </p:sp>
-      <p:cxnSp>
-        <p:nvCxnSpPr>
-          <p:cNvPr id="18" name="Connecteur droit avec flèche 17"/>
-          <p:cNvCxnSpPr>
-            <a:stCxn id="1029" idx="3"/>
-          </p:cNvCxnSpPr>
-          <p:nvPr/>
-        </p:nvCxnSpPr>
-        <p:spPr>
-          <a:xfrm>
-            <a:off x="2333563" y="3244850"/>
-            <a:ext cx="1662373" cy="0"/>
-          </a:xfrm>
-          <a:prstGeom prst="straightConnector1">
-            <a:avLst/>
-          </a:prstGeom>
-          <a:ln w="19050">
-            <a:solidFill>
-              <a:schemeClr val="accent2"/>
-            </a:solidFill>
-            <a:headEnd type="stealth" w="med" len="lg"/>
-            <a:tailEnd type="stealth" w="med" len="lg"/>
-          </a:ln>
-        </p:spPr>
-        <p:style>
-          <a:lnRef idx="1">
-            <a:schemeClr val="accent1"/>
-          </a:lnRef>
-          <a:fillRef idx="0">
-            <a:schemeClr val="accent1"/>
-          </a:fillRef>
-          <a:effectRef idx="0">
-            <a:schemeClr val="accent1"/>
-          </a:effectRef>
-          <a:fontRef idx="minor">
-            <a:schemeClr val="tx1"/>
-          </a:fontRef>
-        </p:style>
-      </p:cxnSp>
-      <p:sp>
-        <p:nvSpPr>
-          <p:cNvPr id="24" name="Rectangle 23"/>
-          <p:cNvSpPr/>
-          <p:nvPr/>
-        </p:nvSpPr>
-        <p:spPr>
-          <a:xfrm>
-            <a:off x="2494486" y="2971117"/>
-            <a:ext cx="1300356" cy="261610"/>
-          </a:xfrm>
-          <a:prstGeom prst="rect">
-            <a:avLst/>
-          </a:prstGeom>
-        </p:spPr>
-        <p:txBody>
-          <a:bodyPr wrap="none">
-            <a:spAutoFit/>
-          </a:bodyPr>
-          <a:lstStyle/>
-          <a:p>
-            <a:pPr algn="ctr"/>
-            <a:r>
-              <a:rPr lang="fr-FR" sz="1100" b="1" dirty="0" smtClean="0">
-                <a:solidFill>
-                  <a:sysClr val="windowText" lastClr="000000"/>
-                </a:solidFill>
-              </a:rPr>
-              <a:t>Marge d’utilisation</a:t>
-            </a:r>
-            <a:endParaRPr lang="fr-FR" sz="1100" b="1" dirty="0">
-              <a:solidFill>
-                <a:sysClr val="windowText" lastClr="000000"/>
-              </a:solidFill>
-            </a:endParaRPr>
-          </a:p>
-        </p:txBody>
-      </p:sp>
-      <mc:AlternateContent xmlns:mc="http://schemas.openxmlformats.org/markup-compatibility/2006" xmlns:a14="http://schemas.microsoft.com/office/drawing/2010/main">
-        <mc:Choice Requires="a14">
-          <p:sp>
-            <p:nvSpPr>
-              <p:cNvPr id="2" name="Rectangle 1"/>
-              <p:cNvSpPr/>
-              <p:nvPr/>
-            </p:nvSpPr>
-            <p:spPr>
-              <a:xfrm>
-                <a:off x="2011933" y="3284984"/>
-                <a:ext cx="2259544" cy="1015663"/>
-              </a:xfrm>
-              <a:prstGeom prst="rect">
-                <a:avLst/>
-              </a:prstGeom>
-            </p:spPr>
-            <p:txBody>
-              <a:bodyPr wrap="square">
-                <a:spAutoFit/>
-              </a:bodyPr>
-              <a:lstStyle/>
-              <a:p>
-                <a:pPr algn="ctr"/>
-                <a14:m>
-                  <m:oMathPara xmlns:m="http://schemas.openxmlformats.org/officeDocument/2006/math">
-                    <m:oMathParaPr>
-                      <m:jc m:val="centerGroup"/>
-                    </m:oMathParaPr>
-                    <m:oMath xmlns:m="http://schemas.openxmlformats.org/officeDocument/2006/math">
-                      <m:r>
-                        <a:rPr lang="fr-FR" sz="1200" b="1" i="0" smtClean="0">
-                          <a:solidFill>
-                            <a:sysClr val="windowText" lastClr="000000"/>
-                          </a:solidFill>
-                          <a:latin typeface="Cambria Math"/>
-                        </a:rPr>
-                        <m:t>𝟏𝟎</m:t>
-                      </m:r>
-                      <m:r>
-                        <a:rPr lang="fr-FR" sz="1200" b="1">
-                          <a:solidFill>
-                            <a:sysClr val="windowText" lastClr="000000"/>
-                          </a:solidFill>
-                          <a:latin typeface="Cambria Math"/>
-                        </a:rPr>
-                        <m:t>𝐦𝐍𝐦</m:t>
-                      </m:r>
-                    </m:oMath>
-                  </m:oMathPara>
-                </a14:m>
-                <a:endParaRPr lang="fr-FR" sz="1200" b="1" dirty="0" smtClean="0">
-                  <a:solidFill>
-                    <a:sysClr val="windowText" lastClr="000000"/>
-                  </a:solidFill>
-                </a:endParaRPr>
-              </a:p>
-              <a:p>
-                <a:pPr algn="ctr"/>
-                <a:r>
-                  <a:rPr lang="fr-FR" sz="1200" b="1" dirty="0" smtClean="0">
-                    <a:solidFill>
-                      <a:sysClr val="windowText" lastClr="000000"/>
-                    </a:solidFill>
-                  </a:rPr>
-                  <a:t>Le couple étant calculé dans une configuration particulière, un couple supérieur peut être nécessaire.</a:t>
-                </a:r>
-                <a:endParaRPr lang="fr-FR" sz="1200" b="1" dirty="0">
-                  <a:solidFill>
-                    <a:sysClr val="windowText" lastClr="000000"/>
-                  </a:solidFill>
-                </a:endParaRPr>
-              </a:p>
-            </p:txBody>
-          </p:sp>
-        </mc:Choice>
-        <mc:Fallback xmlns="">
-          <p:sp>
-            <p:nvSpPr>
-              <p:cNvPr id="2" name="Rectangle 1"/>
-              <p:cNvSpPr>
-                <a:spLocks noRot="1" noChangeAspect="1" noMove="1" noResize="1" noEditPoints="1" noAdjustHandles="1" noChangeArrowheads="1" noChangeShapeType="1" noTextEdit="1"/>
-              </p:cNvSpPr>
-              <p:nvPr/>
-            </p:nvSpPr>
-            <p:spPr>
-              <a:xfrm>
-                <a:off x="2011933" y="3284984"/>
-                <a:ext cx="2259544" cy="1015663"/>
-              </a:xfrm>
-              <a:prstGeom prst="rect">
-                <a:avLst/>
-              </a:prstGeom>
-              <a:blipFill rotWithShape="1">
-                <a:blip r:embed="rId5"/>
-                <a:stretch>
-                  <a:fillRect r="-1078" b="-4217"/>
-                </a:stretch>
-              </a:blipFill>
-            </p:spPr>
-            <p:txBody>
-              <a:bodyPr/>
-              <a:lstStyle/>
-              <a:p>
-                <a:r>
-                  <a:rPr lang="fr-FR">
-                    <a:noFill/>
-                  </a:rPr>
-                  <a:t> </a:t>
-                </a:r>
-              </a:p>
-            </p:txBody>
-          </p:sp>
-        </mc:Fallback>
-      </mc:AlternateContent>
-    </p:spTree>
-    <p:extLst>
-      <p:ext uri="{BB962C8B-B14F-4D97-AF65-F5344CB8AC3E}">
-        <p14:creationId xmlns:p14="http://schemas.microsoft.com/office/powerpoint/2010/main" val="3184664115"/>
-      </p:ext>
-    </p:extLst>
-  </p:cSld>
-  <p:clrMapOvr>
-    <a:masterClrMapping/>
-  </p:clrMapOvr>
-</p:sld>
-</file>
-
 <file path=ppt/theme/theme1.xml><?xml version="1.0" encoding="utf-8"?>
 <a:theme xmlns:a="http://schemas.openxmlformats.org/drawingml/2006/main" name="Thème Office">
   <a:themeElements>
